--- a/ATOM_scripts_lecture/Intro2atom.pptx
+++ b/ATOM_scripts_lecture/Intro2atom.pptx
@@ -336,7 +336,7 @@
           <a:p>
             <a:fld id="{935ADB13-AEC1-AB45-83FA-9336A02F6639}" type="datetimeFigureOut">
               <a:rPr lang="sv-SE" smtClean="0"/>
-              <a:t>2017-09-26</a:t>
+              <a:t>2019-10-29</a:t>
             </a:fld>
             <a:endParaRPr lang="sv-SE"/>
           </a:p>
@@ -504,7 +504,7 @@
           <a:p>
             <a:fld id="{935ADB13-AEC1-AB45-83FA-9336A02F6639}" type="datetimeFigureOut">
               <a:rPr lang="sv-SE" smtClean="0"/>
-              <a:t>2017-09-26</a:t>
+              <a:t>2019-10-29</a:t>
             </a:fld>
             <a:endParaRPr lang="sv-SE"/>
           </a:p>
@@ -682,7 +682,7 @@
           <a:p>
             <a:fld id="{935ADB13-AEC1-AB45-83FA-9336A02F6639}" type="datetimeFigureOut">
               <a:rPr lang="sv-SE" smtClean="0"/>
-              <a:t>2017-09-26</a:t>
+              <a:t>2019-10-29</a:t>
             </a:fld>
             <a:endParaRPr lang="sv-SE"/>
           </a:p>
@@ -850,7 +850,7 @@
           <a:p>
             <a:fld id="{935ADB13-AEC1-AB45-83FA-9336A02F6639}" type="datetimeFigureOut">
               <a:rPr lang="sv-SE" smtClean="0"/>
-              <a:t>2017-09-26</a:t>
+              <a:t>2019-10-29</a:t>
             </a:fld>
             <a:endParaRPr lang="sv-SE"/>
           </a:p>
@@ -1095,7 +1095,7 @@
           <a:p>
             <a:fld id="{935ADB13-AEC1-AB45-83FA-9336A02F6639}" type="datetimeFigureOut">
               <a:rPr lang="sv-SE" smtClean="0"/>
-              <a:t>2017-09-26</a:t>
+              <a:t>2019-10-29</a:t>
             </a:fld>
             <a:endParaRPr lang="sv-SE"/>
           </a:p>
@@ -1380,7 +1380,7 @@
           <a:p>
             <a:fld id="{935ADB13-AEC1-AB45-83FA-9336A02F6639}" type="datetimeFigureOut">
               <a:rPr lang="sv-SE" smtClean="0"/>
-              <a:t>2017-09-26</a:t>
+              <a:t>2019-10-29</a:t>
             </a:fld>
             <a:endParaRPr lang="sv-SE"/>
           </a:p>
@@ -1799,7 +1799,7 @@
           <a:p>
             <a:fld id="{935ADB13-AEC1-AB45-83FA-9336A02F6639}" type="datetimeFigureOut">
               <a:rPr lang="sv-SE" smtClean="0"/>
-              <a:t>2017-09-26</a:t>
+              <a:t>2019-10-29</a:t>
             </a:fld>
             <a:endParaRPr lang="sv-SE"/>
           </a:p>
@@ -1916,7 +1916,7 @@
           <a:p>
             <a:fld id="{935ADB13-AEC1-AB45-83FA-9336A02F6639}" type="datetimeFigureOut">
               <a:rPr lang="sv-SE" smtClean="0"/>
-              <a:t>2017-09-26</a:t>
+              <a:t>2019-10-29</a:t>
             </a:fld>
             <a:endParaRPr lang="sv-SE"/>
           </a:p>
@@ -2011,7 +2011,7 @@
           <a:p>
             <a:fld id="{935ADB13-AEC1-AB45-83FA-9336A02F6639}" type="datetimeFigureOut">
               <a:rPr lang="sv-SE" smtClean="0"/>
-              <a:t>2017-09-26</a:t>
+              <a:t>2019-10-29</a:t>
             </a:fld>
             <a:endParaRPr lang="sv-SE"/>
           </a:p>
@@ -2286,7 +2286,7 @@
           <a:p>
             <a:fld id="{935ADB13-AEC1-AB45-83FA-9336A02F6639}" type="datetimeFigureOut">
               <a:rPr lang="sv-SE" smtClean="0"/>
-              <a:t>2017-09-26</a:t>
+              <a:t>2019-10-29</a:t>
             </a:fld>
             <a:endParaRPr lang="sv-SE"/>
           </a:p>
@@ -2538,7 +2538,7 @@
           <a:p>
             <a:fld id="{935ADB13-AEC1-AB45-83FA-9336A02F6639}" type="datetimeFigureOut">
               <a:rPr lang="sv-SE" smtClean="0"/>
-              <a:t>2017-09-26</a:t>
+              <a:t>2019-10-29</a:t>
             </a:fld>
             <a:endParaRPr lang="sv-SE"/>
           </a:p>
@@ -2749,7 +2749,7 @@
           <a:p>
             <a:fld id="{935ADB13-AEC1-AB45-83FA-9336A02F6639}" type="datetimeFigureOut">
               <a:rPr lang="sv-SE" smtClean="0"/>
-              <a:t>2017-09-26</a:t>
+              <a:t>2019-10-29</a:t>
             </a:fld>
             <a:endParaRPr lang="sv-SE"/>
           </a:p>
@@ -3236,21 +3236,7 @@
                 <a:latin typeface="Arial"/>
                 <a:cs typeface="Arial"/>
               </a:rPr>
-              <a:t> the atom M</a:t>
-            </a:r>
-            <a:r>
-              <a:rPr lang="sv-SE" sz="2800" dirty="0" smtClean="0">
-                <a:latin typeface="Arial"/>
-                <a:cs typeface="Arial"/>
-              </a:rPr>
-              <a:t>atlab </a:t>
-            </a:r>
-            <a:r>
-              <a:rPr lang="sv-SE" sz="2800" dirty="0">
-                <a:latin typeface="Arial"/>
-                <a:cs typeface="Arial"/>
-              </a:rPr>
-              <a:t>scripts</a:t>
+              <a:t> the atom Matlab scripts</a:t>
             </a:r>
             <a:endParaRPr lang="sv-SE" sz="1200" dirty="0">
               <a:latin typeface="Calibri"/>
@@ -3553,7 +3539,7 @@
               </a:rPr>
               <a:t>'</a:t>
             </a:r>
-            <a:r>
+            <a:br>
               <a:rPr lang="en-US" sz="1100" dirty="0">
                 <a:solidFill>
                   <a:srgbClr val="FF0000"/>
@@ -3561,27 +3547,7 @@
                 <a:latin typeface="Courier"/>
                 <a:cs typeface="Courier"/>
               </a:rPr>
-              <a:t/>
-            </a:r>
-            <a:br>
-              <a:rPr lang="en-US" sz="1100" dirty="0">
-                <a:solidFill>
-                  <a:srgbClr val="FF0000"/>
-                </a:solidFill>
-                <a:latin typeface="Courier"/>
-                <a:cs typeface="Courier"/>
-              </a:rPr>
             </a:br>
-            <a:r>
-              <a:rPr lang="en-US" sz="1100" dirty="0">
-                <a:solidFill>
-                  <a:srgbClr val="FF0000"/>
-                </a:solidFill>
-                <a:latin typeface="Courier"/>
-                <a:cs typeface="Courier"/>
-              </a:rPr>
-              <a:t/>
-            </a:r>
             <a:br>
               <a:rPr lang="en-US" sz="1100" dirty="0">
                 <a:solidFill>
@@ -3844,10 +3810,6 @@
             <a:br>
               <a:rPr lang="sv-SE" sz="1600" dirty="0"/>
             </a:br>
-            <a:r>
-              <a:rPr lang="sv-SE" sz="1600" dirty="0"/>
-              <a:t/>
-            </a:r>
             <a:br>
               <a:rPr lang="sv-SE" sz="1600" dirty="0"/>
             </a:br>
@@ -10655,10 +10617,6 @@
               <a:rPr lang="sv-SE" sz="1600" dirty="0" err="1"/>
               <a:t>using</a:t>
             </a:r>
-            <a:r>
-              <a:rPr lang="sv-SE" sz="1600" dirty="0"/>
-              <a:t/>
-            </a:r>
             <a:br>
               <a:rPr lang="sv-SE" sz="1600" dirty="0"/>
             </a:br>
@@ -11442,10 +11400,6 @@
               <a:rPr lang="sv-SE" sz="1600" dirty="0" err="1"/>
               <a:t>using</a:t>
             </a:r>
-            <a:r>
-              <a:rPr lang="sv-SE" sz="1600" dirty="0"/>
-              <a:t/>
-            </a:r>
             <a:br>
               <a:rPr lang="sv-SE" sz="1600" dirty="0"/>
             </a:br>
@@ -13184,10 +13138,6 @@
               <a:rPr lang="sv-SE" sz="1600" dirty="0" err="1"/>
               <a:t>using</a:t>
             </a:r>
-            <a:r>
-              <a:rPr lang="sv-SE" sz="1600" dirty="0"/>
-              <a:t/>
-            </a:r>
             <a:br>
               <a:rPr lang="sv-SE" sz="1600" dirty="0"/>
             </a:br>
@@ -13922,10 +13872,6 @@
               <a:rPr lang="sv-SE" sz="1600" dirty="0" err="1"/>
               <a:t>using</a:t>
             </a:r>
-            <a:r>
-              <a:rPr lang="sv-SE" sz="1600" dirty="0"/>
-              <a:t/>
-            </a:r>
             <a:br>
               <a:rPr lang="sv-SE" sz="1600" dirty="0"/>
             </a:br>
@@ -14814,16 +14760,6 @@
                 <a:cs typeface="Monaco"/>
               </a:rPr>
               <a:t> this?</a:t>
-            </a:r>
-            <a:r>
-              <a:rPr lang="en-US" sz="1200" dirty="0">
-                <a:solidFill>
-                  <a:srgbClr val="000000"/>
-                </a:solidFill>
-                <a:latin typeface="Monaco"/>
-                <a:cs typeface="Monaco"/>
-              </a:rPr>
-              <a:t/>
             </a:r>
             <a:br>
               <a:rPr lang="en-US" sz="1200" dirty="0">
@@ -15489,16 +15425,6 @@
               </a:rPr>
               <a:t> this filtering stuff?</a:t>
             </a:r>
-            <a:r>
-              <a:rPr lang="en-US" sz="1200" dirty="0">
-                <a:solidFill>
-                  <a:srgbClr val="000000"/>
-                </a:solidFill>
-                <a:latin typeface="Monaco"/>
-                <a:cs typeface="Monaco"/>
-              </a:rPr>
-              <a:t/>
-            </a:r>
             <a:br>
               <a:rPr lang="en-US" sz="1200" dirty="0">
                 <a:solidFill>
@@ -16659,21 +16585,7 @@
                 <a:latin typeface="Arial"/>
                 <a:cs typeface="Arial"/>
               </a:rPr>
-              <a:t> the atom M</a:t>
-            </a:r>
-            <a:r>
-              <a:rPr lang="sv-SE" sz="2800" dirty="0" smtClean="0">
-                <a:latin typeface="Arial"/>
-                <a:cs typeface="Arial"/>
-              </a:rPr>
-              <a:t>atlab </a:t>
-            </a:r>
-            <a:r>
-              <a:rPr lang="sv-SE" sz="2800" dirty="0">
-                <a:latin typeface="Arial"/>
-                <a:cs typeface="Arial"/>
-              </a:rPr>
-              <a:t>scripts</a:t>
+              <a:t> the atom Matlab scripts</a:t>
             </a:r>
             <a:endParaRPr lang="sv-SE" sz="1200" dirty="0">
               <a:latin typeface="Calibri"/>
@@ -17188,26 +17100,22 @@
             </a:r>
             <a:r>
               <a:rPr lang="sv-SE" dirty="0"/>
-              <a:t> the system </a:t>
-            </a:r>
-            <a:r>
-              <a:rPr lang="sv-SE" dirty="0" smtClean="0"/>
-              <a:t>has the </a:t>
-            </a:r>
-            <a:r>
-              <a:rPr lang="sv-SE" dirty="0" err="1" smtClean="0"/>
+              <a:t> the system has the </a:t>
+            </a:r>
+            <a:r>
+              <a:rPr lang="sv-SE" dirty="0" err="1"/>
               <a:t>correct</a:t>
             </a:r>
             <a:r>
-              <a:rPr lang="sv-SE" dirty="0" smtClean="0"/>
+              <a:rPr lang="sv-SE" dirty="0"/>
               <a:t> charge </a:t>
             </a:r>
             <a:r>
-              <a:rPr lang="sv-SE" dirty="0" err="1" smtClean="0"/>
+              <a:rPr lang="sv-SE" dirty="0" err="1"/>
               <a:t>with</a:t>
             </a:r>
             <a:r>
-              <a:rPr lang="sv-SE" dirty="0" smtClean="0"/>
+              <a:rPr lang="sv-SE" dirty="0"/>
               <a:t> </a:t>
             </a:r>
             <a:r>
@@ -17565,16 +17473,6 @@
               </a:rPr>
               <a:t> this deal stuff?</a:t>
             </a:r>
-            <a:r>
-              <a:rPr lang="en-US" sz="1200" dirty="0">
-                <a:solidFill>
-                  <a:srgbClr val="000000"/>
-                </a:solidFill>
-                <a:latin typeface="Monaco"/>
-                <a:cs typeface="Monaco"/>
-              </a:rPr>
-              <a:t/>
-            </a:r>
             <a:br>
               <a:rPr lang="en-US" sz="1200" dirty="0">
                 <a:solidFill>
@@ -20507,262 +20405,230 @@
           <a:lstStyle/>
           <a:p>
             <a:r>
-              <a:rPr lang="sv-SE" sz="1600" dirty="0" err="1" smtClean="0"/>
+              <a:rPr lang="sv-SE" sz="1600" dirty="0" err="1"/>
               <a:t>Let’s</a:t>
             </a:r>
             <a:r>
-              <a:rPr lang="sv-SE" sz="1600" dirty="0" smtClean="0"/>
+              <a:rPr lang="sv-SE" sz="1600" dirty="0"/>
               <a:t> look a bit </a:t>
             </a:r>
             <a:r>
-              <a:rPr lang="sv-SE" sz="1600" dirty="0" err="1" smtClean="0"/>
+              <a:rPr lang="sv-SE" sz="1600" dirty="0" err="1"/>
               <a:t>closer</a:t>
             </a:r>
             <a:r>
-              <a:rPr lang="sv-SE" sz="1600" dirty="0" smtClean="0"/>
+              <a:rPr lang="sv-SE" sz="1600" dirty="0"/>
               <a:t> on </a:t>
             </a:r>
             <a:r>
-              <a:rPr lang="sv-SE" sz="1600" dirty="0" err="1" smtClean="0"/>
+              <a:rPr lang="sv-SE" sz="1600" dirty="0" err="1"/>
               <a:t>how</a:t>
             </a:r>
             <a:r>
-              <a:rPr lang="sv-SE" sz="1600" dirty="0" smtClean="0"/>
-              <a:t> </a:t>
-            </a:r>
-            <a:r>
-              <a:rPr lang="sv-SE" sz="1600" dirty="0" err="1" smtClean="0"/>
+              <a:rPr lang="sv-SE" sz="1600" dirty="0"/>
+              <a:t> </a:t>
+            </a:r>
+            <a:r>
+              <a:rPr lang="sv-SE" sz="1600" dirty="0" err="1"/>
               <a:t>we</a:t>
             </a:r>
             <a:r>
-              <a:rPr lang="sv-SE" sz="1600" dirty="0" smtClean="0"/>
-              <a:t> </a:t>
-            </a:r>
-            <a:r>
-              <a:rPr lang="sv-SE" sz="1600" dirty="0" err="1" smtClean="0"/>
+              <a:rPr lang="sv-SE" sz="1600" dirty="0"/>
+              <a:t> </a:t>
+            </a:r>
+            <a:r>
+              <a:rPr lang="sv-SE" sz="1600" dirty="0" err="1"/>
               <a:t>write</a:t>
             </a:r>
             <a:r>
-              <a:rPr lang="sv-SE" sz="1600" dirty="0" smtClean="0"/>
+              <a:rPr lang="sv-SE" sz="1600" dirty="0"/>
               <a:t> a </a:t>
             </a:r>
             <a:r>
-              <a:rPr lang="sv-SE" sz="1600" dirty="0" err="1" smtClean="0"/>
+              <a:rPr lang="sv-SE" sz="1600" dirty="0" err="1"/>
               <a:t>Clayff</a:t>
             </a:r>
             <a:r>
-              <a:rPr lang="sv-SE" sz="1600" dirty="0" smtClean="0"/>
+              <a:rPr lang="sv-SE" sz="1600" dirty="0"/>
               <a:t> (</a:t>
             </a:r>
             <a:r>
-              <a:rPr lang="sv-SE" sz="1600" dirty="0" err="1" smtClean="0"/>
+              <a:rPr lang="sv-SE" sz="1600" dirty="0" err="1"/>
               <a:t>Cygan</a:t>
             </a:r>
             <a:r>
-              <a:rPr lang="sv-SE" sz="1600" dirty="0" smtClean="0"/>
+              <a:rPr lang="sv-SE" sz="1600" dirty="0"/>
               <a:t>, 2004) or Interface (Heinz, 2005) </a:t>
             </a:r>
             <a:r>
-              <a:rPr lang="sv-SE" sz="1600" dirty="0" err="1" smtClean="0"/>
+              <a:rPr lang="sv-SE" sz="1600" dirty="0" err="1"/>
               <a:t>Gromacs</a:t>
             </a:r>
             <a:r>
-              <a:rPr lang="sv-SE" sz="1600" dirty="0" smtClean="0"/>
+              <a:rPr lang="sv-SE" sz="1600" dirty="0"/>
               <a:t> .</a:t>
             </a:r>
             <a:r>
-              <a:rPr lang="sv-SE" sz="1600" dirty="0" err="1" smtClean="0"/>
+              <a:rPr lang="sv-SE" sz="1600" dirty="0" err="1"/>
               <a:t>itp</a:t>
             </a:r>
             <a:r>
-              <a:rPr lang="sv-SE" sz="1600" dirty="0" smtClean="0"/>
-              <a:t> </a:t>
-            </a:r>
-            <a:r>
-              <a:rPr lang="sv-SE" sz="1600" dirty="0" err="1" smtClean="0"/>
+              <a:rPr lang="sv-SE" sz="1600" dirty="0"/>
+              <a:t> </a:t>
+            </a:r>
+            <a:r>
+              <a:rPr lang="sv-SE" sz="1600" dirty="0" err="1"/>
               <a:t>file</a:t>
             </a:r>
             <a:r>
-              <a:rPr lang="sv-SE" sz="1600" dirty="0" smtClean="0"/>
+              <a:rPr lang="sv-SE" sz="1600" dirty="0"/>
               <a:t>. </a:t>
             </a:r>
             <a:r>
-              <a:rPr lang="sv-SE" sz="1600" dirty="0" err="1" smtClean="0"/>
-              <a:t>T</a:t>
-            </a:r>
-            <a:r>
-              <a:rPr lang="sv-SE" sz="1600" dirty="0" err="1" smtClean="0"/>
-              <a:t>here</a:t>
-            </a:r>
-            <a:r>
-              <a:rPr lang="sv-SE" sz="1600" dirty="0" smtClean="0"/>
+              <a:rPr lang="sv-SE" sz="1600" dirty="0" err="1"/>
+              <a:t>There</a:t>
+            </a:r>
+            <a:r>
+              <a:rPr lang="sv-SE" sz="1600" dirty="0"/>
               <a:t> is </a:t>
             </a:r>
             <a:r>
-              <a:rPr lang="sv-SE" sz="1600" dirty="0" err="1" smtClean="0"/>
+              <a:rPr lang="sv-SE" sz="1600" dirty="0" err="1"/>
               <a:t>also</a:t>
             </a:r>
             <a:r>
-              <a:rPr lang="sv-SE" sz="1600" dirty="0" smtClean="0"/>
-              <a:t> </a:t>
-            </a:r>
-            <a:r>
-              <a:rPr lang="sv-SE" sz="1600" dirty="0" err="1" smtClean="0"/>
+              <a:rPr lang="sv-SE" sz="1600" dirty="0"/>
+              <a:t> </a:t>
+            </a:r>
+            <a:r>
+              <a:rPr lang="sv-SE" sz="1600" dirty="0" err="1"/>
               <a:t>another</a:t>
             </a:r>
             <a:r>
-              <a:rPr lang="sv-SE" sz="1600" dirty="0" smtClean="0"/>
-              <a:t> </a:t>
-            </a:r>
-            <a:r>
-              <a:rPr lang="sv-SE" sz="1600" dirty="0" err="1" smtClean="0"/>
+              <a:rPr lang="sv-SE" sz="1600" dirty="0"/>
+              <a:t> </a:t>
+            </a:r>
+            <a:r>
+              <a:rPr lang="sv-SE" sz="1600" dirty="0" err="1"/>
               <a:t>way</a:t>
             </a:r>
             <a:r>
-              <a:rPr lang="sv-SE" sz="1600" dirty="0" smtClean="0"/>
-              <a:t> </a:t>
-            </a:r>
-            <a:r>
-              <a:rPr lang="sv-SE" sz="1600" dirty="0" err="1" smtClean="0"/>
+              <a:rPr lang="sv-SE" sz="1600" dirty="0"/>
+              <a:t> </a:t>
+            </a:r>
+            <a:r>
+              <a:rPr lang="sv-SE" sz="1600" dirty="0" err="1"/>
               <a:t>of</a:t>
             </a:r>
             <a:r>
-              <a:rPr lang="sv-SE" sz="1600" dirty="0" smtClean="0"/>
-              <a:t> </a:t>
-            </a:r>
-            <a:r>
-              <a:rPr lang="sv-SE" sz="1600" dirty="0" err="1" smtClean="0"/>
+              <a:rPr lang="sv-SE" sz="1600" dirty="0"/>
+              <a:t> </a:t>
+            </a:r>
+            <a:r>
+              <a:rPr lang="sv-SE" sz="1600" dirty="0" err="1"/>
               <a:t>getting</a:t>
             </a:r>
             <a:r>
-              <a:rPr lang="sv-SE" sz="1600" dirty="0" smtClean="0"/>
+              <a:rPr lang="sv-SE" sz="1600" dirty="0"/>
               <a:t> Interface 1.5 .</a:t>
             </a:r>
             <a:r>
-              <a:rPr lang="sv-SE" sz="1600" dirty="0" err="1" smtClean="0"/>
+              <a:rPr lang="sv-SE" sz="1600" dirty="0" err="1"/>
               <a:t>itp</a:t>
             </a:r>
             <a:r>
-              <a:rPr lang="sv-SE" sz="1600" dirty="0" smtClean="0"/>
-              <a:t> </a:t>
-            </a:r>
-            <a:r>
-              <a:rPr lang="sv-SE" sz="1600" dirty="0" err="1" smtClean="0"/>
+              <a:rPr lang="sv-SE" sz="1600" dirty="0"/>
+              <a:t> </a:t>
+            </a:r>
+            <a:r>
+              <a:rPr lang="sv-SE" sz="1600" dirty="0" err="1"/>
               <a:t>files</a:t>
             </a:r>
             <a:r>
-              <a:rPr lang="sv-SE" sz="1600" dirty="0" smtClean="0"/>
+              <a:rPr lang="sv-SE" sz="1600" dirty="0"/>
               <a:t>, by </a:t>
             </a:r>
             <a:r>
-              <a:rPr lang="sv-SE" sz="1600" dirty="0" err="1" smtClean="0"/>
+              <a:rPr lang="sv-SE" sz="1600" dirty="0" err="1"/>
               <a:t>using</a:t>
             </a:r>
             <a:r>
-              <a:rPr lang="sv-SE" sz="1600" dirty="0" smtClean="0"/>
-              <a:t> </a:t>
-            </a:r>
-            <a:r>
-              <a:rPr lang="sv-SE" sz="1600" dirty="0" err="1" smtClean="0"/>
+              <a:rPr lang="sv-SE" sz="1600" dirty="0"/>
+              <a:t> </a:t>
+            </a:r>
+            <a:r>
+              <a:rPr lang="sv-SE" sz="1600" dirty="0" err="1"/>
               <a:t>import_atom_car</a:t>
             </a:r>
             <a:r>
-              <a:rPr lang="sv-SE" sz="1600" dirty="0" smtClean="0"/>
+              <a:rPr lang="sv-SE" sz="1600" dirty="0"/>
               <a:t>()</a:t>
             </a:r>
             <a:r>
-              <a:rPr lang="mr-IN" sz="1600" dirty="0" smtClean="0"/>
+              <a:rPr lang="mr-IN" sz="1600" dirty="0"/>
               <a:t>…</a:t>
             </a:r>
-            <a:endParaRPr lang="sv-SE" sz="1600" dirty="0" smtClean="0"/>
-          </a:p>
-          <a:p>
-            <a:endParaRPr lang="sv-SE" sz="1600" dirty="0" smtClean="0"/>
-          </a:p>
-          <a:p>
-            <a:r>
-              <a:rPr lang="sv-SE" sz="1600" dirty="0" err="1" smtClean="0"/>
+            <a:endParaRPr lang="sv-SE" sz="1600" dirty="0"/>
+          </a:p>
+          <a:p>
+            <a:endParaRPr lang="sv-SE" sz="1600" dirty="0"/>
+          </a:p>
+          <a:p>
+            <a:r>
+              <a:rPr lang="sv-SE" sz="1600" dirty="0" err="1"/>
               <a:t>We</a:t>
             </a:r>
             <a:r>
-              <a:rPr lang="sv-SE" sz="1600" dirty="0" smtClean="0"/>
-              <a:t> </a:t>
-            </a:r>
-            <a:r>
-              <a:rPr lang="sv-SE" sz="1600" dirty="0" err="1" smtClean="0"/>
+              <a:rPr lang="sv-SE" sz="1600" dirty="0"/>
+              <a:t> </a:t>
+            </a:r>
+            <a:r>
+              <a:rPr lang="sv-SE" sz="1600" dirty="0" err="1"/>
               <a:t>use</a:t>
             </a:r>
             <a:r>
-              <a:rPr lang="sv-SE" sz="1600" dirty="0" smtClean="0"/>
+              <a:rPr lang="sv-SE" sz="1600" dirty="0"/>
               <a:t> the </a:t>
             </a:r>
             <a:r>
-              <a:rPr lang="sv-SE" sz="1600" dirty="0" err="1" smtClean="0"/>
+              <a:rPr lang="sv-SE" sz="1600" dirty="0" err="1"/>
               <a:t>write_atom_itp</a:t>
             </a:r>
             <a:r>
-              <a:rPr lang="sv-SE" sz="1600" dirty="0" smtClean="0"/>
+              <a:rPr lang="sv-SE" sz="1600" dirty="0"/>
               <a:t>() </a:t>
             </a:r>
             <a:r>
-              <a:rPr lang="sv-SE" sz="1600" dirty="0" err="1" smtClean="0"/>
+              <a:rPr lang="sv-SE" sz="1600" dirty="0" err="1"/>
               <a:t>function</a:t>
             </a:r>
             <a:r>
-              <a:rPr lang="sv-SE" sz="1600" dirty="0" smtClean="0"/>
+              <a:rPr lang="sv-SE" sz="1600" dirty="0"/>
               <a:t> like </a:t>
             </a:r>
             <a:r>
-              <a:rPr lang="sv-SE" sz="1600" dirty="0" err="1" smtClean="0"/>
+              <a:rPr lang="sv-SE" sz="1600" dirty="0" err="1"/>
               <a:t>this</a:t>
             </a:r>
             <a:r>
-              <a:rPr lang="sv-SE" sz="1600" dirty="0" smtClean="0"/>
-              <a:t> </a:t>
-            </a:r>
-            <a:r>
-              <a:rPr lang="sv-SE" sz="1600" dirty="0" err="1" smtClean="0"/>
+              <a:rPr lang="sv-SE" sz="1600" dirty="0"/>
+              <a:t> </a:t>
+            </a:r>
+            <a:r>
+              <a:rPr lang="sv-SE" sz="1600" dirty="0" err="1"/>
               <a:t>below</a:t>
             </a:r>
             <a:r>
-              <a:rPr lang="sv-SE" sz="1600" dirty="0" smtClean="0"/>
+              <a:rPr lang="sv-SE" sz="1600" dirty="0"/>
               <a:t>, </a:t>
             </a:r>
             <a:r>
-              <a:rPr lang="sv-SE" sz="1600" dirty="0" err="1" smtClean="0"/>
+              <a:rPr lang="sv-SE" sz="1600" dirty="0" err="1"/>
               <a:t>where</a:t>
             </a:r>
             <a:r>
-              <a:rPr lang="sv-SE" sz="1600" dirty="0" smtClean="0"/>
+              <a:rPr lang="sv-SE" sz="1600" dirty="0"/>
               <a:t> rmax1 is the maximum </a:t>
-            </a:r>
-            <a:r>
-              <a:rPr lang="sv-SE" sz="1600" dirty="0" err="1" smtClean="0"/>
-              <a:t>allowed</a:t>
-            </a:r>
-            <a:r>
-              <a:rPr lang="sv-SE" sz="1600" dirty="0" smtClean="0"/>
-              <a:t> </a:t>
-            </a:r>
-            <a:r>
-              <a:rPr lang="sv-SE" sz="1600" dirty="0" err="1" smtClean="0"/>
-              <a:t>bond</a:t>
-            </a:r>
-            <a:r>
-              <a:rPr lang="sv-SE" sz="1600" dirty="0" smtClean="0"/>
-              <a:t> </a:t>
-            </a:r>
-            <a:r>
-              <a:rPr lang="sv-SE" sz="1600" dirty="0" err="1" smtClean="0"/>
-              <a:t>distance</a:t>
-            </a:r>
-            <a:r>
-              <a:rPr lang="sv-SE" sz="1600" dirty="0" smtClean="0"/>
-              <a:t> for H-atoms and </a:t>
-            </a:r>
-            <a:r>
-              <a:rPr lang="sv-SE" sz="1600" dirty="0"/>
-              <a:t>rmax2 the maximum </a:t>
             </a:r>
             <a:r>
               <a:rPr lang="sv-SE" sz="1600" dirty="0" err="1"/>
@@ -20773,136 +20639,156 @@
               <a:t> </a:t>
             </a:r>
             <a:r>
-              <a:rPr lang="sv-SE" sz="1600" dirty="0" smtClean="0"/>
-              <a:t>for all </a:t>
-            </a:r>
-            <a:r>
-              <a:rPr lang="sv-SE" sz="1600" dirty="0" err="1" smtClean="0"/>
+              <a:rPr lang="sv-SE" sz="1600" dirty="0" err="1"/>
+              <a:t>bond</a:t>
+            </a:r>
+            <a:r>
+              <a:rPr lang="sv-SE" sz="1600" dirty="0"/>
+              <a:t> </a:t>
+            </a:r>
+            <a:r>
+              <a:rPr lang="sv-SE" sz="1600" dirty="0" err="1"/>
+              <a:t>distance</a:t>
+            </a:r>
+            <a:r>
+              <a:rPr lang="sv-SE" sz="1600" dirty="0"/>
+              <a:t> for H-atoms and rmax2 the maximum </a:t>
+            </a:r>
+            <a:r>
+              <a:rPr lang="sv-SE" sz="1600" dirty="0" err="1"/>
+              <a:t>allowed</a:t>
+            </a:r>
+            <a:r>
+              <a:rPr lang="sv-SE" sz="1600" dirty="0"/>
+              <a:t> for all </a:t>
+            </a:r>
+            <a:r>
+              <a:rPr lang="sv-SE" sz="1600" dirty="0" err="1"/>
               <a:t>other</a:t>
             </a:r>
             <a:r>
-              <a:rPr lang="sv-SE" sz="1600" dirty="0" smtClean="0"/>
-              <a:t> </a:t>
-            </a:r>
-            <a:r>
-              <a:rPr lang="sv-SE" sz="1600" dirty="0" err="1" smtClean="0"/>
+              <a:rPr lang="sv-SE" sz="1600" dirty="0"/>
+              <a:t> </a:t>
+            </a:r>
+            <a:r>
+              <a:rPr lang="sv-SE" sz="1600" dirty="0" err="1"/>
               <a:t>bond</a:t>
             </a:r>
             <a:r>
-              <a:rPr lang="sv-SE" sz="1600" dirty="0" smtClean="0"/>
-              <a:t> </a:t>
-            </a:r>
-            <a:r>
-              <a:rPr lang="sv-SE" sz="1600" dirty="0" err="1" smtClean="0"/>
+              <a:rPr lang="sv-SE" sz="1600" dirty="0"/>
+              <a:t> </a:t>
+            </a:r>
+            <a:r>
+              <a:rPr lang="sv-SE" sz="1600" dirty="0" err="1"/>
               <a:t>distances</a:t>
             </a:r>
             <a:r>
-              <a:rPr lang="sv-SE" sz="1600" dirty="0" smtClean="0"/>
+              <a:rPr lang="sv-SE" sz="1600" dirty="0"/>
               <a:t>, </a:t>
             </a:r>
             <a:r>
-              <a:rPr lang="sv-SE" sz="1600" dirty="0" err="1" smtClean="0"/>
+              <a:rPr lang="sv-SE" sz="1600" dirty="0" err="1"/>
               <a:t>ie</a:t>
             </a:r>
             <a:r>
-              <a:rPr lang="sv-SE" sz="1600" dirty="0" smtClean="0"/>
+              <a:rPr lang="sv-SE" sz="1600" dirty="0"/>
               <a:t> for </a:t>
             </a:r>
             <a:r>
-              <a:rPr lang="sv-SE" sz="1600" dirty="0" err="1" smtClean="0"/>
+              <a:rPr lang="sv-SE" sz="1600" dirty="0" err="1"/>
               <a:t>every</a:t>
             </a:r>
             <a:r>
-              <a:rPr lang="sv-SE" sz="1600" dirty="0" smtClean="0"/>
+              <a:rPr lang="sv-SE" sz="1600" dirty="0"/>
               <a:t> metal-oxygen </a:t>
             </a:r>
             <a:r>
-              <a:rPr lang="sv-SE" sz="1600" dirty="0" err="1" smtClean="0"/>
+              <a:rPr lang="sv-SE" sz="1600" dirty="0" err="1"/>
               <a:t>bonds</a:t>
             </a:r>
             <a:r>
-              <a:rPr lang="sv-SE" sz="1600" dirty="0" smtClean="0"/>
+              <a:rPr lang="sv-SE" sz="1600" dirty="0"/>
               <a:t>. For </a:t>
             </a:r>
             <a:r>
-              <a:rPr lang="sv-SE" sz="1600" dirty="0" err="1" smtClean="0"/>
+              <a:rPr lang="sv-SE" sz="1600" dirty="0" err="1"/>
               <a:t>clayff</a:t>
             </a:r>
             <a:r>
-              <a:rPr lang="sv-SE" sz="1600" dirty="0" smtClean="0"/>
+              <a:rPr lang="sv-SE" sz="1600" dirty="0"/>
               <a:t>, </a:t>
             </a:r>
             <a:r>
-              <a:rPr lang="sv-SE" sz="1600" dirty="0" err="1" smtClean="0"/>
+              <a:rPr lang="sv-SE" sz="1600" dirty="0" err="1"/>
               <a:t>we</a:t>
             </a:r>
             <a:r>
-              <a:rPr lang="sv-SE" sz="1600" dirty="0" smtClean="0"/>
-              <a:t> </a:t>
-            </a:r>
-            <a:r>
-              <a:rPr lang="sv-SE" sz="1600" dirty="0" err="1" smtClean="0"/>
+              <a:rPr lang="sv-SE" sz="1600" dirty="0"/>
+              <a:t> </a:t>
+            </a:r>
+            <a:r>
+              <a:rPr lang="sv-SE" sz="1600" dirty="0" err="1"/>
               <a:t>could</a:t>
             </a:r>
             <a:r>
-              <a:rPr lang="sv-SE" sz="1600" dirty="0" smtClean="0"/>
+              <a:rPr lang="sv-SE" sz="1600" dirty="0"/>
               <a:t> set </a:t>
             </a:r>
             <a:r>
-              <a:rPr lang="sv-SE" sz="1600" dirty="0" err="1" smtClean="0"/>
+              <a:rPr lang="sv-SE" sz="1600" dirty="0" err="1"/>
               <a:t>them</a:t>
             </a:r>
             <a:r>
-              <a:rPr lang="sv-SE" sz="1600" dirty="0" smtClean="0"/>
+              <a:rPr lang="sv-SE" sz="1600" dirty="0"/>
               <a:t> to </a:t>
             </a:r>
             <a:r>
-              <a:rPr lang="sv-SE" sz="1600" dirty="0" err="1" smtClean="0"/>
+              <a:rPr lang="sv-SE" sz="1600" dirty="0" err="1"/>
               <a:t>equal</a:t>
             </a:r>
             <a:r>
-              <a:rPr lang="sv-SE" sz="1600" dirty="0" smtClean="0"/>
+              <a:rPr lang="sv-SE" sz="1600" dirty="0"/>
               <a:t> to </a:t>
             </a:r>
             <a:r>
-              <a:rPr lang="sv-SE" sz="1600" dirty="0" err="1" smtClean="0"/>
+              <a:rPr lang="sv-SE" sz="1600" dirty="0" err="1"/>
               <a:t>suppress</a:t>
             </a:r>
             <a:r>
-              <a:rPr lang="sv-SE" sz="1600" dirty="0" smtClean="0"/>
+              <a:rPr lang="sv-SE" sz="1600" dirty="0"/>
               <a:t> metal-oxygen </a:t>
             </a:r>
             <a:r>
-              <a:rPr lang="sv-SE" sz="1600" dirty="0" err="1" smtClean="0"/>
+              <a:rPr lang="sv-SE" sz="1600" dirty="0" err="1"/>
               <a:t>bonds</a:t>
             </a:r>
             <a:r>
-              <a:rPr lang="sv-SE" sz="1600" smtClean="0"/>
+              <a:rPr lang="sv-SE" sz="1600"/>
               <a:t>.</a:t>
             </a:r>
             <a:endParaRPr lang="sv-SE" sz="1600" dirty="0"/>
           </a:p>
           <a:p>
             <a:r>
-              <a:rPr lang="sv-SE" sz="1600" dirty="0" smtClean="0"/>
+              <a:rPr lang="sv-SE" sz="1600" dirty="0"/>
               <a:t>&gt;&gt;</a:t>
             </a:r>
             <a:r>
-              <a:rPr lang="sv-SE" sz="1400" dirty="0" err="1" smtClean="0">
+              <a:rPr lang="sv-SE" sz="1400" dirty="0" err="1">
                 <a:latin typeface="Monaco"/>
                 <a:cs typeface="Monaco"/>
               </a:rPr>
               <a:t>write_atom_itp</a:t>
             </a:r>
             <a:r>
-              <a:rPr lang="sv-SE" sz="1400" dirty="0" smtClean="0">
+              <a:rPr lang="sv-SE" sz="1400" dirty="0">
                 <a:latin typeface="Monaco"/>
                 <a:cs typeface="Monaco"/>
               </a:rPr>
               <a:t>(atom,Box_dim,filename,rmax1,rmax2,forcefield,watermodel) </a:t>
             </a:r>
             <a:br>
-              <a:rPr lang="sv-SE" sz="1400" dirty="0" smtClean="0">
+              <a:rPr lang="sv-SE" sz="1400" dirty="0">
                 <a:latin typeface="Monaco"/>
                 <a:cs typeface="Monaco"/>
               </a:rPr>
@@ -20965,20 +20851,10 @@
                 <a:latin typeface="Monaco"/>
                 <a:cs typeface="Monaco"/>
               </a:rPr>
-              <a:t>%% Import a </a:t>
-            </a:r>
-            <a:r>
-              <a:rPr lang="en-US" sz="1050" dirty="0" smtClean="0">
-                <a:solidFill>
-                  <a:srgbClr val="008000"/>
-                </a:solidFill>
-                <a:latin typeface="Monaco"/>
-                <a:cs typeface="Monaco"/>
-              </a:rPr>
-              <a:t>structure that has the correct </a:t>
-            </a:r>
-            <a:r>
-              <a:rPr lang="en-US" sz="1050" dirty="0" err="1" smtClean="0">
+              <a:t>%% Import a structure that has the correct </a:t>
+            </a:r>
+            <a:r>
+              <a:rPr lang="en-US" sz="1050" dirty="0" err="1">
                 <a:solidFill>
                   <a:srgbClr val="008000"/>
                 </a:solidFill>
@@ -20988,7 +20864,7 @@
               <a:t>clayff</a:t>
             </a:r>
             <a:r>
-              <a:rPr lang="en-US" sz="1050" dirty="0" smtClean="0">
+              <a:rPr lang="en-US" sz="1050" dirty="0">
                 <a:solidFill>
                   <a:srgbClr val="008000"/>
                 </a:solidFill>
@@ -20998,7 +20874,7 @@
               <a:t> or interface </a:t>
             </a:r>
             <a:r>
-              <a:rPr lang="en-US" sz="1050" dirty="0" err="1" smtClean="0">
+              <a:rPr lang="en-US" sz="1050" dirty="0" err="1">
                 <a:solidFill>
                   <a:srgbClr val="008000"/>
                 </a:solidFill>
@@ -21008,7 +20884,7 @@
               <a:t>atomnames</a:t>
             </a:r>
             <a:r>
-              <a:rPr lang="en-US" sz="1050" dirty="0" smtClean="0">
+              <a:rPr lang="en-US" sz="1050" dirty="0">
                 <a:solidFill>
                   <a:srgbClr val="008000"/>
                 </a:solidFill>
@@ -21018,7 +20894,7 @@
               <a:t>. If not assigned use </a:t>
             </a:r>
             <a:r>
-              <a:rPr lang="en-US" sz="1050" dirty="0" err="1" smtClean="0">
+              <a:rPr lang="en-US" sz="1050" dirty="0" err="1">
                 <a:solidFill>
                   <a:srgbClr val="008000"/>
                 </a:solidFill>
@@ -21028,7 +20904,7 @@
               <a:t>clayff_atom</a:t>
             </a:r>
             <a:r>
-              <a:rPr lang="en-US" sz="1050" dirty="0" smtClean="0">
+              <a:rPr lang="en-US" sz="1050" dirty="0">
                 <a:solidFill>
                   <a:srgbClr val="008000"/>
                 </a:solidFill>
@@ -21038,7 +20914,7 @@
               <a:t>() or </a:t>
             </a:r>
             <a:r>
-              <a:rPr lang="en-US" sz="1050" dirty="0" err="1" smtClean="0">
+              <a:rPr lang="en-US" sz="1050" dirty="0" err="1">
                 <a:solidFill>
                   <a:srgbClr val="008000"/>
                 </a:solidFill>
@@ -21048,7 +20924,7 @@
               <a:t>interface_atom</a:t>
             </a:r>
             <a:r>
-              <a:rPr lang="en-US" sz="1050" dirty="0" smtClean="0">
+              <a:rPr lang="en-US" sz="1050" dirty="0">
                 <a:solidFill>
                   <a:srgbClr val="008000"/>
                 </a:solidFill>
@@ -21068,7 +20944,7 @@
           <a:p>
             <a:pPr lvl="1"/>
             <a:r>
-              <a:rPr lang="en-US" sz="1050" dirty="0" err="1" smtClean="0">
+              <a:rPr lang="en-US" sz="1050" dirty="0" err="1">
                 <a:solidFill>
                   <a:schemeClr val="tx1"/>
                 </a:solidFill>
@@ -21078,27 +20954,110 @@
               <a:t>write_atom_itp</a:t>
             </a:r>
             <a:r>
-              <a:rPr lang="en-US" sz="1050" dirty="0" smtClean="0">
+              <a:rPr lang="en-US" sz="1050" dirty="0">
                 <a:solidFill>
                   <a:schemeClr val="tx1"/>
                 </a:solidFill>
                 <a:latin typeface="Monaco"/>
                 <a:cs typeface="Monaco"/>
               </a:rPr>
-              <a:t>(atom,Box_dim,filename,1.25,1.25</a:t>
+              <a:t>(atom,Box_dim,filename,1.25,1.25,'clayff','spc/e') </a:t>
             </a:r>
             <a:r>
               <a:rPr lang="en-US" sz="1050" dirty="0">
                 <a:solidFill>
+                  <a:srgbClr val="008000"/>
+                </a:solidFill>
+                <a:latin typeface="Monaco"/>
+                <a:cs typeface="Monaco"/>
+              </a:rPr>
+              <a:t>% Write a </a:t>
+            </a:r>
+            <a:r>
+              <a:rPr lang="en-US" sz="1050" dirty="0" err="1">
+                <a:solidFill>
+                  <a:srgbClr val="008000"/>
+                </a:solidFill>
+                <a:latin typeface="Monaco"/>
+                <a:cs typeface="Monaco"/>
+              </a:rPr>
+              <a:t>gromacs</a:t>
+            </a:r>
+            <a:r>
+              <a:rPr lang="en-US" sz="1050" dirty="0">
+                <a:solidFill>
+                  <a:srgbClr val="008000"/>
+                </a:solidFill>
+                <a:latin typeface="Monaco"/>
+                <a:cs typeface="Monaco"/>
+              </a:rPr>
+              <a:t>/</a:t>
+            </a:r>
+            <a:r>
+              <a:rPr lang="en-US" sz="1050" dirty="0" err="1">
+                <a:solidFill>
+                  <a:srgbClr val="008000"/>
+                </a:solidFill>
+                <a:latin typeface="Monaco"/>
+                <a:cs typeface="Monaco"/>
+              </a:rPr>
+              <a:t>clayff</a:t>
+            </a:r>
+            <a:r>
+              <a:rPr lang="en-US" sz="1050" dirty="0">
+                <a:solidFill>
+                  <a:srgbClr val="008000"/>
+                </a:solidFill>
+                <a:latin typeface="Monaco"/>
+                <a:cs typeface="Monaco"/>
+              </a:rPr>
+              <a:t> .</a:t>
+            </a:r>
+            <a:r>
+              <a:rPr lang="en-US" sz="1050" dirty="0" err="1">
+                <a:solidFill>
+                  <a:srgbClr val="008000"/>
+                </a:solidFill>
+                <a:latin typeface="Monaco"/>
+                <a:cs typeface="Monaco"/>
+              </a:rPr>
+              <a:t>itp</a:t>
+            </a:r>
+            <a:r>
+              <a:rPr lang="en-US" sz="1050" dirty="0">
+                <a:solidFill>
+                  <a:srgbClr val="008000"/>
+                </a:solidFill>
+                <a:latin typeface="Monaco"/>
+                <a:cs typeface="Monaco"/>
+              </a:rPr>
+              <a:t> file</a:t>
+            </a:r>
+          </a:p>
+          <a:p>
+            <a:pPr lvl="1"/>
+            <a:r>
+              <a:rPr lang="en-US" sz="1050" dirty="0" err="1">
+                <a:solidFill>
                   <a:schemeClr val="tx1"/>
                 </a:solidFill>
                 <a:latin typeface="Monaco"/>
                 <a:cs typeface="Monaco"/>
               </a:rPr>
-              <a:t>,'clayff','spc/e') </a:t>
-            </a:r>
-            <a:r>
-              <a:rPr lang="en-US" sz="1050" dirty="0" smtClean="0">
+              <a:t>write_atom_itp</a:t>
+            </a:r>
+            <a:r>
+              <a:rPr lang="en-US" sz="1050" dirty="0">
+                <a:solidFill>
+                  <a:schemeClr val="tx1"/>
+                </a:solidFill>
+                <a:latin typeface="Monaco"/>
+                <a:cs typeface="Monaco"/>
+              </a:rPr>
+              <a:t>(atom,Box_dim,filename,1.25,2.25,’interface','spc') </a:t>
+            </a:r>
+            <a:r>
+              <a:rPr lang="en-US" sz="1050" dirty="0">
                 <a:solidFill>
                   <a:srgbClr val="008000"/>
                 </a:solidFill>
@@ -21108,7 +21067,7 @@
               <a:t>% Write a </a:t>
             </a:r>
             <a:r>
-              <a:rPr lang="en-US" sz="1050" dirty="0" err="1" smtClean="0">
+              <a:rPr lang="en-US" sz="1050" dirty="0" err="1">
                 <a:solidFill>
                   <a:srgbClr val="008000"/>
                 </a:solidFill>
@@ -21118,37 +21077,17 @@
               <a:t>gromacs</a:t>
             </a:r>
             <a:r>
-              <a:rPr lang="en-US" sz="1050" dirty="0" smtClean="0">
-                <a:solidFill>
-                  <a:srgbClr val="008000"/>
-                </a:solidFill>
-                <a:latin typeface="Monaco"/>
-                <a:cs typeface="Monaco"/>
-              </a:rPr>
-              <a:t>/</a:t>
-            </a:r>
-            <a:r>
-              <a:rPr lang="en-US" sz="1050" dirty="0" err="1" smtClean="0">
-                <a:solidFill>
-                  <a:srgbClr val="008000"/>
-                </a:solidFill>
-                <a:latin typeface="Monaco"/>
-                <a:cs typeface="Monaco"/>
-              </a:rPr>
-              <a:t>clayff</a:t>
-            </a:r>
-            <a:r>
-              <a:rPr lang="en-US" sz="1050" dirty="0" smtClean="0">
-                <a:solidFill>
-                  <a:srgbClr val="008000"/>
-                </a:solidFill>
-                <a:latin typeface="Monaco"/>
-                <a:cs typeface="Monaco"/>
-              </a:rPr>
-              <a:t> .</a:t>
-            </a:r>
-            <a:r>
-              <a:rPr lang="en-US" sz="1050" dirty="0" err="1" smtClean="0">
+              <a:rPr lang="en-US" sz="1050" dirty="0">
+                <a:solidFill>
+                  <a:srgbClr val="008000"/>
+                </a:solidFill>
+                <a:latin typeface="Monaco"/>
+                <a:cs typeface="Monaco"/>
+              </a:rPr>
+              <a:t>/interface .</a:t>
+            </a:r>
+            <a:r>
+              <a:rPr lang="en-US" sz="1050" dirty="0" err="1">
                 <a:solidFill>
                   <a:srgbClr val="008000"/>
                 </a:solidFill>
@@ -21158,49 +21097,59 @@
               <a:t>itp</a:t>
             </a:r>
             <a:r>
-              <a:rPr lang="en-US" sz="1050" dirty="0" smtClean="0">
-                <a:solidFill>
-                  <a:srgbClr val="008000"/>
-                </a:solidFill>
-                <a:latin typeface="Monaco"/>
-                <a:cs typeface="Monaco"/>
-              </a:rPr>
-              <a:t> file</a:t>
+              <a:rPr lang="en-US" sz="1050" dirty="0">
+                <a:solidFill>
+                  <a:srgbClr val="008000"/>
+                </a:solidFill>
+                <a:latin typeface="Monaco"/>
+                <a:cs typeface="Monaco"/>
+              </a:rPr>
+              <a:t> file </a:t>
             </a:r>
           </a:p>
           <a:p>
             <a:pPr lvl="1"/>
             <a:r>
+              <a:rPr lang="en-US" sz="1050" dirty="0">
+                <a:solidFill>
+                  <a:srgbClr val="008000"/>
+                </a:solidFill>
+                <a:latin typeface="Monaco"/>
+                <a:cs typeface="Monaco"/>
+              </a:rPr>
+              <a:t>% the last </a:t>
+            </a:r>
+            <a:r>
               <a:rPr lang="en-US" sz="1050" dirty="0" err="1">
                 <a:solidFill>
-                  <a:schemeClr val="tx1"/>
-                </a:solidFill>
-                <a:latin typeface="Monaco"/>
-                <a:cs typeface="Monaco"/>
-              </a:rPr>
-              <a:t>write_atom_itp</a:t>
+                  <a:srgbClr val="008000"/>
+                </a:solidFill>
+                <a:latin typeface="Monaco"/>
+                <a:cs typeface="Monaco"/>
+              </a:rPr>
+              <a:t>watermodel</a:t>
             </a:r>
             <a:r>
               <a:rPr lang="en-US" sz="1050" dirty="0">
                 <a:solidFill>
-                  <a:schemeClr val="tx1"/>
-                </a:solidFill>
-                <a:latin typeface="Monaco"/>
-                <a:cs typeface="Monaco"/>
-              </a:rPr>
-              <a:t>(atom,Box_dim,filename,1.25,2.25</a:t>
-            </a:r>
-            <a:r>
-              <a:rPr lang="en-US" sz="1050" dirty="0" smtClean="0">
-                <a:solidFill>
-                  <a:schemeClr val="tx1"/>
-                </a:solidFill>
-                <a:latin typeface="Monaco"/>
-                <a:cs typeface="Monaco"/>
-              </a:rPr>
-              <a:t>,’interface','spc') </a:t>
-            </a:r>
-            <a:r>
+                  <a:srgbClr val="008000"/>
+                </a:solidFill>
+                <a:latin typeface="Monaco"/>
+                <a:cs typeface="Monaco"/>
+              </a:rPr>
+              <a:t> argument has no effect, and I should change this</a:t>
+            </a:r>
+            <a:r>
+              <a:rPr lang="mr-IN" sz="1050" dirty="0">
+                <a:solidFill>
+                  <a:srgbClr val="008000"/>
+                </a:solidFill>
+                <a:latin typeface="Monaco"/>
+                <a:cs typeface="Monaco"/>
+              </a:rPr>
+              <a:t>…</a:t>
+            </a:r>
+            <a:br>
               <a:rPr lang="en-US" sz="1050" dirty="0">
                 <a:solidFill>
                   <a:srgbClr val="008000"/>
@@ -21208,29 +21157,8 @@
                 <a:latin typeface="Monaco"/>
                 <a:cs typeface="Monaco"/>
               </a:rPr>
-              <a:t>% Write a </a:t>
-            </a:r>
-            <a:r>
-              <a:rPr lang="en-US" sz="1050" dirty="0" err="1" smtClean="0">
-                <a:solidFill>
-                  <a:srgbClr val="008000"/>
-                </a:solidFill>
-                <a:latin typeface="Monaco"/>
-                <a:cs typeface="Monaco"/>
-              </a:rPr>
-              <a:t>gromacs</a:t>
-            </a:r>
-            <a:r>
-              <a:rPr lang="en-US" sz="1050" dirty="0" smtClean="0">
-                <a:solidFill>
-                  <a:srgbClr val="008000"/>
-                </a:solidFill>
-                <a:latin typeface="Monaco"/>
-                <a:cs typeface="Monaco"/>
-              </a:rPr>
-              <a:t>/interface </a:t>
-            </a:r>
-            <a:r>
+            </a:br>
+            <a:br>
               <a:rPr lang="en-US" sz="1050" dirty="0">
                 <a:solidFill>
                   <a:srgbClr val="008000"/>
@@ -21238,19 +21166,8 @@
                 <a:latin typeface="Monaco"/>
                 <a:cs typeface="Monaco"/>
               </a:rPr>
-              <a:t>.</a:t>
-            </a:r>
-            <a:r>
-              <a:rPr lang="en-US" sz="1050" dirty="0" err="1">
-                <a:solidFill>
-                  <a:srgbClr val="008000"/>
-                </a:solidFill>
-                <a:latin typeface="Monaco"/>
-                <a:cs typeface="Monaco"/>
-              </a:rPr>
-              <a:t>itp</a:t>
-            </a:r>
-            <a:r>
+            </a:br>
+            <a:br>
               <a:rPr lang="en-US" sz="1050" dirty="0">
                 <a:solidFill>
                   <a:srgbClr val="008000"/>
@@ -21258,18 +21175,7 @@
                 <a:latin typeface="Monaco"/>
                 <a:cs typeface="Monaco"/>
               </a:rPr>
-              <a:t> file </a:t>
-            </a:r>
-            <a:endParaRPr lang="en-US" sz="1050" dirty="0" smtClean="0">
-              <a:solidFill>
-                <a:srgbClr val="008000"/>
-              </a:solidFill>
-              <a:latin typeface="Monaco"/>
-              <a:cs typeface="Monaco"/>
-            </a:endParaRPr>
-          </a:p>
-          <a:p>
-            <a:pPr lvl="1"/>
+            </a:br>
             <a:r>
               <a:rPr lang="en-US" sz="1050" dirty="0">
                 <a:solidFill>
@@ -21278,37 +21184,67 @@
                 <a:latin typeface="Monaco"/>
                 <a:cs typeface="Monaco"/>
               </a:rPr>
-              <a:t>% </a:t>
-            </a:r>
-            <a:r>
-              <a:rPr lang="en-US" sz="1050" dirty="0" smtClean="0">
-                <a:solidFill>
-                  <a:srgbClr val="008000"/>
-                </a:solidFill>
-                <a:latin typeface="Monaco"/>
-                <a:cs typeface="Monaco"/>
-              </a:rPr>
-              <a:t>the last </a:t>
-            </a:r>
-            <a:r>
-              <a:rPr lang="en-US" sz="1050" dirty="0" err="1" smtClean="0">
-                <a:solidFill>
-                  <a:srgbClr val="008000"/>
-                </a:solidFill>
-                <a:latin typeface="Monaco"/>
-                <a:cs typeface="Monaco"/>
-              </a:rPr>
-              <a:t>watermodel</a:t>
-            </a:r>
-            <a:r>
-              <a:rPr lang="en-US" sz="1050" dirty="0" smtClean="0">
-                <a:solidFill>
-                  <a:srgbClr val="008000"/>
-                </a:solidFill>
-                <a:latin typeface="Monaco"/>
-                <a:cs typeface="Monaco"/>
-              </a:rPr>
-              <a:t> argument has no effect, and I </a:t>
+              <a:t>%% Now</a:t>
+            </a:r>
+            <a:r>
+              <a:rPr lang="mr-IN" sz="1050" dirty="0">
+                <a:solidFill>
+                  <a:srgbClr val="008000"/>
+                </a:solidFill>
+                <a:latin typeface="Monaco"/>
+                <a:cs typeface="Monaco"/>
+              </a:rPr>
+              <a:t>…</a:t>
+            </a:r>
+            <a:r>
+              <a:rPr lang="sv-SE" sz="1050" dirty="0">
+                <a:solidFill>
+                  <a:srgbClr val="008000"/>
+                </a:solidFill>
+                <a:latin typeface="Monaco"/>
+                <a:cs typeface="Monaco"/>
+              </a:rPr>
+              <a:t> </a:t>
+            </a:r>
+            <a:r>
+              <a:rPr lang="sv-SE" sz="1050" dirty="0" err="1">
+                <a:solidFill>
+                  <a:srgbClr val="008000"/>
+                </a:solidFill>
+                <a:latin typeface="Monaco"/>
+                <a:cs typeface="Monaco"/>
+              </a:rPr>
+              <a:t>most</a:t>
+            </a:r>
+            <a:r>
+              <a:rPr lang="sv-SE" sz="1050" dirty="0">
+                <a:solidFill>
+                  <a:srgbClr val="008000"/>
+                </a:solidFill>
+                <a:latin typeface="Monaco"/>
+                <a:cs typeface="Monaco"/>
+              </a:rPr>
+              <a:t> </a:t>
+            </a:r>
+            <a:r>
+              <a:rPr lang="sv-SE" sz="1050" dirty="0" err="1">
+                <a:solidFill>
+                  <a:srgbClr val="008000"/>
+                </a:solidFill>
+                <a:latin typeface="Monaco"/>
+                <a:cs typeface="Monaco"/>
+              </a:rPr>
+              <a:t>importantly</a:t>
+            </a:r>
+            <a:r>
+              <a:rPr lang="sv-SE" sz="1050" dirty="0">
+                <a:solidFill>
+                  <a:srgbClr val="008000"/>
+                </a:solidFill>
+                <a:latin typeface="Monaco"/>
+                <a:cs typeface="Monaco"/>
+              </a:rPr>
+              <a:t>, i</a:t>
             </a:r>
             <a:r>
               <a:rPr lang="en-US" sz="1050" dirty="0">
@@ -21318,174 +21254,7 @@
                 <a:latin typeface="Monaco"/>
                 <a:cs typeface="Monaco"/>
               </a:rPr>
-              <a:t>should change </a:t>
-            </a:r>
-            <a:r>
-              <a:rPr lang="en-US" sz="1050" dirty="0" smtClean="0">
-                <a:solidFill>
-                  <a:srgbClr val="008000"/>
-                </a:solidFill>
-                <a:latin typeface="Monaco"/>
-                <a:cs typeface="Monaco"/>
-              </a:rPr>
-              <a:t>this</a:t>
-            </a:r>
-            <a:r>
-              <a:rPr lang="mr-IN" sz="1050" dirty="0" smtClean="0">
-                <a:solidFill>
-                  <a:srgbClr val="008000"/>
-                </a:solidFill>
-                <a:latin typeface="Monaco"/>
-                <a:cs typeface="Monaco"/>
-              </a:rPr>
-              <a:t>…</a:t>
-            </a:r>
-            <a:r>
-              <a:rPr lang="en-US" sz="1050" dirty="0" smtClean="0">
-                <a:solidFill>
-                  <a:srgbClr val="008000"/>
-                </a:solidFill>
-                <a:latin typeface="Monaco"/>
-                <a:cs typeface="Monaco"/>
-              </a:rPr>
-              <a:t/>
-            </a:r>
-            <a:br>
-              <a:rPr lang="en-US" sz="1050" dirty="0" smtClean="0">
-                <a:solidFill>
-                  <a:srgbClr val="008000"/>
-                </a:solidFill>
-                <a:latin typeface="Monaco"/>
-                <a:cs typeface="Monaco"/>
-              </a:rPr>
-            </a:br>
-            <a:r>
-              <a:rPr lang="en-US" sz="1050" dirty="0" smtClean="0">
-                <a:solidFill>
-                  <a:srgbClr val="008000"/>
-                </a:solidFill>
-                <a:latin typeface="Monaco"/>
-                <a:cs typeface="Monaco"/>
-              </a:rPr>
-              <a:t/>
-            </a:r>
-            <a:br>
-              <a:rPr lang="en-US" sz="1050" dirty="0" smtClean="0">
-                <a:solidFill>
-                  <a:srgbClr val="008000"/>
-                </a:solidFill>
-                <a:latin typeface="Monaco"/>
-                <a:cs typeface="Monaco"/>
-              </a:rPr>
-            </a:br>
-            <a:r>
-              <a:rPr lang="en-US" sz="1050" dirty="0" smtClean="0">
-                <a:solidFill>
-                  <a:srgbClr val="008000"/>
-                </a:solidFill>
-                <a:latin typeface="Monaco"/>
-                <a:cs typeface="Monaco"/>
-              </a:rPr>
-              <a:t/>
-            </a:r>
-            <a:br>
-              <a:rPr lang="en-US" sz="1050" dirty="0" smtClean="0">
-                <a:solidFill>
-                  <a:srgbClr val="008000"/>
-                </a:solidFill>
-                <a:latin typeface="Monaco"/>
-                <a:cs typeface="Monaco"/>
-              </a:rPr>
-            </a:br>
-            <a:r>
-              <a:rPr lang="en-US" sz="1050" dirty="0" smtClean="0">
-                <a:solidFill>
-                  <a:srgbClr val="008000"/>
-                </a:solidFill>
-                <a:latin typeface="Monaco"/>
-                <a:cs typeface="Monaco"/>
-              </a:rPr>
-              <a:t>%% Now</a:t>
-            </a:r>
-            <a:r>
-              <a:rPr lang="mr-IN" sz="1050" dirty="0" smtClean="0">
-                <a:solidFill>
-                  <a:srgbClr val="008000"/>
-                </a:solidFill>
-                <a:latin typeface="Monaco"/>
-                <a:cs typeface="Monaco"/>
-              </a:rPr>
-              <a:t>…</a:t>
-            </a:r>
-            <a:r>
-              <a:rPr lang="sv-SE" sz="1050" dirty="0" smtClean="0">
-                <a:solidFill>
-                  <a:srgbClr val="008000"/>
-                </a:solidFill>
-                <a:latin typeface="Monaco"/>
-                <a:cs typeface="Monaco"/>
-              </a:rPr>
-              <a:t> </a:t>
-            </a:r>
-            <a:r>
-              <a:rPr lang="sv-SE" sz="1050" dirty="0" err="1" smtClean="0">
-                <a:solidFill>
-                  <a:srgbClr val="008000"/>
-                </a:solidFill>
-                <a:latin typeface="Monaco"/>
-                <a:cs typeface="Monaco"/>
-              </a:rPr>
-              <a:t>most</a:t>
-            </a:r>
-            <a:r>
-              <a:rPr lang="sv-SE" sz="1050" dirty="0" smtClean="0">
-                <a:solidFill>
-                  <a:srgbClr val="008000"/>
-                </a:solidFill>
-                <a:latin typeface="Monaco"/>
-                <a:cs typeface="Monaco"/>
-              </a:rPr>
-              <a:t> </a:t>
-            </a:r>
-            <a:r>
-              <a:rPr lang="sv-SE" sz="1050" dirty="0" err="1" smtClean="0">
-                <a:solidFill>
-                  <a:srgbClr val="008000"/>
-                </a:solidFill>
-                <a:latin typeface="Monaco"/>
-                <a:cs typeface="Monaco"/>
-              </a:rPr>
-              <a:t>importantly</a:t>
-            </a:r>
-            <a:r>
-              <a:rPr lang="sv-SE" sz="1050" dirty="0" smtClean="0">
-                <a:solidFill>
-                  <a:srgbClr val="008000"/>
-                </a:solidFill>
-                <a:latin typeface="Monaco"/>
-                <a:cs typeface="Monaco"/>
-              </a:rPr>
-              <a:t>, i</a:t>
-            </a:r>
-            <a:r>
-              <a:rPr lang="en-US" sz="1050" dirty="0" smtClean="0">
-                <a:solidFill>
-                  <a:srgbClr val="008000"/>
-                </a:solidFill>
-                <a:latin typeface="Monaco"/>
-                <a:cs typeface="Monaco"/>
-              </a:rPr>
-              <a:t>s </a:t>
-            </a:r>
-            <a:r>
-              <a:rPr lang="en-US" sz="1050" dirty="0">
-                <a:solidFill>
-                  <a:srgbClr val="008000"/>
-                </a:solidFill>
-                <a:latin typeface="Monaco"/>
-                <a:cs typeface="Monaco"/>
-              </a:rPr>
-              <a:t>the charge correct?</a:t>
+              <a:t>s the charge correct?</a:t>
             </a:r>
           </a:p>
           <a:p>
@@ -29340,13 +29109,6 @@
               </a:rPr>
               <a:t>buildsystem.m</a:t>
             </a:r>
-            <a:r>
-              <a:rPr lang="sv-SE" sz="2800" dirty="0">
-                <a:latin typeface="Arial"/>
-                <a:cs typeface="Arial"/>
-              </a:rPr>
-              <a:t/>
-            </a:r>
             <a:br>
               <a:rPr lang="sv-SE" sz="2800" dirty="0">
                 <a:latin typeface="Arial"/>
@@ -29609,21 +29371,7 @@
                 <a:latin typeface="Arial"/>
                 <a:cs typeface="Arial"/>
               </a:rPr>
-              <a:t> the atom M</a:t>
-            </a:r>
-            <a:r>
-              <a:rPr lang="sv-SE" sz="2800" dirty="0" smtClean="0">
-                <a:latin typeface="Arial"/>
-                <a:cs typeface="Arial"/>
-              </a:rPr>
-              <a:t>atlab </a:t>
-            </a:r>
-            <a:r>
-              <a:rPr lang="sv-SE" sz="2800" dirty="0">
-                <a:latin typeface="Arial"/>
-                <a:cs typeface="Arial"/>
-              </a:rPr>
-              <a:t>scripts</a:t>
+              <a:t> the atom Matlab scripts</a:t>
             </a:r>
             <a:endParaRPr lang="sv-SE" sz="1200" dirty="0">
               <a:latin typeface="Calibri"/>
@@ -29745,18 +29493,14 @@
             </a:r>
             <a:r>
               <a:rPr lang="sv-SE" dirty="0"/>
-              <a:t> </a:t>
-            </a:r>
-            <a:r>
-              <a:rPr lang="sv-SE" dirty="0" smtClean="0"/>
-              <a:t>the </a:t>
-            </a:r>
-            <a:r>
-              <a:rPr lang="sv-SE" dirty="0" err="1" smtClean="0"/>
+              <a:t> the </a:t>
+            </a:r>
+            <a:r>
+              <a:rPr lang="sv-SE" dirty="0" err="1"/>
               <a:t>forcefields</a:t>
             </a:r>
             <a:r>
-              <a:rPr lang="sv-SE" dirty="0" smtClean="0"/>
+              <a:rPr lang="sv-SE" dirty="0"/>
               <a:t> </a:t>
             </a:r>
             <a:r>
@@ -31032,18 +30776,10 @@
                   <a:srgbClr val="000000"/>
                 </a:solidFill>
               </a:rPr>
-              <a:t>(2) d001],1.1,2,nSOL,System); System = </a:t>
-            </a:r>
-            <a:r>
-              <a:rPr lang="sv-SE" sz="1400" dirty="0" smtClean="0">
-                <a:solidFill>
-                  <a:srgbClr val="000000"/>
-                </a:solidFill>
-              </a:rPr>
-              <a:t>System=</a:t>
-            </a:r>
-            <a:r>
-              <a:rPr lang="sv-SE" sz="1400" dirty="0" err="1" smtClean="0">
+              <a:t>(2) d001],1.1,2,nSOL,System); System = System=</a:t>
+            </a:r>
+            <a:r>
+              <a:rPr lang="sv-SE" sz="1400" dirty="0" err="1">
                 <a:solidFill>
                   <a:srgbClr val="000000"/>
                 </a:solidFill>
@@ -31131,18 +30867,10 @@
                   <a:srgbClr val="000000"/>
                 </a:solidFill>
               </a:rPr>
-              <a:t>(3)],1.1,2,nSOL,System); System = </a:t>
-            </a:r>
-            <a:r>
-              <a:rPr lang="sv-SE" sz="1400" dirty="0" smtClean="0">
-                <a:solidFill>
-                  <a:srgbClr val="000000"/>
-                </a:solidFill>
-              </a:rPr>
-              <a:t>System=</a:t>
-            </a:r>
-            <a:r>
-              <a:rPr lang="sv-SE" sz="1400" dirty="0" err="1" smtClean="0">
+              <a:t>(3)],1.1,2,nSOL,System); System = System=</a:t>
+            </a:r>
+            <a:r>
+              <a:rPr lang="sv-SE" sz="1400" dirty="0" err="1">
                 <a:solidFill>
                   <a:srgbClr val="000000"/>
                 </a:solidFill>
@@ -31320,13 +31048,6 @@
                 <a:cs typeface="Monaco"/>
               </a:rPr>
               <a:t>buildsystem.m</a:t>
-            </a:r>
-            <a:r>
-              <a:rPr lang="sv-SE" sz="2800" dirty="0">
-                <a:latin typeface="Arial"/>
-                <a:cs typeface="Arial"/>
-              </a:rPr>
-              <a:t/>
             </a:r>
             <a:br>
               <a:rPr lang="sv-SE" sz="2800" dirty="0">
@@ -32596,13 +32317,6 @@
                 <a:cs typeface="Monaco"/>
               </a:rPr>
               <a:t>buildsystem.m</a:t>
-            </a:r>
-            <a:r>
-              <a:rPr lang="sv-SE" sz="2800" dirty="0">
-                <a:latin typeface="Arial"/>
-                <a:cs typeface="Arial"/>
-              </a:rPr>
-              <a:t/>
             </a:r>
             <a:br>
               <a:rPr lang="sv-SE" sz="2800" dirty="0">
@@ -33937,7 +33651,7 @@
                   <a:schemeClr val="tx1"/>
                 </a:solidFill>
               </a:rPr>
-              <a:t>write_atom</a:t>
+              <a:t>write_atom_all</a:t>
             </a:r>
             <a:r>
               <a:rPr lang="sv-SE" sz="1400" dirty="0">
@@ -35990,7 +35704,7 @@
         <p:spPr>
           <a:xfrm>
             <a:off x="-12700" y="1614091"/>
-            <a:ext cx="9156700" cy="5256000"/>
+            <a:ext cx="9156700" cy="5424562"/>
           </a:xfrm>
           <a:prstGeom prst="rect">
             <a:avLst/>
@@ -36024,7 +35738,7 @@
             <a:r>
               <a:rPr lang="en-US" sz="1050" dirty="0">
                 <a:solidFill>
-                  <a:srgbClr val="008000"/>
+                  <a:schemeClr val="tx1"/>
                 </a:solidFill>
                 <a:latin typeface="Monaco"/>
                 <a:cs typeface="Monaco"/>
@@ -36037,7 +35751,7 @@
             <a:r>
               <a:rPr lang="en-US" sz="1050" dirty="0">
                 <a:solidFill>
-                  <a:srgbClr val="008000"/>
+                  <a:schemeClr val="tx1"/>
                 </a:solidFill>
                 <a:latin typeface="Monaco"/>
                 <a:cs typeface="Monaco"/>
@@ -36050,7 +35764,7 @@
             <a:r>
               <a:rPr lang="en-US" sz="1050" dirty="0" err="1">
                 <a:solidFill>
-                  <a:srgbClr val="008000"/>
+                  <a:schemeClr val="tx1"/>
                 </a:solidFill>
                 <a:latin typeface="Monaco"/>
                 <a:cs typeface="Monaco"/>
@@ -36059,7 +35773,7 @@
             </a:r>
             <a:endParaRPr lang="en-US" sz="1050" dirty="0">
               <a:solidFill>
-                <a:srgbClr val="008000"/>
+                <a:schemeClr val="tx1"/>
               </a:solidFill>
               <a:latin typeface="Monaco"/>
               <a:cs typeface="Monaco"/>
@@ -36070,7 +35784,7 @@
             <a:r>
               <a:rPr lang="en-US" sz="1050" dirty="0" err="1">
                 <a:solidFill>
-                  <a:srgbClr val="008000"/>
+                  <a:schemeClr val="tx1"/>
                 </a:solidFill>
                 <a:latin typeface="Monaco"/>
                 <a:cs typeface="Monaco"/>
@@ -36079,7 +35793,7 @@
             </a:r>
             <a:endParaRPr lang="en-US" sz="1050" dirty="0">
               <a:solidFill>
-                <a:srgbClr val="008000"/>
+                <a:schemeClr val="tx1"/>
               </a:solidFill>
               <a:latin typeface="Monaco"/>
               <a:cs typeface="Monaco"/>
@@ -36090,7 +35804,7 @@
             <a:r>
               <a:rPr lang="en-US" sz="1050" dirty="0" err="1">
                 <a:solidFill>
-                  <a:srgbClr val="008000"/>
+                  <a:schemeClr val="tx1"/>
                 </a:solidFill>
                 <a:latin typeface="Monaco"/>
                 <a:cs typeface="Monaco"/>
@@ -36099,7 +35813,7 @@
             </a:r>
             <a:endParaRPr lang="en-US" sz="1050" dirty="0">
               <a:solidFill>
-                <a:srgbClr val="008000"/>
+                <a:schemeClr val="tx1"/>
               </a:solidFill>
               <a:latin typeface="Monaco"/>
               <a:cs typeface="Monaco"/>
@@ -36110,7 +35824,7 @@
             <a:r>
               <a:rPr lang="en-US" sz="1050" dirty="0" err="1">
                 <a:solidFill>
-                  <a:srgbClr val="008000"/>
+                  <a:schemeClr val="tx1"/>
                 </a:solidFill>
                 <a:latin typeface="Monaco"/>
                 <a:cs typeface="Monaco"/>
@@ -36119,7 +35833,7 @@
             </a:r>
             <a:endParaRPr lang="en-US" sz="1050" dirty="0">
               <a:solidFill>
-                <a:srgbClr val="008000"/>
+                <a:schemeClr val="tx1"/>
               </a:solidFill>
               <a:latin typeface="Monaco"/>
               <a:cs typeface="Monaco"/>
@@ -36130,7 +35844,7 @@
             <a:r>
               <a:rPr lang="en-US" sz="1050" dirty="0" err="1">
                 <a:solidFill>
-                  <a:srgbClr val="008000"/>
+                  <a:schemeClr val="tx1"/>
                 </a:solidFill>
                 <a:latin typeface="Monaco"/>
                 <a:cs typeface="Monaco"/>
@@ -36139,7 +35853,7 @@
             </a:r>
             <a:endParaRPr lang="en-US" sz="1050" dirty="0">
               <a:solidFill>
-                <a:srgbClr val="008000"/>
+                <a:schemeClr val="tx1"/>
               </a:solidFill>
               <a:latin typeface="Monaco"/>
               <a:cs typeface="Monaco"/>
@@ -36150,7 +35864,7 @@
             <a:r>
               <a:rPr lang="en-US" sz="1050" dirty="0" err="1">
                 <a:solidFill>
-                  <a:srgbClr val="008000"/>
+                  <a:schemeClr val="tx1"/>
                 </a:solidFill>
                 <a:latin typeface="Monaco"/>
                 <a:cs typeface="Monaco"/>
@@ -36159,7 +35873,7 @@
             </a:r>
             <a:endParaRPr lang="en-US" sz="1050" dirty="0">
               <a:solidFill>
-                <a:srgbClr val="008000"/>
+                <a:schemeClr val="tx1"/>
               </a:solidFill>
               <a:latin typeface="Monaco"/>
               <a:cs typeface="Monaco"/>
@@ -36170,7 +35884,7 @@
             <a:r>
               <a:rPr lang="en-US" sz="1050" dirty="0" err="1">
                 <a:solidFill>
-                  <a:srgbClr val="008000"/>
+                  <a:schemeClr val="tx1"/>
                 </a:solidFill>
                 <a:latin typeface="Monaco"/>
                 <a:cs typeface="Monaco"/>
@@ -36179,7 +35893,7 @@
             </a:r>
             <a:endParaRPr lang="en-US" sz="1050" dirty="0">
               <a:solidFill>
-                <a:srgbClr val="008000"/>
+                <a:schemeClr val="tx1"/>
               </a:solidFill>
               <a:latin typeface="Monaco"/>
               <a:cs typeface="Monaco"/>
@@ -36190,7 +35904,7 @@
             <a:r>
               <a:rPr lang="en-US" sz="1050" dirty="0" err="1">
                 <a:solidFill>
-                  <a:srgbClr val="008000"/>
+                  <a:schemeClr val="tx1"/>
                 </a:solidFill>
                 <a:latin typeface="Monaco"/>
                 <a:cs typeface="Monaco"/>
@@ -36199,7 +35913,7 @@
             </a:r>
             <a:endParaRPr lang="en-US" sz="1050" dirty="0">
               <a:solidFill>
-                <a:srgbClr val="008000"/>
+                <a:schemeClr val="tx1"/>
               </a:solidFill>
               <a:latin typeface="Monaco"/>
               <a:cs typeface="Monaco"/>
@@ -36210,7 +35924,7 @@
             <a:r>
               <a:rPr lang="en-US" sz="1050" dirty="0">
                 <a:solidFill>
-                  <a:srgbClr val="008000"/>
+                  <a:schemeClr val="tx1"/>
                 </a:solidFill>
                 <a:latin typeface="Monaco"/>
                 <a:cs typeface="Monaco"/>
@@ -36223,7 +35937,7 @@
             <a:r>
               <a:rPr lang="en-US" sz="1050" dirty="0">
                 <a:solidFill>
-                  <a:srgbClr val="008000"/>
+                  <a:schemeClr val="tx1"/>
                 </a:solidFill>
                 <a:latin typeface="Monaco"/>
                 <a:cs typeface="Monaco"/>
@@ -36236,7 +35950,7 @@
             <a:r>
               <a:rPr lang="en-US" sz="1050" dirty="0" err="1">
                 <a:solidFill>
-                  <a:srgbClr val="008000"/>
+                  <a:schemeClr val="tx1"/>
                 </a:solidFill>
                 <a:latin typeface="Monaco"/>
                 <a:cs typeface="Monaco"/>
@@ -36245,7 +35959,7 @@
             </a:r>
             <a:endParaRPr lang="en-US" sz="1050" dirty="0">
               <a:solidFill>
-                <a:srgbClr val="008000"/>
+                <a:schemeClr val="tx1"/>
               </a:solidFill>
               <a:latin typeface="Monaco"/>
               <a:cs typeface="Monaco"/>
@@ -36256,7 +35970,7 @@
             <a:r>
               <a:rPr lang="en-US" sz="1050" dirty="0" err="1">
                 <a:solidFill>
-                  <a:srgbClr val="008000"/>
+                  <a:schemeClr val="tx1"/>
                 </a:solidFill>
                 <a:latin typeface="Monaco"/>
                 <a:cs typeface="Monaco"/>
@@ -36265,7 +35979,7 @@
             </a:r>
             <a:endParaRPr lang="en-US" sz="1050" dirty="0">
               <a:solidFill>
-                <a:srgbClr val="008000"/>
+                <a:schemeClr val="tx1"/>
               </a:solidFill>
               <a:latin typeface="Monaco"/>
               <a:cs typeface="Monaco"/>
@@ -36276,7 +35990,7 @@
             <a:r>
               <a:rPr lang="en-US" sz="1050" dirty="0" err="1">
                 <a:solidFill>
-                  <a:srgbClr val="008000"/>
+                  <a:schemeClr val="tx1"/>
                 </a:solidFill>
                 <a:latin typeface="Monaco"/>
                 <a:cs typeface="Monaco"/>
@@ -36285,7 +35999,7 @@
             </a:r>
             <a:endParaRPr lang="en-US" sz="1050" dirty="0">
               <a:solidFill>
-                <a:srgbClr val="008000"/>
+                <a:schemeClr val="tx1"/>
               </a:solidFill>
               <a:latin typeface="Monaco"/>
               <a:cs typeface="Monaco"/>
@@ -36296,7 +36010,7 @@
             <a:r>
               <a:rPr lang="en-US" sz="1050" dirty="0" err="1">
                 <a:solidFill>
-                  <a:srgbClr val="008000"/>
+                  <a:schemeClr val="tx1"/>
                 </a:solidFill>
                 <a:latin typeface="Monaco"/>
                 <a:cs typeface="Monaco"/>
@@ -36305,7 +36019,7 @@
             </a:r>
             <a:endParaRPr lang="en-US" sz="1050" dirty="0">
               <a:solidFill>
-                <a:srgbClr val="008000"/>
+                <a:schemeClr val="tx1"/>
               </a:solidFill>
               <a:latin typeface="Monaco"/>
               <a:cs typeface="Monaco"/>
@@ -36316,7 +36030,7 @@
             <a:r>
               <a:rPr lang="en-US" sz="1050" dirty="0" err="1">
                 <a:solidFill>
-                  <a:srgbClr val="008000"/>
+                  <a:schemeClr val="tx1"/>
                 </a:solidFill>
                 <a:latin typeface="Monaco"/>
                 <a:cs typeface="Monaco"/>
@@ -36325,7 +36039,7 @@
             </a:r>
             <a:endParaRPr lang="en-US" sz="1050" dirty="0">
               <a:solidFill>
-                <a:srgbClr val="008000"/>
+                <a:schemeClr val="tx1"/>
               </a:solidFill>
               <a:latin typeface="Monaco"/>
               <a:cs typeface="Monaco"/>
@@ -36336,7 +36050,7 @@
             <a:r>
               <a:rPr lang="en-US" sz="1050" dirty="0" err="1">
                 <a:solidFill>
-                  <a:srgbClr val="008000"/>
+                  <a:schemeClr val="tx1"/>
                 </a:solidFill>
                 <a:latin typeface="Monaco"/>
                 <a:cs typeface="Monaco"/>
@@ -36345,7 +36059,7 @@
             </a:r>
             <a:endParaRPr lang="en-US" sz="1050" dirty="0">
               <a:solidFill>
-                <a:srgbClr val="008000"/>
+                <a:schemeClr val="tx1"/>
               </a:solidFill>
               <a:latin typeface="Monaco"/>
               <a:cs typeface="Monaco"/>
@@ -36356,7 +36070,7 @@
             <a:r>
               <a:rPr lang="en-US" sz="1050" dirty="0" err="1">
                 <a:solidFill>
-                  <a:srgbClr val="008000"/>
+                  <a:schemeClr val="tx1"/>
                 </a:solidFill>
                 <a:latin typeface="Monaco"/>
                 <a:cs typeface="Monaco"/>
@@ -36365,7 +36079,7 @@
             </a:r>
             <a:endParaRPr lang="en-US" sz="1050" dirty="0">
               <a:solidFill>
-                <a:srgbClr val="008000"/>
+                <a:schemeClr val="tx1"/>
               </a:solidFill>
               <a:latin typeface="Monaco"/>
               <a:cs typeface="Monaco"/>
@@ -36376,7 +36090,7 @@
             <a:r>
               <a:rPr lang="en-US" sz="1050" dirty="0" err="1">
                 <a:solidFill>
-                  <a:srgbClr val="008000"/>
+                  <a:schemeClr val="tx1"/>
                 </a:solidFill>
                 <a:latin typeface="Monaco"/>
                 <a:cs typeface="Monaco"/>
@@ -36385,7 +36099,7 @@
             </a:r>
             <a:endParaRPr lang="en-US" sz="1050" dirty="0">
               <a:solidFill>
-                <a:srgbClr val="008000"/>
+                <a:schemeClr val="tx1"/>
               </a:solidFill>
               <a:latin typeface="Monaco"/>
               <a:cs typeface="Monaco"/>
@@ -36396,7 +36110,7 @@
             <a:r>
               <a:rPr lang="en-US" sz="1050" dirty="0" err="1">
                 <a:solidFill>
-                  <a:srgbClr val="008000"/>
+                  <a:schemeClr val="tx1"/>
                 </a:solidFill>
                 <a:latin typeface="Monaco"/>
                 <a:cs typeface="Monaco"/>
@@ -36405,7 +36119,7 @@
             </a:r>
             <a:endParaRPr lang="en-US" sz="1050" dirty="0">
               <a:solidFill>
-                <a:srgbClr val="008000"/>
+                <a:schemeClr val="tx1"/>
               </a:solidFill>
               <a:latin typeface="Monaco"/>
               <a:cs typeface="Monaco"/>
@@ -36416,7 +36130,7 @@
             <a:r>
               <a:rPr lang="en-US" sz="1050" dirty="0" err="1">
                 <a:solidFill>
-                  <a:srgbClr val="008000"/>
+                  <a:schemeClr val="tx1"/>
                 </a:solidFill>
                 <a:latin typeface="Monaco"/>
                 <a:cs typeface="Monaco"/>
@@ -36425,7 +36139,7 @@
             </a:r>
             <a:endParaRPr lang="en-US" sz="1050" dirty="0">
               <a:solidFill>
-                <a:srgbClr val="008000"/>
+                <a:schemeClr val="tx1"/>
               </a:solidFill>
               <a:latin typeface="Monaco"/>
               <a:cs typeface="Monaco"/>
@@ -36436,7 +36150,7 @@
             <a:r>
               <a:rPr lang="en-US" sz="1050" dirty="0" err="1">
                 <a:solidFill>
-                  <a:srgbClr val="008000"/>
+                  <a:schemeClr val="tx1"/>
                 </a:solidFill>
                 <a:latin typeface="Monaco"/>
                 <a:cs typeface="Monaco"/>
@@ -36445,7 +36159,7 @@
             </a:r>
             <a:endParaRPr lang="en-US" sz="1050" dirty="0">
               <a:solidFill>
-                <a:srgbClr val="008000"/>
+                <a:schemeClr val="tx1"/>
               </a:solidFill>
               <a:latin typeface="Monaco"/>
               <a:cs typeface="Monaco"/>
@@ -36456,7 +36170,7 @@
             <a:r>
               <a:rPr lang="en-US" sz="1050" dirty="0" err="1">
                 <a:solidFill>
-                  <a:srgbClr val="008000"/>
+                  <a:schemeClr val="tx1"/>
                 </a:solidFill>
                 <a:latin typeface="Monaco"/>
                 <a:cs typeface="Monaco"/>
@@ -36465,7 +36179,7 @@
             </a:r>
             <a:endParaRPr lang="en-US" sz="1050" dirty="0">
               <a:solidFill>
-                <a:srgbClr val="008000"/>
+                <a:schemeClr val="tx1"/>
               </a:solidFill>
               <a:latin typeface="Monaco"/>
               <a:cs typeface="Monaco"/>
@@ -36476,7 +36190,7 @@
             <a:r>
               <a:rPr lang="en-US" sz="1050" dirty="0" err="1">
                 <a:solidFill>
-                  <a:srgbClr val="008000"/>
+                  <a:schemeClr val="tx1"/>
                 </a:solidFill>
                 <a:latin typeface="Monaco"/>
                 <a:cs typeface="Monaco"/>
@@ -36485,7 +36199,7 @@
             </a:r>
             <a:endParaRPr lang="en-US" sz="1050" dirty="0">
               <a:solidFill>
-                <a:srgbClr val="008000"/>
+                <a:schemeClr val="tx1"/>
               </a:solidFill>
               <a:latin typeface="Monaco"/>
               <a:cs typeface="Monaco"/>
@@ -36496,7 +36210,7 @@
             <a:r>
               <a:rPr lang="en-US" sz="1050" dirty="0" err="1">
                 <a:solidFill>
-                  <a:srgbClr val="008000"/>
+                  <a:schemeClr val="tx1"/>
                 </a:solidFill>
                 <a:latin typeface="Monaco"/>
                 <a:cs typeface="Monaco"/>
@@ -36505,7 +36219,7 @@
             </a:r>
             <a:endParaRPr lang="en-US" sz="1050" dirty="0">
               <a:solidFill>
-                <a:srgbClr val="008000"/>
+                <a:schemeClr val="tx1"/>
               </a:solidFill>
               <a:latin typeface="Monaco"/>
               <a:cs typeface="Monaco"/>
@@ -36516,7 +36230,7 @@
             <a:r>
               <a:rPr lang="en-US" sz="1050" dirty="0" err="1">
                 <a:solidFill>
-                  <a:srgbClr val="008000"/>
+                  <a:schemeClr val="tx1"/>
                 </a:solidFill>
                 <a:latin typeface="Monaco"/>
                 <a:cs typeface="Monaco"/>
@@ -36525,7 +36239,7 @@
             </a:r>
             <a:endParaRPr lang="en-US" sz="1050" dirty="0">
               <a:solidFill>
-                <a:srgbClr val="008000"/>
+                <a:schemeClr val="tx1"/>
               </a:solidFill>
               <a:latin typeface="Monaco"/>
               <a:cs typeface="Monaco"/>
@@ -36536,7 +36250,7 @@
             <a:r>
               <a:rPr lang="en-US" sz="1050" dirty="0" err="1">
                 <a:solidFill>
-                  <a:srgbClr val="008000"/>
+                  <a:schemeClr val="tx1"/>
                 </a:solidFill>
                 <a:latin typeface="Monaco"/>
                 <a:cs typeface="Monaco"/>
@@ -36545,7 +36259,7 @@
             </a:r>
             <a:endParaRPr lang="en-US" sz="1050" dirty="0">
               <a:solidFill>
-                <a:srgbClr val="008000"/>
+                <a:schemeClr val="tx1"/>
               </a:solidFill>
               <a:latin typeface="Monaco"/>
               <a:cs typeface="Monaco"/>
@@ -36556,7 +36270,7 @@
             <a:r>
               <a:rPr lang="en-US" sz="1050" dirty="0" err="1">
                 <a:solidFill>
-                  <a:srgbClr val="008000"/>
+                  <a:schemeClr val="tx1"/>
                 </a:solidFill>
                 <a:latin typeface="Monaco"/>
                 <a:cs typeface="Monaco"/>
@@ -36565,7 +36279,7 @@
             </a:r>
             <a:endParaRPr lang="en-US" sz="1050" dirty="0">
               <a:solidFill>
-                <a:srgbClr val="008000"/>
+                <a:schemeClr val="tx1"/>
               </a:solidFill>
               <a:latin typeface="Monaco"/>
               <a:cs typeface="Monaco"/>
@@ -36576,7 +36290,7 @@
             <a:r>
               <a:rPr lang="en-US" sz="1050" dirty="0" err="1">
                 <a:solidFill>
-                  <a:srgbClr val="008000"/>
+                  <a:schemeClr val="tx1"/>
                 </a:solidFill>
                 <a:latin typeface="Monaco"/>
                 <a:cs typeface="Monaco"/>
@@ -36585,7 +36299,7 @@
             </a:r>
             <a:endParaRPr lang="en-US" sz="1050" dirty="0">
               <a:solidFill>
-                <a:srgbClr val="008000"/>
+                <a:schemeClr val="tx1"/>
               </a:solidFill>
               <a:latin typeface="Monaco"/>
               <a:cs typeface="Monaco"/>
@@ -36596,7 +36310,7 @@
             <a:r>
               <a:rPr lang="en-US" sz="1050" dirty="0" err="1">
                 <a:solidFill>
-                  <a:srgbClr val="008000"/>
+                  <a:schemeClr val="tx1"/>
                 </a:solidFill>
                 <a:latin typeface="Monaco"/>
                 <a:cs typeface="Monaco"/>
@@ -36605,7 +36319,7 @@
             </a:r>
             <a:endParaRPr lang="en-US" sz="1050" dirty="0">
               <a:solidFill>
-                <a:srgbClr val="008000"/>
+                <a:schemeClr val="tx1"/>
               </a:solidFill>
               <a:latin typeface="Monaco"/>
               <a:cs typeface="Monaco"/>
@@ -36616,7 +36330,7 @@
             <a:r>
               <a:rPr lang="en-US" sz="1050" dirty="0">
                 <a:solidFill>
-                  <a:srgbClr val="008000"/>
+                  <a:schemeClr val="tx1"/>
                 </a:solidFill>
                 <a:latin typeface="Monaco"/>
                 <a:cs typeface="Monaco"/>
@@ -36629,7 +36343,7 @@
             <a:r>
               <a:rPr lang="en-US" sz="1050" dirty="0" err="1">
                 <a:solidFill>
-                  <a:srgbClr val="008000"/>
+                  <a:schemeClr val="tx1"/>
                 </a:solidFill>
                 <a:latin typeface="Monaco"/>
                 <a:cs typeface="Monaco"/>
@@ -36638,7 +36352,7 @@
             </a:r>
             <a:endParaRPr lang="en-US" sz="1050" dirty="0">
               <a:solidFill>
-                <a:srgbClr val="008000"/>
+                <a:schemeClr val="tx1"/>
               </a:solidFill>
               <a:latin typeface="Monaco"/>
               <a:cs typeface="Monaco"/>
@@ -36649,7 +36363,7 @@
             <a:r>
               <a:rPr lang="en-US" sz="1050" dirty="0" err="1">
                 <a:solidFill>
-                  <a:srgbClr val="008000"/>
+                  <a:schemeClr val="tx1"/>
                 </a:solidFill>
                 <a:latin typeface="Monaco"/>
                 <a:cs typeface="Monaco"/>
@@ -36658,7 +36372,7 @@
             </a:r>
             <a:endParaRPr lang="en-US" sz="1050" dirty="0">
               <a:solidFill>
-                <a:srgbClr val="008000"/>
+                <a:schemeClr val="tx1"/>
               </a:solidFill>
               <a:latin typeface="Monaco"/>
               <a:cs typeface="Monaco"/>
@@ -36669,7 +36383,7 @@
             <a:r>
               <a:rPr lang="en-US" sz="1050" dirty="0" err="1">
                 <a:solidFill>
-                  <a:srgbClr val="008000"/>
+                  <a:schemeClr val="tx1"/>
                 </a:solidFill>
                 <a:latin typeface="Monaco"/>
                 <a:cs typeface="Monaco"/>
@@ -36678,7 +36392,7 @@
             </a:r>
             <a:endParaRPr lang="en-US" sz="1050" dirty="0">
               <a:solidFill>
-                <a:srgbClr val="008000"/>
+                <a:schemeClr val="tx1"/>
               </a:solidFill>
               <a:latin typeface="Monaco"/>
               <a:cs typeface="Monaco"/>
@@ -36689,7 +36403,7 @@
             <a:r>
               <a:rPr lang="en-US" sz="1050" dirty="0" err="1">
                 <a:solidFill>
-                  <a:srgbClr val="008000"/>
+                  <a:schemeClr val="tx1"/>
                 </a:solidFill>
                 <a:latin typeface="Monaco"/>
                 <a:cs typeface="Monaco"/>
@@ -36698,7 +36412,7 @@
             </a:r>
             <a:endParaRPr lang="en-US" sz="1050" dirty="0">
               <a:solidFill>
-                <a:srgbClr val="008000"/>
+                <a:schemeClr val="tx1"/>
               </a:solidFill>
               <a:latin typeface="Monaco"/>
               <a:cs typeface="Monaco"/>
@@ -36709,7 +36423,7 @@
             <a:r>
               <a:rPr lang="en-US" sz="1050" dirty="0" err="1">
                 <a:solidFill>
-                  <a:srgbClr val="008000"/>
+                  <a:schemeClr val="tx1"/>
                 </a:solidFill>
                 <a:latin typeface="Monaco"/>
                 <a:cs typeface="Monaco"/>
@@ -36718,7 +36432,7 @@
             </a:r>
             <a:endParaRPr lang="en-US" sz="1050" dirty="0">
               <a:solidFill>
-                <a:srgbClr val="008000"/>
+                <a:schemeClr val="tx1"/>
               </a:solidFill>
               <a:latin typeface="Monaco"/>
               <a:cs typeface="Monaco"/>
@@ -36729,7 +36443,7 @@
             <a:r>
               <a:rPr lang="en-US" sz="1050" dirty="0" err="1">
                 <a:solidFill>
-                  <a:srgbClr val="008000"/>
+                  <a:schemeClr val="tx1"/>
                 </a:solidFill>
                 <a:latin typeface="Monaco"/>
                 <a:cs typeface="Monaco"/>
@@ -36738,7 +36452,7 @@
             </a:r>
             <a:endParaRPr lang="en-US" sz="1050" dirty="0">
               <a:solidFill>
-                <a:srgbClr val="008000"/>
+                <a:schemeClr val="tx1"/>
               </a:solidFill>
               <a:latin typeface="Monaco"/>
               <a:cs typeface="Monaco"/>
@@ -36749,7 +36463,7 @@
             <a:r>
               <a:rPr lang="en-US" sz="1050" dirty="0" err="1">
                 <a:solidFill>
-                  <a:srgbClr val="008000"/>
+                  <a:schemeClr val="tx1"/>
                 </a:solidFill>
                 <a:latin typeface="Monaco"/>
                 <a:cs typeface="Monaco"/>
@@ -36758,7 +36472,7 @@
             </a:r>
             <a:endParaRPr lang="en-US" sz="1050" dirty="0">
               <a:solidFill>
-                <a:srgbClr val="008000"/>
+                <a:schemeClr val="tx1"/>
               </a:solidFill>
               <a:latin typeface="Monaco"/>
               <a:cs typeface="Monaco"/>
@@ -36769,7 +36483,7 @@
             <a:r>
               <a:rPr lang="en-US" sz="1050" dirty="0" err="1">
                 <a:solidFill>
-                  <a:srgbClr val="008000"/>
+                  <a:schemeClr val="tx1"/>
                 </a:solidFill>
                 <a:latin typeface="Monaco"/>
                 <a:cs typeface="Monaco"/>
@@ -36778,7 +36492,7 @@
             </a:r>
             <a:endParaRPr lang="en-US" sz="1050" dirty="0">
               <a:solidFill>
-                <a:srgbClr val="008000"/>
+                <a:schemeClr val="tx1"/>
               </a:solidFill>
               <a:latin typeface="Monaco"/>
               <a:cs typeface="Monaco"/>
@@ -36789,7 +36503,7 @@
             <a:r>
               <a:rPr lang="en-US" sz="1050" dirty="0" err="1">
                 <a:solidFill>
-                  <a:srgbClr val="008000"/>
+                  <a:schemeClr val="tx1"/>
                 </a:solidFill>
                 <a:latin typeface="Monaco"/>
                 <a:cs typeface="Monaco"/>
@@ -36798,7 +36512,7 @@
             </a:r>
             <a:endParaRPr lang="en-US" sz="1050" dirty="0">
               <a:solidFill>
-                <a:srgbClr val="008000"/>
+                <a:schemeClr val="tx1"/>
               </a:solidFill>
               <a:latin typeface="Monaco"/>
               <a:cs typeface="Monaco"/>
@@ -36809,7 +36523,7 @@
             <a:r>
               <a:rPr lang="en-US" sz="1050" dirty="0" err="1">
                 <a:solidFill>
-                  <a:srgbClr val="008000"/>
+                  <a:schemeClr val="tx1"/>
                 </a:solidFill>
                 <a:latin typeface="Monaco"/>
                 <a:cs typeface="Monaco"/>
@@ -36818,7 +36532,7 @@
             </a:r>
             <a:endParaRPr lang="en-US" sz="1050" dirty="0">
               <a:solidFill>
-                <a:srgbClr val="008000"/>
+                <a:schemeClr val="tx1"/>
               </a:solidFill>
               <a:latin typeface="Monaco"/>
               <a:cs typeface="Monaco"/>
@@ -36829,7 +36543,7 @@
             <a:r>
               <a:rPr lang="en-US" sz="1050" dirty="0" err="1">
                 <a:solidFill>
-                  <a:srgbClr val="008000"/>
+                  <a:schemeClr val="tx1"/>
                 </a:solidFill>
                 <a:latin typeface="Monaco"/>
                 <a:cs typeface="Monaco"/>
@@ -36838,7 +36552,7 @@
             </a:r>
             <a:endParaRPr lang="en-US" sz="1050" dirty="0">
               <a:solidFill>
-                <a:srgbClr val="008000"/>
+                <a:schemeClr val="tx1"/>
               </a:solidFill>
               <a:latin typeface="Monaco"/>
               <a:cs typeface="Monaco"/>
@@ -36849,7 +36563,7 @@
             <a:r>
               <a:rPr lang="en-US" sz="1050" dirty="0" err="1">
                 <a:solidFill>
-                  <a:srgbClr val="008000"/>
+                  <a:schemeClr val="tx1"/>
                 </a:solidFill>
                 <a:latin typeface="Monaco"/>
                 <a:cs typeface="Monaco"/>
@@ -36858,7 +36572,7 @@
             </a:r>
             <a:endParaRPr lang="en-US" sz="1050" dirty="0">
               <a:solidFill>
-                <a:srgbClr val="008000"/>
+                <a:schemeClr val="tx1"/>
               </a:solidFill>
               <a:latin typeface="Monaco"/>
               <a:cs typeface="Monaco"/>
@@ -36869,7 +36583,7 @@
             <a:r>
               <a:rPr lang="en-US" sz="1050" dirty="0" err="1">
                 <a:solidFill>
-                  <a:srgbClr val="008000"/>
+                  <a:schemeClr val="tx1"/>
                 </a:solidFill>
                 <a:latin typeface="Monaco"/>
                 <a:cs typeface="Monaco"/>
@@ -36878,7 +36592,7 @@
             </a:r>
             <a:endParaRPr lang="en-US" sz="1050" dirty="0">
               <a:solidFill>
-                <a:srgbClr val="008000"/>
+                <a:schemeClr val="tx1"/>
               </a:solidFill>
               <a:latin typeface="Monaco"/>
               <a:cs typeface="Monaco"/>
@@ -36889,7 +36603,7 @@
             <a:r>
               <a:rPr lang="en-US" sz="1050" dirty="0" err="1">
                 <a:solidFill>
-                  <a:srgbClr val="008000"/>
+                  <a:schemeClr val="tx1"/>
                 </a:solidFill>
                 <a:latin typeface="Monaco"/>
                 <a:cs typeface="Monaco"/>
@@ -36898,7 +36612,7 @@
             </a:r>
             <a:endParaRPr lang="en-US" sz="1050" dirty="0">
               <a:solidFill>
-                <a:srgbClr val="008000"/>
+                <a:schemeClr val="tx1"/>
               </a:solidFill>
               <a:latin typeface="Monaco"/>
               <a:cs typeface="Monaco"/>
@@ -36909,7 +36623,7 @@
             <a:r>
               <a:rPr lang="en-US" sz="1050" dirty="0" err="1">
                 <a:solidFill>
-                  <a:srgbClr val="008000"/>
+                  <a:schemeClr val="tx1"/>
                 </a:solidFill>
                 <a:latin typeface="Monaco"/>
                 <a:cs typeface="Monaco"/>
@@ -36918,7 +36632,7 @@
             </a:r>
             <a:endParaRPr lang="en-US" sz="1050" dirty="0">
               <a:solidFill>
-                <a:srgbClr val="008000"/>
+                <a:schemeClr val="tx1"/>
               </a:solidFill>
               <a:latin typeface="Monaco"/>
               <a:cs typeface="Monaco"/>
@@ -36929,7 +36643,7 @@
             <a:r>
               <a:rPr lang="en-US" sz="1050" dirty="0" err="1">
                 <a:solidFill>
-                  <a:srgbClr val="008000"/>
+                  <a:schemeClr val="tx1"/>
                 </a:solidFill>
                 <a:latin typeface="Monaco"/>
                 <a:cs typeface="Monaco"/>
@@ -36938,7 +36652,7 @@
             </a:r>
             <a:endParaRPr lang="en-US" sz="1050" dirty="0">
               <a:solidFill>
-                <a:srgbClr val="008000"/>
+                <a:schemeClr val="tx1"/>
               </a:solidFill>
               <a:latin typeface="Monaco"/>
               <a:cs typeface="Monaco"/>
@@ -36949,7 +36663,7 @@
             <a:r>
               <a:rPr lang="en-US" sz="1050" dirty="0" err="1">
                 <a:solidFill>
-                  <a:srgbClr val="008000"/>
+                  <a:schemeClr val="tx1"/>
                 </a:solidFill>
                 <a:latin typeface="Monaco"/>
                 <a:cs typeface="Monaco"/>
@@ -36958,7 +36672,7 @@
             </a:r>
             <a:endParaRPr lang="en-US" sz="1050" dirty="0">
               <a:solidFill>
-                <a:srgbClr val="008000"/>
+                <a:schemeClr val="tx1"/>
               </a:solidFill>
               <a:latin typeface="Monaco"/>
               <a:cs typeface="Monaco"/>
@@ -36969,7 +36683,7 @@
             <a:r>
               <a:rPr lang="en-US" sz="1050" dirty="0" err="1">
                 <a:solidFill>
-                  <a:srgbClr val="008000"/>
+                  <a:schemeClr val="tx1"/>
                 </a:solidFill>
                 <a:latin typeface="Monaco"/>
                 <a:cs typeface="Monaco"/>
@@ -36978,7 +36692,7 @@
             </a:r>
             <a:endParaRPr lang="en-US" sz="1050" dirty="0">
               <a:solidFill>
-                <a:srgbClr val="008000"/>
+                <a:schemeClr val="tx1"/>
               </a:solidFill>
               <a:latin typeface="Monaco"/>
               <a:cs typeface="Monaco"/>
@@ -36989,7 +36703,7 @@
             <a:r>
               <a:rPr lang="en-US" sz="1050" dirty="0" err="1">
                 <a:solidFill>
-                  <a:srgbClr val="008000"/>
+                  <a:schemeClr val="tx1"/>
                 </a:solidFill>
                 <a:latin typeface="Monaco"/>
                 <a:cs typeface="Monaco"/>
@@ -36998,7 +36712,7 @@
             </a:r>
             <a:endParaRPr lang="en-US" sz="1050" dirty="0">
               <a:solidFill>
-                <a:srgbClr val="008000"/>
+                <a:schemeClr val="tx1"/>
               </a:solidFill>
               <a:latin typeface="Monaco"/>
               <a:cs typeface="Monaco"/>
@@ -37009,7 +36723,7 @@
             <a:r>
               <a:rPr lang="en-US" sz="1050" dirty="0" err="1">
                 <a:solidFill>
-                  <a:srgbClr val="008000"/>
+                  <a:schemeClr val="tx1"/>
                 </a:solidFill>
                 <a:latin typeface="Monaco"/>
                 <a:cs typeface="Monaco"/>
@@ -37018,7 +36732,7 @@
             </a:r>
             <a:endParaRPr lang="en-US" sz="1050" dirty="0">
               <a:solidFill>
-                <a:srgbClr val="008000"/>
+                <a:schemeClr val="tx1"/>
               </a:solidFill>
               <a:latin typeface="Monaco"/>
               <a:cs typeface="Monaco"/>
@@ -37029,7 +36743,7 @@
             <a:r>
               <a:rPr lang="en-US" sz="1050" dirty="0" err="1">
                 <a:solidFill>
-                  <a:srgbClr val="008000"/>
+                  <a:schemeClr val="tx1"/>
                 </a:solidFill>
                 <a:latin typeface="Monaco"/>
                 <a:cs typeface="Monaco"/>
@@ -37038,7 +36752,7 @@
             </a:r>
             <a:endParaRPr lang="en-US" sz="1050" dirty="0">
               <a:solidFill>
-                <a:srgbClr val="008000"/>
+                <a:schemeClr val="tx1"/>
               </a:solidFill>
               <a:latin typeface="Monaco"/>
               <a:cs typeface="Monaco"/>
@@ -37049,7 +36763,7 @@
             <a:r>
               <a:rPr lang="en-US" sz="1050" dirty="0" err="1">
                 <a:solidFill>
-                  <a:srgbClr val="008000"/>
+                  <a:schemeClr val="tx1"/>
                 </a:solidFill>
                 <a:latin typeface="Monaco"/>
                 <a:cs typeface="Monaco"/>
@@ -37058,7 +36772,7 @@
             </a:r>
             <a:endParaRPr lang="en-US" sz="1050" dirty="0">
               <a:solidFill>
-                <a:srgbClr val="008000"/>
+                <a:schemeClr val="tx1"/>
               </a:solidFill>
               <a:latin typeface="Monaco"/>
               <a:cs typeface="Monaco"/>
@@ -37069,7 +36783,7 @@
             <a:r>
               <a:rPr lang="en-US" sz="1050" dirty="0" err="1">
                 <a:solidFill>
-                  <a:srgbClr val="008000"/>
+                  <a:schemeClr val="tx1"/>
                 </a:solidFill>
                 <a:latin typeface="Monaco"/>
                 <a:cs typeface="Monaco"/>
@@ -37078,7 +36792,7 @@
             </a:r>
             <a:endParaRPr lang="en-US" sz="1050" dirty="0">
               <a:solidFill>
-                <a:srgbClr val="008000"/>
+                <a:schemeClr val="tx1"/>
               </a:solidFill>
               <a:latin typeface="Monaco"/>
               <a:cs typeface="Monaco"/>
@@ -37089,7 +36803,7 @@
             <a:r>
               <a:rPr lang="en-US" sz="1050" dirty="0" err="1">
                 <a:solidFill>
-                  <a:srgbClr val="008000"/>
+                  <a:schemeClr val="tx1"/>
                 </a:solidFill>
                 <a:latin typeface="Monaco"/>
                 <a:cs typeface="Monaco"/>
@@ -37098,7 +36812,7 @@
             </a:r>
             <a:endParaRPr lang="en-US" sz="1050" dirty="0">
               <a:solidFill>
-                <a:srgbClr val="008000"/>
+                <a:schemeClr val="tx1"/>
               </a:solidFill>
               <a:latin typeface="Monaco"/>
               <a:cs typeface="Monaco"/>
@@ -37109,7 +36823,7 @@
             <a:r>
               <a:rPr lang="en-US" sz="1050" dirty="0" err="1">
                 <a:solidFill>
-                  <a:srgbClr val="008000"/>
+                  <a:schemeClr val="tx1"/>
                 </a:solidFill>
                 <a:latin typeface="Monaco"/>
                 <a:cs typeface="Monaco"/>
@@ -37118,7 +36832,7 @@
             </a:r>
             <a:endParaRPr lang="en-US" sz="1050" dirty="0">
               <a:solidFill>
-                <a:srgbClr val="008000"/>
+                <a:schemeClr val="tx1"/>
               </a:solidFill>
               <a:latin typeface="Monaco"/>
               <a:cs typeface="Monaco"/>
@@ -37129,7 +36843,7 @@
             <a:r>
               <a:rPr lang="en-US" sz="1050" dirty="0" err="1">
                 <a:solidFill>
-                  <a:srgbClr val="008000"/>
+                  <a:schemeClr val="tx1"/>
                 </a:solidFill>
                 <a:latin typeface="Monaco"/>
                 <a:cs typeface="Monaco"/>
@@ -37138,7 +36852,7 @@
             </a:r>
             <a:endParaRPr lang="en-US" sz="1050" dirty="0">
               <a:solidFill>
-                <a:srgbClr val="008000"/>
+                <a:schemeClr val="tx1"/>
               </a:solidFill>
               <a:latin typeface="Monaco"/>
               <a:cs typeface="Monaco"/>
@@ -37149,7 +36863,7 @@
             <a:r>
               <a:rPr lang="en-US" sz="1050" dirty="0" err="1">
                 <a:solidFill>
-                  <a:srgbClr val="008000"/>
+                  <a:schemeClr val="tx1"/>
                 </a:solidFill>
                 <a:latin typeface="Monaco"/>
                 <a:cs typeface="Monaco"/>
@@ -37158,7 +36872,7 @@
             </a:r>
             <a:endParaRPr lang="en-US" sz="1050" dirty="0">
               <a:solidFill>
-                <a:srgbClr val="008000"/>
+                <a:schemeClr val="tx1"/>
               </a:solidFill>
               <a:latin typeface="Monaco"/>
               <a:cs typeface="Monaco"/>
@@ -37169,7 +36883,7 @@
             <a:r>
               <a:rPr lang="en-US" sz="1050" dirty="0" err="1">
                 <a:solidFill>
-                  <a:srgbClr val="008000"/>
+                  <a:schemeClr val="tx1"/>
                 </a:solidFill>
                 <a:latin typeface="Monaco"/>
                 <a:cs typeface="Monaco"/>
@@ -37178,7 +36892,7 @@
             </a:r>
             <a:endParaRPr lang="en-US" sz="1050" dirty="0">
               <a:solidFill>
-                <a:srgbClr val="008000"/>
+                <a:schemeClr val="tx1"/>
               </a:solidFill>
               <a:latin typeface="Monaco"/>
               <a:cs typeface="Monaco"/>
@@ -37189,7 +36903,7 @@
             <a:r>
               <a:rPr lang="en-US" sz="1050" dirty="0" err="1">
                 <a:solidFill>
-                  <a:srgbClr val="008000"/>
+                  <a:schemeClr val="tx1"/>
                 </a:solidFill>
                 <a:latin typeface="Monaco"/>
                 <a:cs typeface="Monaco"/>
@@ -37198,7 +36912,7 @@
             </a:r>
             <a:endParaRPr lang="en-US" sz="1050" dirty="0">
               <a:solidFill>
-                <a:srgbClr val="008000"/>
+                <a:schemeClr val="tx1"/>
               </a:solidFill>
               <a:latin typeface="Monaco"/>
               <a:cs typeface="Monaco"/>
@@ -37209,7 +36923,7 @@
             <a:r>
               <a:rPr lang="en-US" sz="1050" dirty="0" err="1">
                 <a:solidFill>
-                  <a:srgbClr val="008000"/>
+                  <a:schemeClr val="tx1"/>
                 </a:solidFill>
                 <a:latin typeface="Monaco"/>
                 <a:cs typeface="Monaco"/>
@@ -37218,7 +36932,7 @@
             </a:r>
             <a:endParaRPr lang="en-US" sz="1050" dirty="0">
               <a:solidFill>
-                <a:srgbClr val="008000"/>
+                <a:schemeClr val="tx1"/>
               </a:solidFill>
               <a:latin typeface="Monaco"/>
               <a:cs typeface="Monaco"/>
@@ -37229,7 +36943,7 @@
             <a:r>
               <a:rPr lang="en-US" sz="1050" dirty="0" err="1">
                 <a:solidFill>
-                  <a:srgbClr val="008000"/>
+                  <a:schemeClr val="tx1"/>
                 </a:solidFill>
                 <a:latin typeface="Monaco"/>
                 <a:cs typeface="Monaco"/>
@@ -37238,7 +36952,7 @@
             </a:r>
             <a:endParaRPr lang="en-US" sz="1050" dirty="0">
               <a:solidFill>
-                <a:srgbClr val="008000"/>
+                <a:schemeClr val="tx1"/>
               </a:solidFill>
               <a:latin typeface="Monaco"/>
               <a:cs typeface="Monaco"/>
@@ -37249,7 +36963,7 @@
             <a:r>
               <a:rPr lang="en-US" sz="1050" dirty="0" err="1">
                 <a:solidFill>
-                  <a:srgbClr val="008000"/>
+                  <a:schemeClr val="tx1"/>
                 </a:solidFill>
                 <a:latin typeface="Monaco"/>
                 <a:cs typeface="Monaco"/>
@@ -37258,7 +36972,7 @@
             </a:r>
             <a:endParaRPr lang="en-US" sz="1050" dirty="0">
               <a:solidFill>
-                <a:srgbClr val="008000"/>
+                <a:schemeClr val="tx1"/>
               </a:solidFill>
               <a:latin typeface="Monaco"/>
               <a:cs typeface="Monaco"/>
@@ -37269,7 +36983,7 @@
             <a:r>
               <a:rPr lang="en-US" sz="1050" dirty="0" err="1">
                 <a:solidFill>
-                  <a:srgbClr val="008000"/>
+                  <a:schemeClr val="tx1"/>
                 </a:solidFill>
                 <a:latin typeface="Monaco"/>
                 <a:cs typeface="Monaco"/>
@@ -37278,7 +36992,7 @@
             </a:r>
             <a:endParaRPr lang="en-US" sz="1050" dirty="0">
               <a:solidFill>
-                <a:srgbClr val="008000"/>
+                <a:schemeClr val="tx1"/>
               </a:solidFill>
               <a:latin typeface="Monaco"/>
               <a:cs typeface="Monaco"/>
@@ -37289,7 +37003,7 @@
             <a:r>
               <a:rPr lang="en-US" sz="1050" dirty="0" err="1">
                 <a:solidFill>
-                  <a:srgbClr val="008000"/>
+                  <a:schemeClr val="tx1"/>
                 </a:solidFill>
                 <a:latin typeface="Monaco"/>
                 <a:cs typeface="Monaco"/>
@@ -37298,7 +37012,7 @@
             </a:r>
             <a:endParaRPr lang="en-US" sz="1050" dirty="0">
               <a:solidFill>
-                <a:srgbClr val="008000"/>
+                <a:schemeClr val="tx1"/>
               </a:solidFill>
               <a:latin typeface="Monaco"/>
               <a:cs typeface="Monaco"/>
@@ -37309,7 +37023,7 @@
             <a:r>
               <a:rPr lang="en-US" sz="1050" dirty="0" err="1">
                 <a:solidFill>
-                  <a:srgbClr val="008000"/>
+                  <a:schemeClr val="tx1"/>
                 </a:solidFill>
                 <a:latin typeface="Monaco"/>
                 <a:cs typeface="Monaco"/>
@@ -37318,7 +37032,7 @@
             </a:r>
             <a:endParaRPr lang="en-US" sz="1050" dirty="0">
               <a:solidFill>
-                <a:srgbClr val="008000"/>
+                <a:schemeClr val="tx1"/>
               </a:solidFill>
               <a:latin typeface="Monaco"/>
               <a:cs typeface="Monaco"/>
@@ -37329,7 +37043,7 @@
             <a:r>
               <a:rPr lang="en-US" sz="1050" dirty="0" err="1">
                 <a:solidFill>
-                  <a:srgbClr val="008000"/>
+                  <a:schemeClr val="tx1"/>
                 </a:solidFill>
                 <a:latin typeface="Monaco"/>
                 <a:cs typeface="Monaco"/>
@@ -37338,7 +37052,7 @@
             </a:r>
             <a:endParaRPr lang="en-US" sz="1050" dirty="0">
               <a:solidFill>
-                <a:srgbClr val="008000"/>
+                <a:schemeClr val="tx1"/>
               </a:solidFill>
               <a:latin typeface="Monaco"/>
               <a:cs typeface="Monaco"/>
@@ -37349,7 +37063,7 @@
             <a:r>
               <a:rPr lang="en-US" sz="1050" dirty="0" err="1">
                 <a:solidFill>
-                  <a:srgbClr val="008000"/>
+                  <a:schemeClr val="tx1"/>
                 </a:solidFill>
                 <a:latin typeface="Monaco"/>
                 <a:cs typeface="Monaco"/>
@@ -37358,7 +37072,7 @@
             </a:r>
             <a:endParaRPr lang="en-US" sz="1050" dirty="0">
               <a:solidFill>
-                <a:srgbClr val="008000"/>
+                <a:schemeClr val="tx1"/>
               </a:solidFill>
               <a:latin typeface="Monaco"/>
               <a:cs typeface="Monaco"/>
@@ -37369,7 +37083,7 @@
             <a:r>
               <a:rPr lang="en-US" sz="1050" dirty="0" err="1">
                 <a:solidFill>
-                  <a:srgbClr val="008000"/>
+                  <a:schemeClr val="tx1"/>
                 </a:solidFill>
                 <a:latin typeface="Monaco"/>
                 <a:cs typeface="Monaco"/>
@@ -37378,7 +37092,7 @@
             </a:r>
             <a:endParaRPr lang="en-US" sz="1050" dirty="0">
               <a:solidFill>
-                <a:srgbClr val="008000"/>
+                <a:schemeClr val="tx1"/>
               </a:solidFill>
               <a:latin typeface="Monaco"/>
               <a:cs typeface="Monaco"/>
@@ -37389,7 +37103,7 @@
             <a:r>
               <a:rPr lang="en-US" sz="1050" dirty="0" err="1">
                 <a:solidFill>
-                  <a:srgbClr val="008000"/>
+                  <a:schemeClr val="tx1"/>
                 </a:solidFill>
                 <a:latin typeface="Monaco"/>
                 <a:cs typeface="Monaco"/>
@@ -37398,7 +37112,7 @@
             </a:r>
             <a:endParaRPr lang="en-US" sz="1050" dirty="0">
               <a:solidFill>
-                <a:srgbClr val="008000"/>
+                <a:schemeClr val="tx1"/>
               </a:solidFill>
               <a:latin typeface="Monaco"/>
               <a:cs typeface="Monaco"/>
@@ -37409,7 +37123,7 @@
             <a:r>
               <a:rPr lang="en-US" sz="1050" dirty="0" err="1">
                 <a:solidFill>
-                  <a:srgbClr val="008000"/>
+                  <a:schemeClr val="tx1"/>
                 </a:solidFill>
                 <a:latin typeface="Monaco"/>
                 <a:cs typeface="Monaco"/>
@@ -37418,7 +37132,7 @@
             </a:r>
             <a:endParaRPr lang="en-US" sz="1050" dirty="0">
               <a:solidFill>
-                <a:srgbClr val="008000"/>
+                <a:schemeClr val="tx1"/>
               </a:solidFill>
               <a:latin typeface="Monaco"/>
               <a:cs typeface="Monaco"/>
@@ -37429,7 +37143,7 @@
             <a:r>
               <a:rPr lang="en-US" sz="1050" dirty="0">
                 <a:solidFill>
-                  <a:srgbClr val="008000"/>
+                  <a:schemeClr val="tx1"/>
                 </a:solidFill>
                 <a:latin typeface="Monaco"/>
                 <a:cs typeface="Monaco"/>
@@ -37442,7 +37156,7 @@
             <a:r>
               <a:rPr lang="en-US" sz="1050" dirty="0">
                 <a:solidFill>
-                  <a:srgbClr val="008000"/>
+                  <a:schemeClr val="tx1"/>
                 </a:solidFill>
                 <a:latin typeface="Monaco"/>
                 <a:cs typeface="Monaco"/>
@@ -37455,7 +37169,7 @@
             <a:r>
               <a:rPr lang="en-US" sz="1050" dirty="0" err="1">
                 <a:solidFill>
-                  <a:srgbClr val="008000"/>
+                  <a:schemeClr val="tx1"/>
                 </a:solidFill>
                 <a:latin typeface="Monaco"/>
                 <a:cs typeface="Monaco"/>
@@ -37464,7 +37178,7 @@
             </a:r>
             <a:endParaRPr lang="en-US" sz="1050" dirty="0">
               <a:solidFill>
-                <a:srgbClr val="008000"/>
+                <a:schemeClr val="tx1"/>
               </a:solidFill>
               <a:latin typeface="Monaco"/>
               <a:cs typeface="Monaco"/>
@@ -37475,7 +37189,7 @@
             <a:r>
               <a:rPr lang="en-US" sz="1050" dirty="0">
                 <a:solidFill>
-                  <a:srgbClr val="008000"/>
+                  <a:schemeClr val="tx1"/>
                 </a:solidFill>
                 <a:latin typeface="Monaco"/>
                 <a:cs typeface="Monaco"/>
@@ -37488,7 +37202,7 @@
             <a:r>
               <a:rPr lang="en-US" sz="1050" dirty="0">
                 <a:solidFill>
-                  <a:srgbClr val="008000"/>
+                  <a:schemeClr val="tx1"/>
                 </a:solidFill>
                 <a:latin typeface="Monaco"/>
                 <a:cs typeface="Monaco"/>
@@ -37501,7 +37215,7 @@
             <a:r>
               <a:rPr lang="en-US" sz="1050" dirty="0" err="1">
                 <a:solidFill>
-                  <a:srgbClr val="008000"/>
+                  <a:schemeClr val="tx1"/>
                 </a:solidFill>
                 <a:latin typeface="Monaco"/>
                 <a:cs typeface="Monaco"/>
@@ -37510,7 +37224,7 @@
             </a:r>
             <a:endParaRPr lang="en-US" sz="1050" dirty="0">
               <a:solidFill>
-                <a:srgbClr val="008000"/>
+                <a:schemeClr val="tx1"/>
               </a:solidFill>
               <a:latin typeface="Monaco"/>
               <a:cs typeface="Monaco"/>
@@ -37521,7 +37235,7 @@
             <a:r>
               <a:rPr lang="en-US" sz="1050" dirty="0" err="1">
                 <a:solidFill>
-                  <a:srgbClr val="008000"/>
+                  <a:schemeClr val="tx1"/>
                 </a:solidFill>
                 <a:latin typeface="Monaco"/>
                 <a:cs typeface="Monaco"/>
@@ -37530,7 +37244,7 @@
             </a:r>
             <a:endParaRPr lang="en-US" sz="1050" dirty="0">
               <a:solidFill>
-                <a:srgbClr val="008000"/>
+                <a:schemeClr val="tx1"/>
               </a:solidFill>
               <a:latin typeface="Monaco"/>
               <a:cs typeface="Monaco"/>
@@ -37541,7 +37255,7 @@
             <a:r>
               <a:rPr lang="en-US" sz="1050" dirty="0" err="1">
                 <a:solidFill>
-                  <a:srgbClr val="008000"/>
+                  <a:schemeClr val="tx1"/>
                 </a:solidFill>
                 <a:latin typeface="Monaco"/>
                 <a:cs typeface="Monaco"/>
@@ -37550,7 +37264,7 @@
             </a:r>
             <a:endParaRPr lang="en-US" sz="1050" dirty="0">
               <a:solidFill>
-                <a:srgbClr val="008000"/>
+                <a:schemeClr val="tx1"/>
               </a:solidFill>
               <a:latin typeface="Monaco"/>
               <a:cs typeface="Monaco"/>
@@ -37561,7 +37275,7 @@
             <a:r>
               <a:rPr lang="en-US" sz="1050" dirty="0" err="1">
                 <a:solidFill>
-                  <a:srgbClr val="008000"/>
+                  <a:schemeClr val="tx1"/>
                 </a:solidFill>
                 <a:latin typeface="Monaco"/>
                 <a:cs typeface="Monaco"/>
@@ -37570,7 +37284,7 @@
             </a:r>
             <a:endParaRPr lang="en-US" sz="1050" dirty="0">
               <a:solidFill>
-                <a:srgbClr val="008000"/>
+                <a:schemeClr val="tx1"/>
               </a:solidFill>
               <a:latin typeface="Monaco"/>
               <a:cs typeface="Monaco"/>
@@ -37581,7 +37295,7 @@
             <a:r>
               <a:rPr lang="en-US" sz="1050" dirty="0" err="1">
                 <a:solidFill>
-                  <a:srgbClr val="008000"/>
+                  <a:schemeClr val="tx1"/>
                 </a:solidFill>
                 <a:latin typeface="Monaco"/>
                 <a:cs typeface="Monaco"/>
@@ -37590,7 +37304,7 @@
             </a:r>
             <a:endParaRPr lang="en-US" sz="1050" dirty="0">
               <a:solidFill>
-                <a:srgbClr val="008000"/>
+                <a:schemeClr val="tx1"/>
               </a:solidFill>
               <a:latin typeface="Monaco"/>
               <a:cs typeface="Monaco"/>
@@ -37601,7 +37315,7 @@
             <a:r>
               <a:rPr lang="en-US" sz="1050" dirty="0" err="1">
                 <a:solidFill>
-                  <a:srgbClr val="008000"/>
+                  <a:schemeClr val="tx1"/>
                 </a:solidFill>
                 <a:latin typeface="Monaco"/>
                 <a:cs typeface="Monaco"/>
@@ -37610,7 +37324,7 @@
             </a:r>
             <a:endParaRPr lang="en-US" sz="1050" dirty="0">
               <a:solidFill>
-                <a:srgbClr val="008000"/>
+                <a:schemeClr val="tx1"/>
               </a:solidFill>
               <a:latin typeface="Monaco"/>
               <a:cs typeface="Monaco"/>
@@ -37621,7 +37335,7 @@
             <a:r>
               <a:rPr lang="en-US" sz="1050" dirty="0" err="1">
                 <a:solidFill>
-                  <a:srgbClr val="008000"/>
+                  <a:schemeClr val="tx1"/>
                 </a:solidFill>
                 <a:latin typeface="Monaco"/>
                 <a:cs typeface="Monaco"/>
@@ -37630,7 +37344,7 @@
             </a:r>
             <a:endParaRPr lang="en-US" sz="1050" dirty="0">
               <a:solidFill>
-                <a:srgbClr val="008000"/>
+                <a:schemeClr val="tx1"/>
               </a:solidFill>
               <a:latin typeface="Monaco"/>
               <a:cs typeface="Monaco"/>
@@ -37641,7 +37355,7 @@
             <a:r>
               <a:rPr lang="en-US" sz="1050" dirty="0" err="1">
                 <a:solidFill>
-                  <a:srgbClr val="008000"/>
+                  <a:schemeClr val="tx1"/>
                 </a:solidFill>
                 <a:latin typeface="Monaco"/>
                 <a:cs typeface="Monaco"/>
@@ -37650,7 +37364,7 @@
             </a:r>
             <a:endParaRPr lang="en-US" sz="1050" dirty="0">
               <a:solidFill>
-                <a:srgbClr val="008000"/>
+                <a:schemeClr val="tx1"/>
               </a:solidFill>
               <a:latin typeface="Monaco"/>
               <a:cs typeface="Monaco"/>
@@ -37661,7 +37375,7 @@
             <a:r>
               <a:rPr lang="en-US" sz="1050" dirty="0" err="1">
                 <a:solidFill>
-                  <a:srgbClr val="008000"/>
+                  <a:schemeClr val="tx1"/>
                 </a:solidFill>
                 <a:latin typeface="Monaco"/>
                 <a:cs typeface="Monaco"/>
@@ -37670,7 +37384,7 @@
             </a:r>
             <a:endParaRPr lang="en-US" sz="1050" dirty="0">
               <a:solidFill>
-                <a:srgbClr val="008000"/>
+                <a:schemeClr val="tx1"/>
               </a:solidFill>
               <a:latin typeface="Monaco"/>
               <a:cs typeface="Monaco"/>
@@ -37681,7 +37395,7 @@
             <a:r>
               <a:rPr lang="en-US" sz="1050" dirty="0" err="1">
                 <a:solidFill>
-                  <a:srgbClr val="008000"/>
+                  <a:schemeClr val="tx1"/>
                 </a:solidFill>
                 <a:latin typeface="Monaco"/>
                 <a:cs typeface="Monaco"/>
@@ -37690,7 +37404,7 @@
             </a:r>
             <a:endParaRPr lang="en-US" sz="1050" dirty="0">
               <a:solidFill>
-                <a:srgbClr val="008000"/>
+                <a:schemeClr val="tx1"/>
               </a:solidFill>
               <a:latin typeface="Monaco"/>
               <a:cs typeface="Monaco"/>
@@ -37701,7 +37415,7 @@
             <a:r>
               <a:rPr lang="en-US" sz="1050" dirty="0" err="1">
                 <a:solidFill>
-                  <a:srgbClr val="008000"/>
+                  <a:schemeClr val="tx1"/>
                 </a:solidFill>
                 <a:latin typeface="Monaco"/>
                 <a:cs typeface="Monaco"/>
@@ -37710,7 +37424,7 @@
             </a:r>
             <a:endParaRPr lang="en-US" sz="1050" dirty="0">
               <a:solidFill>
-                <a:srgbClr val="008000"/>
+                <a:schemeClr val="tx1"/>
               </a:solidFill>
               <a:latin typeface="Monaco"/>
               <a:cs typeface="Monaco"/>
@@ -37721,7 +37435,7 @@
             <a:r>
               <a:rPr lang="en-US" sz="1050" dirty="0" err="1">
                 <a:solidFill>
-                  <a:srgbClr val="008000"/>
+                  <a:schemeClr val="tx1"/>
                 </a:solidFill>
                 <a:latin typeface="Monaco"/>
                 <a:cs typeface="Monaco"/>
@@ -37730,7 +37444,7 @@
             </a:r>
             <a:endParaRPr lang="en-US" sz="1050" dirty="0">
               <a:solidFill>
-                <a:srgbClr val="008000"/>
+                <a:schemeClr val="tx1"/>
               </a:solidFill>
               <a:latin typeface="Monaco"/>
               <a:cs typeface="Monaco"/>
@@ -37741,7 +37455,7 @@
             <a:r>
               <a:rPr lang="en-US" sz="1050" dirty="0">
                 <a:solidFill>
-                  <a:srgbClr val="008000"/>
+                  <a:schemeClr val="tx1"/>
                 </a:solidFill>
                 <a:latin typeface="Monaco"/>
                 <a:cs typeface="Monaco"/>
@@ -37754,7 +37468,7 @@
             <a:r>
               <a:rPr lang="en-US" sz="1050" dirty="0" err="1">
                 <a:solidFill>
-                  <a:srgbClr val="008000"/>
+                  <a:schemeClr val="tx1"/>
                 </a:solidFill>
                 <a:latin typeface="Monaco"/>
                 <a:cs typeface="Monaco"/>
@@ -37763,7 +37477,7 @@
             </a:r>
             <a:endParaRPr lang="en-US" sz="1050" dirty="0">
               <a:solidFill>
-                <a:srgbClr val="008000"/>
+                <a:schemeClr val="tx1"/>
               </a:solidFill>
               <a:latin typeface="Monaco"/>
               <a:cs typeface="Monaco"/>
@@ -37774,7 +37488,7 @@
             <a:r>
               <a:rPr lang="en-US" sz="1050" dirty="0" err="1">
                 <a:solidFill>
-                  <a:srgbClr val="008000"/>
+                  <a:schemeClr val="tx1"/>
                 </a:solidFill>
                 <a:latin typeface="Monaco"/>
                 <a:cs typeface="Monaco"/>
@@ -37783,7 +37497,7 @@
             </a:r>
             <a:endParaRPr lang="en-US" sz="1050" dirty="0">
               <a:solidFill>
-                <a:srgbClr val="008000"/>
+                <a:schemeClr val="tx1"/>
               </a:solidFill>
               <a:latin typeface="Monaco"/>
               <a:cs typeface="Monaco"/>
@@ -37794,7 +37508,7 @@
             <a:r>
               <a:rPr lang="en-US" sz="1050" dirty="0" err="1">
                 <a:solidFill>
-                  <a:srgbClr val="008000"/>
+                  <a:schemeClr val="tx1"/>
                 </a:solidFill>
                 <a:latin typeface="Monaco"/>
                 <a:cs typeface="Monaco"/>
@@ -37803,7 +37517,7 @@
             </a:r>
             <a:endParaRPr lang="en-US" sz="1050" dirty="0">
               <a:solidFill>
-                <a:srgbClr val="008000"/>
+                <a:schemeClr val="tx1"/>
               </a:solidFill>
               <a:latin typeface="Monaco"/>
               <a:cs typeface="Monaco"/>
@@ -37814,7 +37528,7 @@
             <a:r>
               <a:rPr lang="en-US" sz="1050" dirty="0" err="1">
                 <a:solidFill>
-                  <a:srgbClr val="008000"/>
+                  <a:schemeClr val="tx1"/>
                 </a:solidFill>
                 <a:latin typeface="Monaco"/>
                 <a:cs typeface="Monaco"/>
@@ -37823,7 +37537,7 @@
             </a:r>
             <a:endParaRPr lang="en-US" sz="1050" dirty="0">
               <a:solidFill>
-                <a:srgbClr val="008000"/>
+                <a:schemeClr val="tx1"/>
               </a:solidFill>
               <a:latin typeface="Monaco"/>
               <a:cs typeface="Monaco"/>
@@ -37834,7 +37548,7 @@
             <a:r>
               <a:rPr lang="en-US" sz="1050" dirty="0" err="1">
                 <a:solidFill>
-                  <a:srgbClr val="008000"/>
+                  <a:schemeClr val="tx1"/>
                 </a:solidFill>
                 <a:latin typeface="Monaco"/>
                 <a:cs typeface="Monaco"/>
@@ -37843,7 +37557,7 @@
             </a:r>
             <a:endParaRPr lang="en-US" sz="1050" dirty="0">
               <a:solidFill>
-                <a:srgbClr val="008000"/>
+                <a:schemeClr val="tx1"/>
               </a:solidFill>
               <a:latin typeface="Monaco"/>
               <a:cs typeface="Monaco"/>
@@ -37854,7 +37568,7 @@
             <a:r>
               <a:rPr lang="en-US" sz="1050" dirty="0" err="1">
                 <a:solidFill>
-                  <a:srgbClr val="008000"/>
+                  <a:schemeClr val="tx1"/>
                 </a:solidFill>
                 <a:latin typeface="Monaco"/>
                 <a:cs typeface="Monaco"/>
@@ -37863,7 +37577,27 @@
             </a:r>
             <a:endParaRPr lang="en-US" sz="1050" dirty="0">
               <a:solidFill>
-                <a:srgbClr val="000000"/>
+                <a:schemeClr val="tx1"/>
+              </a:solidFill>
+              <a:latin typeface="Monaco"/>
+              <a:cs typeface="Monaco"/>
+            </a:endParaRPr>
+          </a:p>
+          <a:p>
+            <a:pPr lvl="1"/>
+            <a:r>
+              <a:rPr lang="en-US" sz="1050">
+                <a:solidFill>
+                  <a:schemeClr val="tx1"/>
+                </a:solidFill>
+                <a:latin typeface="Monaco"/>
+                <a:cs typeface="Monaco"/>
+              </a:rPr>
+              <a:t>…</a:t>
+            </a:r>
+            <a:endParaRPr lang="en-US" sz="1050" dirty="0">
+              <a:solidFill>
+                <a:schemeClr val="tx1"/>
               </a:solidFill>
               <a:latin typeface="Monaco"/>
               <a:cs typeface="Monaco"/>
@@ -38225,7 +37959,7 @@
               <a:t>into</a:t>
             </a:r>
             <a:r>
-              <a:rPr lang="sv-SE" b="1" dirty="0" smtClean="0"/>
+              <a:rPr lang="sv-SE" b="1" dirty="0"/>
               <a:t>…</a:t>
             </a:r>
           </a:p>
@@ -38234,35 +37968,35 @@
           </a:p>
           <a:p>
             <a:r>
-              <a:rPr lang="sv-SE" b="1" dirty="0" err="1" smtClean="0"/>
+              <a:rPr lang="sv-SE" b="1" dirty="0" err="1"/>
               <a:t>Add</a:t>
             </a:r>
             <a:r>
-              <a:rPr lang="sv-SE" b="1" dirty="0" smtClean="0"/>
-              <a:t> </a:t>
-            </a:r>
-            <a:r>
-              <a:rPr lang="sv-SE" b="1" dirty="0" err="1" smtClean="0"/>
+              <a:rPr lang="sv-SE" b="1" dirty="0"/>
+              <a:t> </a:t>
+            </a:r>
+            <a:r>
+              <a:rPr lang="sv-SE" b="1" dirty="0" err="1"/>
               <a:t>more</a:t>
             </a:r>
             <a:r>
-              <a:rPr lang="sv-SE" b="1" dirty="0" smtClean="0"/>
-              <a:t> </a:t>
-            </a:r>
-            <a:r>
-              <a:rPr lang="sv-SE" b="1" dirty="0" err="1" smtClean="0"/>
+              <a:rPr lang="sv-SE" b="1" dirty="0"/>
+              <a:t> </a:t>
+            </a:r>
+            <a:r>
+              <a:rPr lang="sv-SE" b="1" dirty="0" err="1"/>
               <a:t>thingies</a:t>
             </a:r>
             <a:r>
-              <a:rPr lang="sv-SE" b="1" dirty="0" smtClean="0"/>
-              <a:t> </a:t>
-            </a:r>
-            <a:r>
-              <a:rPr lang="sv-SE" b="1" dirty="0" err="1" smtClean="0"/>
+              <a:rPr lang="sv-SE" b="1" dirty="0"/>
+              <a:t> </a:t>
+            </a:r>
+            <a:r>
+              <a:rPr lang="sv-SE" b="1" dirty="0" err="1"/>
               <a:t>here</a:t>
             </a:r>
             <a:r>
-              <a:rPr lang="mr-IN" b="1" dirty="0" smtClean="0"/>
+              <a:rPr lang="mr-IN" b="1" dirty="0"/>
               <a:t>…</a:t>
             </a:r>
             <a:endParaRPr lang="sv-SE" dirty="0"/>
@@ -38426,19 +38160,19 @@
               <a:t> </a:t>
             </a:r>
             <a:r>
-              <a:rPr lang="sv-SE" dirty="0" err="1" smtClean="0"/>
+              <a:rPr lang="sv-SE" dirty="0" err="1"/>
               <a:t>structure</a:t>
             </a:r>
             <a:r>
-              <a:rPr lang="sv-SE" dirty="0" smtClean="0"/>
+              <a:rPr lang="sv-SE" dirty="0"/>
               <a:t>/</a:t>
             </a:r>
             <a:r>
-              <a:rPr lang="sv-SE" dirty="0" err="1" smtClean="0"/>
+              <a:rPr lang="sv-SE" dirty="0" err="1"/>
               <a:t>configurations</a:t>
             </a:r>
             <a:r>
-              <a:rPr lang="sv-SE" dirty="0" smtClean="0"/>
+              <a:rPr lang="sv-SE" dirty="0"/>
               <a:t> (</a:t>
             </a:r>
             <a:r>
@@ -38463,15 +38197,7 @@
             </a:r>
             <a:r>
               <a:rPr lang="sv-SE" dirty="0"/>
-              <a:t> systems</a:t>
-            </a:r>
-            <a:r>
-              <a:rPr lang="sv-SE" dirty="0" smtClean="0"/>
-              <a:t>), </a:t>
-            </a:r>
-            <a:r>
-              <a:rPr lang="sv-SE" dirty="0"/>
-              <a:t>as </a:t>
+              <a:t> systems), as </a:t>
             </a:r>
             <a:r>
               <a:rPr lang="sv-SE" dirty="0" err="1"/>
@@ -40294,7 +40020,7 @@
           </a:p>
           <a:p>
             <a:r>
-              <a:rPr lang="sv-SE" sz="1200" dirty="0" smtClean="0">
+              <a:rPr lang="sv-SE" sz="1200" dirty="0">
                 <a:latin typeface="Monaco"/>
                 <a:cs typeface="Monaco"/>
               </a:rPr>
@@ -40610,18 +40336,14 @@
             </a:r>
             <a:r>
               <a:rPr lang="sv-SE" dirty="0"/>
-              <a:t> Matlab and </a:t>
-            </a:r>
-            <a:r>
-              <a:rPr lang="sv-SE" dirty="0" smtClean="0"/>
-              <a:t>the </a:t>
-            </a:r>
-            <a:r>
-              <a:rPr lang="sv-SE" dirty="0" err="1" smtClean="0"/>
+              <a:t> Matlab and the </a:t>
+            </a:r>
+            <a:r>
+              <a:rPr lang="sv-SE" dirty="0" err="1"/>
               <a:t>matlab</a:t>
             </a:r>
             <a:r>
-              <a:rPr lang="sv-SE" dirty="0" smtClean="0"/>
+              <a:rPr lang="sv-SE" dirty="0"/>
               <a:t> </a:t>
             </a:r>
             <a:r>
@@ -41122,7 +40844,7 @@
               <a:t> </a:t>
             </a:r>
             <a:r>
-              <a:rPr lang="sv-SE" sz="1400" dirty="0" err="1" smtClean="0">
+              <a:rPr lang="sv-SE" sz="1400" dirty="0" err="1">
                 <a:solidFill>
                   <a:srgbClr val="008000"/>
                 </a:solidFill>
@@ -41130,20 +40852,12 @@
               <a:t>path</a:t>
             </a:r>
             <a:r>
-              <a:rPr lang="sv-SE" sz="1400" dirty="0" smtClean="0">
-                <a:solidFill>
-                  <a:srgbClr val="008000"/>
-                </a:solidFill>
-              </a:rPr>
-              <a:t> to VMD </a:t>
-            </a:r>
-            <a:r>
               <a:rPr lang="sv-SE" sz="1400" dirty="0">
                 <a:solidFill>
                   <a:srgbClr val="008000"/>
                 </a:solidFill>
               </a:rPr>
-              <a:t>(</a:t>
+              <a:t> to VMD (</a:t>
             </a:r>
             <a:r>
               <a:rPr lang="sv-SE" sz="1400" dirty="0" err="1">
@@ -41175,30 +40889,18 @@
                   <a:srgbClr val="008000"/>
                 </a:solidFill>
               </a:rPr>
-              <a:t> on my Mac</a:t>
-            </a:r>
-            <a:r>
-              <a:rPr lang="sv-SE" sz="1400" dirty="0" smtClean="0">
-                <a:solidFill>
-                  <a:srgbClr val="008000"/>
-                </a:solidFill>
-              </a:rPr>
-              <a:t>..)</a:t>
+              <a:t> on my Mac..)</a:t>
             </a:r>
             <a:br>
-              <a:rPr lang="sv-SE" sz="1400" dirty="0" smtClean="0">
+              <a:rPr lang="sv-SE" sz="1400" dirty="0">
                 <a:solidFill>
                   <a:srgbClr val="008000"/>
                 </a:solidFill>
               </a:rPr>
             </a:br>
             <a:r>
-              <a:rPr lang="sv-SE" sz="1400" dirty="0" smtClean="0"/>
-              <a:t>PATH2VMD </a:t>
-            </a:r>
-            <a:r>
               <a:rPr lang="sv-SE" sz="1400" dirty="0"/>
-              <a:t>= '/</a:t>
+              <a:t>PATH2VMD = '/</a:t>
             </a:r>
             <a:r>
               <a:rPr lang="sv-SE" sz="1400" dirty="0" err="1"/>

--- a/ATOM_scripts_lecture/Intro2atom.pptx
+++ b/ATOM_scripts_lecture/Intro2atom.pptx
@@ -336,7 +336,7 @@
           <a:p>
             <a:fld id="{935ADB13-AEC1-AB45-83FA-9336A02F6639}" type="datetimeFigureOut">
               <a:rPr lang="sv-SE" smtClean="0"/>
-              <a:t>2019-10-29</a:t>
+              <a:t>2020-02-07</a:t>
             </a:fld>
             <a:endParaRPr lang="sv-SE"/>
           </a:p>
@@ -504,7 +504,7 @@
           <a:p>
             <a:fld id="{935ADB13-AEC1-AB45-83FA-9336A02F6639}" type="datetimeFigureOut">
               <a:rPr lang="sv-SE" smtClean="0"/>
-              <a:t>2019-10-29</a:t>
+              <a:t>2020-02-07</a:t>
             </a:fld>
             <a:endParaRPr lang="sv-SE"/>
           </a:p>
@@ -682,7 +682,7 @@
           <a:p>
             <a:fld id="{935ADB13-AEC1-AB45-83FA-9336A02F6639}" type="datetimeFigureOut">
               <a:rPr lang="sv-SE" smtClean="0"/>
-              <a:t>2019-10-29</a:t>
+              <a:t>2020-02-07</a:t>
             </a:fld>
             <a:endParaRPr lang="sv-SE"/>
           </a:p>
@@ -850,7 +850,7 @@
           <a:p>
             <a:fld id="{935ADB13-AEC1-AB45-83FA-9336A02F6639}" type="datetimeFigureOut">
               <a:rPr lang="sv-SE" smtClean="0"/>
-              <a:t>2019-10-29</a:t>
+              <a:t>2020-02-07</a:t>
             </a:fld>
             <a:endParaRPr lang="sv-SE"/>
           </a:p>
@@ -1095,7 +1095,7 @@
           <a:p>
             <a:fld id="{935ADB13-AEC1-AB45-83FA-9336A02F6639}" type="datetimeFigureOut">
               <a:rPr lang="sv-SE" smtClean="0"/>
-              <a:t>2019-10-29</a:t>
+              <a:t>2020-02-07</a:t>
             </a:fld>
             <a:endParaRPr lang="sv-SE"/>
           </a:p>
@@ -1380,7 +1380,7 @@
           <a:p>
             <a:fld id="{935ADB13-AEC1-AB45-83FA-9336A02F6639}" type="datetimeFigureOut">
               <a:rPr lang="sv-SE" smtClean="0"/>
-              <a:t>2019-10-29</a:t>
+              <a:t>2020-02-07</a:t>
             </a:fld>
             <a:endParaRPr lang="sv-SE"/>
           </a:p>
@@ -1799,7 +1799,7 @@
           <a:p>
             <a:fld id="{935ADB13-AEC1-AB45-83FA-9336A02F6639}" type="datetimeFigureOut">
               <a:rPr lang="sv-SE" smtClean="0"/>
-              <a:t>2019-10-29</a:t>
+              <a:t>2020-02-07</a:t>
             </a:fld>
             <a:endParaRPr lang="sv-SE"/>
           </a:p>
@@ -1916,7 +1916,7 @@
           <a:p>
             <a:fld id="{935ADB13-AEC1-AB45-83FA-9336A02F6639}" type="datetimeFigureOut">
               <a:rPr lang="sv-SE" smtClean="0"/>
-              <a:t>2019-10-29</a:t>
+              <a:t>2020-02-07</a:t>
             </a:fld>
             <a:endParaRPr lang="sv-SE"/>
           </a:p>
@@ -2011,7 +2011,7 @@
           <a:p>
             <a:fld id="{935ADB13-AEC1-AB45-83FA-9336A02F6639}" type="datetimeFigureOut">
               <a:rPr lang="sv-SE" smtClean="0"/>
-              <a:t>2019-10-29</a:t>
+              <a:t>2020-02-07</a:t>
             </a:fld>
             <a:endParaRPr lang="sv-SE"/>
           </a:p>
@@ -2286,7 +2286,7 @@
           <a:p>
             <a:fld id="{935ADB13-AEC1-AB45-83FA-9336A02F6639}" type="datetimeFigureOut">
               <a:rPr lang="sv-SE" smtClean="0"/>
-              <a:t>2019-10-29</a:t>
+              <a:t>2020-02-07</a:t>
             </a:fld>
             <a:endParaRPr lang="sv-SE"/>
           </a:p>
@@ -2538,7 +2538,7 @@
           <a:p>
             <a:fld id="{935ADB13-AEC1-AB45-83FA-9336A02F6639}" type="datetimeFigureOut">
               <a:rPr lang="sv-SE" smtClean="0"/>
-              <a:t>2019-10-29</a:t>
+              <a:t>2020-02-07</a:t>
             </a:fld>
             <a:endParaRPr lang="sv-SE"/>
           </a:p>
@@ -2749,7 +2749,7 @@
           <a:p>
             <a:fld id="{935ADB13-AEC1-AB45-83FA-9336A02F6639}" type="datetimeFigureOut">
               <a:rPr lang="sv-SE" smtClean="0"/>
-              <a:t>2019-10-29</a:t>
+              <a:t>2020-02-07</a:t>
             </a:fld>
             <a:endParaRPr lang="sv-SE"/>
           </a:p>
@@ -34314,7 +34314,31 @@
             </a:r>
             <a:r>
               <a:rPr lang="sv-SE" sz="1200" dirty="0"/>
-              <a:t> </a:t>
+              <a:t> (</a:t>
+            </a:r>
+            <a:r>
+              <a:rPr lang="sv-SE" sz="1200" dirty="0" err="1"/>
+              <a:t>now</a:t>
+            </a:r>
+            <a:r>
+              <a:rPr lang="sv-SE" sz="1200" dirty="0"/>
+              <a:t> </a:t>
+            </a:r>
+            <a:r>
+              <a:rPr lang="sv-SE" sz="1200" dirty="0" err="1"/>
+              <a:t>with</a:t>
+            </a:r>
+            <a:r>
+              <a:rPr lang="sv-SE" sz="1200" dirty="0"/>
+              <a:t> support for </a:t>
+            </a:r>
+            <a:r>
+              <a:rPr lang="sv-SE" sz="1200" dirty="0" err="1"/>
+              <a:t>dihedrals</a:t>
+            </a:r>
+            <a:r>
+              <a:rPr lang="sv-SE" sz="1200" dirty="0"/>
+              <a:t>) </a:t>
             </a:r>
             <a:r>
               <a:rPr lang="sv-SE" sz="1200" dirty="0" err="1"/>
@@ -34354,7 +34378,7 @@
             </a:r>
             <a:r>
               <a:rPr lang="sv-SE" sz="1200" dirty="0"/>
-              <a:t>, </a:t>
+              <a:t>(_2004), </a:t>
             </a:r>
             <a:r>
               <a:rPr lang="sv-SE" sz="1200" dirty="0" err="1"/>
@@ -34842,7 +34866,19 @@
               <a:rPr lang="sv-SE" sz="1200" dirty="0">
                 <a:cs typeface="Calibri"/>
               </a:rPr>
-              <a:t>.</a:t>
+              <a:t>. Note no </a:t>
+            </a:r>
+            <a:r>
+              <a:rPr lang="sv-SE" sz="1200" dirty="0" err="1">
+                <a:cs typeface="Calibri"/>
+              </a:rPr>
+              <a:t>dihedrals</a:t>
+            </a:r>
+            <a:r>
+              <a:rPr lang="sv-SE" sz="1200" dirty="0">
+                <a:cs typeface="Calibri"/>
+              </a:rPr>
+              <a:t>!</a:t>
             </a:r>
             <a:endParaRPr lang="sv-SE" sz="1200" dirty="0"/>
           </a:p>

--- a/ATOM_scripts_lecture/Intro2atom.pptx
+++ b/ATOM_scripts_lecture/Intro2atom.pptx
@@ -336,7 +336,7 @@
           <a:p>
             <a:fld id="{935ADB13-AEC1-AB45-83FA-9336A02F6639}" type="datetimeFigureOut">
               <a:rPr lang="sv-SE" smtClean="0"/>
-              <a:t>2020-02-07</a:t>
+              <a:t>2025-04-24</a:t>
             </a:fld>
             <a:endParaRPr lang="sv-SE"/>
           </a:p>
@@ -504,7 +504,7 @@
           <a:p>
             <a:fld id="{935ADB13-AEC1-AB45-83FA-9336A02F6639}" type="datetimeFigureOut">
               <a:rPr lang="sv-SE" smtClean="0"/>
-              <a:t>2020-02-07</a:t>
+              <a:t>2025-04-24</a:t>
             </a:fld>
             <a:endParaRPr lang="sv-SE"/>
           </a:p>
@@ -682,7 +682,7 @@
           <a:p>
             <a:fld id="{935ADB13-AEC1-AB45-83FA-9336A02F6639}" type="datetimeFigureOut">
               <a:rPr lang="sv-SE" smtClean="0"/>
-              <a:t>2020-02-07</a:t>
+              <a:t>2025-04-24</a:t>
             </a:fld>
             <a:endParaRPr lang="sv-SE"/>
           </a:p>
@@ -850,7 +850,7 @@
           <a:p>
             <a:fld id="{935ADB13-AEC1-AB45-83FA-9336A02F6639}" type="datetimeFigureOut">
               <a:rPr lang="sv-SE" smtClean="0"/>
-              <a:t>2020-02-07</a:t>
+              <a:t>2025-04-24</a:t>
             </a:fld>
             <a:endParaRPr lang="sv-SE"/>
           </a:p>
@@ -1095,7 +1095,7 @@
           <a:p>
             <a:fld id="{935ADB13-AEC1-AB45-83FA-9336A02F6639}" type="datetimeFigureOut">
               <a:rPr lang="sv-SE" smtClean="0"/>
-              <a:t>2020-02-07</a:t>
+              <a:t>2025-04-24</a:t>
             </a:fld>
             <a:endParaRPr lang="sv-SE"/>
           </a:p>
@@ -1380,7 +1380,7 @@
           <a:p>
             <a:fld id="{935ADB13-AEC1-AB45-83FA-9336A02F6639}" type="datetimeFigureOut">
               <a:rPr lang="sv-SE" smtClean="0"/>
-              <a:t>2020-02-07</a:t>
+              <a:t>2025-04-24</a:t>
             </a:fld>
             <a:endParaRPr lang="sv-SE"/>
           </a:p>
@@ -1799,7 +1799,7 @@
           <a:p>
             <a:fld id="{935ADB13-AEC1-AB45-83FA-9336A02F6639}" type="datetimeFigureOut">
               <a:rPr lang="sv-SE" smtClean="0"/>
-              <a:t>2020-02-07</a:t>
+              <a:t>2025-04-24</a:t>
             </a:fld>
             <a:endParaRPr lang="sv-SE"/>
           </a:p>
@@ -1916,7 +1916,7 @@
           <a:p>
             <a:fld id="{935ADB13-AEC1-AB45-83FA-9336A02F6639}" type="datetimeFigureOut">
               <a:rPr lang="sv-SE" smtClean="0"/>
-              <a:t>2020-02-07</a:t>
+              <a:t>2025-04-24</a:t>
             </a:fld>
             <a:endParaRPr lang="sv-SE"/>
           </a:p>
@@ -2011,7 +2011,7 @@
           <a:p>
             <a:fld id="{935ADB13-AEC1-AB45-83FA-9336A02F6639}" type="datetimeFigureOut">
               <a:rPr lang="sv-SE" smtClean="0"/>
-              <a:t>2020-02-07</a:t>
+              <a:t>2025-04-24</a:t>
             </a:fld>
             <a:endParaRPr lang="sv-SE"/>
           </a:p>
@@ -2286,7 +2286,7 @@
           <a:p>
             <a:fld id="{935ADB13-AEC1-AB45-83FA-9336A02F6639}" type="datetimeFigureOut">
               <a:rPr lang="sv-SE" smtClean="0"/>
-              <a:t>2020-02-07</a:t>
+              <a:t>2025-04-24</a:t>
             </a:fld>
             <a:endParaRPr lang="sv-SE"/>
           </a:p>
@@ -2538,7 +2538,7 @@
           <a:p>
             <a:fld id="{935ADB13-AEC1-AB45-83FA-9336A02F6639}" type="datetimeFigureOut">
               <a:rPr lang="sv-SE" smtClean="0"/>
-              <a:t>2020-02-07</a:t>
+              <a:t>2025-04-24</a:t>
             </a:fld>
             <a:endParaRPr lang="sv-SE"/>
           </a:p>
@@ -2749,7 +2749,7 @@
           <a:p>
             <a:fld id="{935ADB13-AEC1-AB45-83FA-9336A02F6639}" type="datetimeFigureOut">
               <a:rPr lang="sv-SE" smtClean="0"/>
-              <a:t>2020-02-07</a:t>
+              <a:t>2025-04-24</a:t>
             </a:fld>
             <a:endParaRPr lang="sv-SE"/>
           </a:p>
@@ -2830,6 +2830,53 @@
               <a:t>‹#›</a:t>
             </a:fld>
             <a:endParaRPr lang="sv-SE"/>
+          </a:p>
+        </p:txBody>
+      </p:sp>
+      <p:sp>
+        <p:nvSpPr>
+          <p:cNvPr id="8" name="TextBox 7">
+            <a:extLst>
+              <a:ext uri="{FF2B5EF4-FFF2-40B4-BE49-F238E27FC236}">
+                <a16:creationId xmlns:a16="http://schemas.microsoft.com/office/drawing/2014/main" id="{3C4EFD7C-FF8F-C493-5DD5-4B535083DDDB}"/>
+              </a:ext>
+            </a:extLst>
+          </p:cNvPr>
+          <p:cNvSpPr txBox="1"/>
+          <p:nvPr userDrawn="1">
+            <p:extLst>
+              <p:ext uri="{1162E1C5-73C7-4A58-AE30-91384D911F3F}">
+                <p184:classification xmlns:p184="http://schemas.microsoft.com/office/powerpoint/2018/4/main" val="hdr"/>
+              </p:ext>
+            </p:extLst>
+          </p:nvPr>
+        </p:nvSpPr>
+        <p:spPr>
+          <a:xfrm>
+            <a:off x="8315325" y="63500"/>
+            <a:ext cx="787400" cy="121920"/>
+          </a:xfrm>
+          <a:prstGeom prst="rect">
+            <a:avLst/>
+          </a:prstGeom>
+        </p:spPr>
+        <p:txBody>
+          <a:bodyPr horzOverflow="overflow" lIns="0" tIns="0" rIns="0" bIns="0">
+            <a:spAutoFit/>
+          </a:bodyPr>
+          <a:lstStyle/>
+          <a:p>
+            <a:pPr algn="l"/>
+            <a:r>
+              <a:rPr lang="en-US" sz="800">
+                <a:solidFill>
+                  <a:srgbClr val="000000"/>
+                </a:solidFill>
+                <a:latin typeface="Calibri" panose="020F0502020204030204" pitchFamily="34" charset="0"/>
+                <a:cs typeface="Calibri" panose="020F0502020204030204" pitchFamily="34" charset="0"/>
+              </a:rPr>
+              <a:t>Begränsad delning</a:t>
+            </a:r>
           </a:p>
         </p:txBody>
       </p:sp>
@@ -11433,7 +11480,7 @@
         <p:spPr>
           <a:xfrm>
             <a:off x="-12700" y="1614091"/>
-            <a:ext cx="9156700" cy="746358"/>
+            <a:ext cx="9156700" cy="1223412"/>
           </a:xfrm>
           <a:prstGeom prst="rect">
             <a:avLst/>
@@ -11575,7 +11622,20 @@
                 <a:latin typeface="Monaco"/>
                 <a:cs typeface="Monaco"/>
               </a:rPr>
-              <a:t>'1xMMT.gro'</a:t>
+              <a:t>'1xMMT.gro');</a:t>
+            </a:r>
+          </a:p>
+          <a:p>
+            <a:pPr lvl="1"/>
+            <a:r>
+              <a:rPr lang="en-US" sz="1050" dirty="0" err="1">
+                <a:solidFill>
+                  <a:srgbClr val="000000"/>
+                </a:solidFill>
+                <a:latin typeface="Monaco"/>
+                <a:cs typeface="Monaco"/>
+              </a:rPr>
+              <a:t>vmd</a:t>
             </a:r>
             <a:r>
               <a:rPr lang="en-US" sz="1050" dirty="0">
@@ -11585,11 +11645,124 @@
                 <a:latin typeface="Monaco"/>
                 <a:cs typeface="Monaco"/>
               </a:rPr>
-              <a:t>);</a:t>
+              <a:t>(</a:t>
+            </a:r>
+            <a:r>
+              <a:rPr lang="en-US" sz="1050" dirty="0" err="1">
+                <a:solidFill>
+                  <a:srgbClr val="000000"/>
+                </a:solidFill>
+                <a:latin typeface="Monaco"/>
+                <a:cs typeface="Monaco"/>
+              </a:rPr>
+              <a:t>atom,Box_dim</a:t>
+            </a:r>
+            <a:r>
+              <a:rPr lang="en-US" sz="1050" dirty="0">
+                <a:solidFill>
+                  <a:srgbClr val="000000"/>
+                </a:solidFill>
+                <a:latin typeface="Monaco"/>
+                <a:cs typeface="Monaco"/>
+              </a:rPr>
+              <a:t>) </a:t>
+            </a:r>
+            <a:r>
+              <a:rPr lang="en-US" sz="1050" dirty="0">
+                <a:solidFill>
+                  <a:srgbClr val="008000"/>
+                </a:solidFill>
+                <a:latin typeface="Monaco"/>
+                <a:cs typeface="Monaco"/>
+              </a:rPr>
+              <a:t>% or try plot3([</a:t>
+            </a:r>
+            <a:r>
+              <a:rPr lang="en-US" sz="1050" dirty="0" err="1">
+                <a:solidFill>
+                  <a:srgbClr val="008000"/>
+                </a:solidFill>
+                <a:latin typeface="Monaco"/>
+                <a:cs typeface="Monaco"/>
+              </a:rPr>
+              <a:t>atom.x</a:t>
+            </a:r>
+            <a:r>
+              <a:rPr lang="en-US" sz="1050" dirty="0">
+                <a:solidFill>
+                  <a:srgbClr val="008000"/>
+                </a:solidFill>
+                <a:latin typeface="Monaco"/>
+                <a:cs typeface="Monaco"/>
+              </a:rPr>
+              <a:t>],[</a:t>
+            </a:r>
+            <a:r>
+              <a:rPr lang="en-US" sz="1050" dirty="0" err="1">
+                <a:solidFill>
+                  <a:srgbClr val="008000"/>
+                </a:solidFill>
+                <a:latin typeface="Monaco"/>
+                <a:cs typeface="Monaco"/>
+              </a:rPr>
+              <a:t>atom.y</a:t>
+            </a:r>
+            <a:r>
+              <a:rPr lang="en-US" sz="1050" dirty="0">
+                <a:solidFill>
+                  <a:srgbClr val="008000"/>
+                </a:solidFill>
+                <a:latin typeface="Monaco"/>
+                <a:cs typeface="Monaco"/>
+              </a:rPr>
+              <a:t>],[</a:t>
+            </a:r>
+            <a:r>
+              <a:rPr lang="en-US" sz="1050" dirty="0" err="1">
+                <a:solidFill>
+                  <a:srgbClr val="008000"/>
+                </a:solidFill>
+                <a:latin typeface="Monaco"/>
+                <a:cs typeface="Monaco"/>
+              </a:rPr>
+              <a:t>atom.z</a:t>
+            </a:r>
+            <a:r>
+              <a:rPr lang="en-US" sz="1050" dirty="0">
+                <a:solidFill>
+                  <a:srgbClr val="008000"/>
+                </a:solidFill>
+                <a:latin typeface="Monaco"/>
+                <a:cs typeface="Monaco"/>
+              </a:rPr>
+              <a:t>],'o’);</a:t>
             </a:r>
           </a:p>
           <a:p>
             <a:pPr lvl="1"/>
+            <a:endParaRPr lang="en-US" sz="1050" dirty="0">
+              <a:solidFill>
+                <a:srgbClr val="008000"/>
+              </a:solidFill>
+              <a:latin typeface="Monaco"/>
+              <a:cs typeface="Monaco"/>
+            </a:endParaRPr>
+          </a:p>
+          <a:p>
+            <a:pPr lvl="1"/>
+            <a:r>
+              <a:rPr lang="en-US" sz="1050" dirty="0">
+                <a:solidFill>
+                  <a:srgbClr val="008000"/>
+                </a:solidFill>
+                <a:latin typeface="Monaco"/>
+                <a:cs typeface="Monaco"/>
+              </a:rPr>
+              <a:t>% or alternatively use the native but slow sho_atom function instead of vmd</a:t>
+            </a:r>
+          </a:p>
+          <a:p>
+            <a:pPr lvl="1"/>
             <a:r>
               <a:rPr lang="en-US" sz="1050" dirty="0" err="1">
                 <a:solidFill>
@@ -11598,7 +11771,7 @@
                 <a:latin typeface="Monaco"/>
                 <a:cs typeface="Monaco"/>
               </a:rPr>
-              <a:t>vmd</a:t>
+              <a:t>show_atom</a:t>
             </a:r>
             <a:r>
               <a:rPr lang="en-US" sz="1050" dirty="0">
@@ -11618,11 +11791,71 @@
                 <a:latin typeface="Monaco"/>
                 <a:cs typeface="Monaco"/>
               </a:rPr>
-              <a:t>atom,Box_dim</a:t>
+              <a:t>atom,Box_dim,</a:t>
             </a:r>
             <a:r>
               <a:rPr lang="en-US" sz="1050" dirty="0">
                 <a:solidFill>
+                  <a:srgbClr val="008000"/>
+                </a:solidFill>
+                <a:latin typeface="Monaco"/>
+                <a:cs typeface="Monaco"/>
+              </a:rPr>
+              <a:t> </a:t>
+            </a:r>
+            <a:r>
+              <a:rPr lang="en-US" sz="1050" dirty="0">
+                <a:solidFill>
+                  <a:srgbClr val="AF00B0"/>
+                </a:solidFill>
+                <a:latin typeface="Monaco"/>
+                <a:cs typeface="Monaco"/>
+              </a:rPr>
+              <a:t>'</a:t>
+            </a:r>
+            <a:r>
+              <a:rPr lang="en-US" sz="1050" dirty="0" err="1">
+                <a:solidFill>
+                  <a:srgbClr val="AF00B0"/>
+                </a:solidFill>
+                <a:latin typeface="Monaco"/>
+                <a:cs typeface="Monaco"/>
+              </a:rPr>
+              <a:t>halfvdw</a:t>
+            </a:r>
+            <a:r>
+              <a:rPr lang="en-US" sz="1050" dirty="0">
+                <a:solidFill>
+                  <a:srgbClr val="AF00B0"/>
+                </a:solidFill>
+                <a:latin typeface="Monaco"/>
+                <a:cs typeface="Monaco"/>
+              </a:rPr>
+              <a:t>’</a:t>
+            </a:r>
+            <a:r>
+              <a:rPr lang="en-US" sz="1050" dirty="0" err="1">
+                <a:solidFill>
+                  <a:srgbClr val="AF00B0"/>
+                </a:solidFill>
+                <a:latin typeface="Monaco"/>
+                <a:cs typeface="Monaco"/>
+              </a:rPr>
+              <a:t>,</a:t>
+            </a:r>
+            <a:r>
+              <a:rPr lang="en-US" sz="1050" dirty="0" err="1">
+                <a:solidFill>
+                  <a:srgbClr val="000000"/>
+                </a:solidFill>
+                <a:latin typeface="Monaco"/>
+                <a:cs typeface="Monaco"/>
+              </a:rPr>
+              <a:t>1</a:t>
+            </a:r>
+            <a:r>
+              <a:rPr lang="en-US" sz="1050" dirty="0">
+                <a:solidFill>
                   <a:srgbClr val="000000"/>
                 </a:solidFill>
                 <a:latin typeface="Monaco"/>
@@ -11638,67 +11871,7 @@
                 <a:latin typeface="Monaco"/>
                 <a:cs typeface="Monaco"/>
               </a:rPr>
-              <a:t>% or try plot3([</a:t>
-            </a:r>
-            <a:r>
-              <a:rPr lang="en-US" sz="1050" dirty="0" err="1">
-                <a:solidFill>
-                  <a:srgbClr val="008000"/>
-                </a:solidFill>
-                <a:latin typeface="Monaco"/>
-                <a:cs typeface="Monaco"/>
-              </a:rPr>
-              <a:t>atom.x</a:t>
-            </a:r>
-            <a:r>
-              <a:rPr lang="en-US" sz="1050" dirty="0">
-                <a:solidFill>
-                  <a:srgbClr val="008000"/>
-                </a:solidFill>
-                <a:latin typeface="Monaco"/>
-                <a:cs typeface="Monaco"/>
-              </a:rPr>
-              <a:t>],[</a:t>
-            </a:r>
-            <a:r>
-              <a:rPr lang="en-US" sz="1050" dirty="0" err="1">
-                <a:solidFill>
-                  <a:srgbClr val="008000"/>
-                </a:solidFill>
-                <a:latin typeface="Monaco"/>
-                <a:cs typeface="Monaco"/>
-              </a:rPr>
-              <a:t>atom.y</a:t>
-            </a:r>
-            <a:r>
-              <a:rPr lang="en-US" sz="1050" dirty="0">
-                <a:solidFill>
-                  <a:srgbClr val="008000"/>
-                </a:solidFill>
-                <a:latin typeface="Monaco"/>
-                <a:cs typeface="Monaco"/>
-              </a:rPr>
-              <a:t>],[</a:t>
-            </a:r>
-            <a:r>
-              <a:rPr lang="en-US" sz="1050" dirty="0" err="1">
-                <a:solidFill>
-                  <a:srgbClr val="008000"/>
-                </a:solidFill>
-                <a:latin typeface="Monaco"/>
-                <a:cs typeface="Monaco"/>
-              </a:rPr>
-              <a:t>atom.z</a:t>
-            </a:r>
-            <a:r>
-              <a:rPr lang="en-US" sz="1050" dirty="0">
-                <a:solidFill>
-                  <a:srgbClr val="008000"/>
-                </a:solidFill>
-                <a:latin typeface="Monaco"/>
-                <a:cs typeface="Monaco"/>
-              </a:rPr>
-              <a:t>],'o');</a:t>
+              <a:t>% try also ballnstick, poly etc. </a:t>
             </a:r>
           </a:p>
         </p:txBody>
@@ -11854,8 +12027,8 @@
         </p:nvSpPr>
         <p:spPr>
           <a:xfrm>
-            <a:off x="574256" y="903099"/>
-            <a:ext cx="8582444" cy="584776"/>
+            <a:off x="574256" y="781912"/>
+            <a:ext cx="8582444" cy="1046440"/>
           </a:xfrm>
           <a:prstGeom prst="rect">
             <a:avLst/>
@@ -11991,6 +12164,49 @@
               </a:rPr>
               <a:t>()</a:t>
             </a:r>
+          </a:p>
+          <a:p>
+            <a:r>
+              <a:rPr lang="sv-SE" sz="1600" dirty="0"/>
+              <a:t>&gt;&gt;</a:t>
+            </a:r>
+            <a:r>
+              <a:rPr lang="sv-SE" sz="1600" dirty="0" err="1"/>
+              <a:t>bond_</a:t>
+            </a:r>
+            <a:r>
+              <a:rPr lang="sv-SE" sz="1400" dirty="0" err="1">
+                <a:latin typeface="Monaco"/>
+                <a:cs typeface="Monaco"/>
+              </a:rPr>
+              <a:t>atom</a:t>
+            </a:r>
+            <a:r>
+              <a:rPr lang="sv-SE" sz="1400" dirty="0">
+                <a:latin typeface="Monaco"/>
+                <a:cs typeface="Monaco"/>
+              </a:rPr>
+              <a:t>() </a:t>
+            </a:r>
+            <a:r>
+              <a:rPr lang="sv-SE" sz="1400" dirty="0">
+                <a:solidFill>
+                  <a:srgbClr val="008000"/>
+                </a:solidFill>
+                <a:latin typeface="Monaco"/>
+                <a:cs typeface="Monaco"/>
+              </a:rPr>
+              <a:t>% newer and faster function</a:t>
+            </a:r>
+          </a:p>
+          <a:p>
+            <a:endParaRPr lang="sv-SE" sz="1400" dirty="0">
+              <a:solidFill>
+                <a:srgbClr val="008000"/>
+              </a:solidFill>
+              <a:latin typeface="Monaco"/>
+              <a:cs typeface="Monaco"/>
+            </a:endParaRPr>
           </a:p>
         </p:txBody>
       </p:sp>
@@ -18191,7 +18407,7 @@
         <p:spPr>
           <a:xfrm>
             <a:off x="-12700" y="1614091"/>
-            <a:ext cx="9156700" cy="1708160"/>
+            <a:ext cx="9156700" cy="2839239"/>
           </a:xfrm>
           <a:prstGeom prst="rect">
             <a:avLst/>
@@ -18614,15 +18830,45 @@
           </a:p>
           <a:p>
             <a:pPr lvl="1"/>
+            <a:endParaRPr lang="en-US" sz="1050" dirty="0">
+              <a:solidFill>
+                <a:schemeClr val="tx1"/>
+              </a:solidFill>
+              <a:latin typeface="Monaco"/>
+              <a:cs typeface="Monaco"/>
+            </a:endParaRPr>
+          </a:p>
+          <a:p>
+            <a:pPr lvl="1"/>
             <a:r>
               <a:rPr lang="en-US" sz="1050" dirty="0">
                 <a:solidFill>
+                  <a:srgbClr val="008000"/>
+                </a:solidFill>
+                <a:latin typeface="Monaco"/>
+                <a:cs typeface="Monaco"/>
+              </a:rPr>
+              <a:t>%% Assign MINFF atomtype names</a:t>
+            </a:r>
+            <a:endParaRPr lang="en-US" sz="1050" dirty="0">
+              <a:solidFill>
+                <a:schemeClr val="tx1"/>
+              </a:solidFill>
+              <a:latin typeface="Monaco"/>
+              <a:cs typeface="Monaco"/>
+            </a:endParaRPr>
+          </a:p>
+          <a:p>
+            <a:pPr lvl="1"/>
+            <a:r>
+              <a:rPr lang="en-US" sz="1050" dirty="0">
+                <a:solidFill>
                   <a:schemeClr val="tx1"/>
                 </a:solidFill>
                 <a:latin typeface="Monaco"/>
                 <a:cs typeface="Monaco"/>
               </a:rPr>
-              <a:t>atom=</a:t>
+              <a:t>atom=minff</a:t>
             </a:r>
             <a:r>
               <a:rPr lang="en-US" sz="1050" dirty="0" err="1">
@@ -18632,7 +18878,7 @@
                 <a:latin typeface="Monaco"/>
                 <a:cs typeface="Monaco"/>
               </a:rPr>
-              <a:t>clayff_atom</a:t>
+              <a:t>_atom</a:t>
             </a:r>
             <a:r>
               <a:rPr lang="en-US" sz="1050" dirty="0">
@@ -18642,6 +18888,79 @@
                 <a:latin typeface="Monaco"/>
                 <a:cs typeface="Monaco"/>
               </a:rPr>
+              <a:t>(atom,Box_dim) </a:t>
+            </a:r>
+            <a:r>
+              <a:rPr lang="en-US" sz="1050" dirty="0">
+                <a:solidFill>
+                  <a:srgbClr val="008000"/>
+                </a:solidFill>
+                <a:latin typeface="Monaco"/>
+                <a:cs typeface="Monaco"/>
+              </a:rPr>
+              <a:t>% Assign the min</a:t>
+            </a:r>
+            <a:r>
+              <a:rPr lang="en-US" sz="1050" dirty="0" err="1">
+                <a:solidFill>
+                  <a:srgbClr val="008000"/>
+                </a:solidFill>
+                <a:latin typeface="Monaco"/>
+                <a:cs typeface="Monaco"/>
+              </a:rPr>
+              <a:t>ff</a:t>
+            </a:r>
+            <a:r>
+              <a:rPr lang="en-US" sz="1050" dirty="0">
+                <a:solidFill>
+                  <a:srgbClr val="008000"/>
+                </a:solidFill>
+                <a:latin typeface="Monaco"/>
+                <a:cs typeface="Monaco"/>
+              </a:rPr>
+              <a:t> atom types to the </a:t>
+            </a:r>
+            <a:r>
+              <a:rPr lang="en-US" sz="1050" dirty="0" err="1">
+                <a:solidFill>
+                  <a:srgbClr val="008000"/>
+                </a:solidFill>
+                <a:latin typeface="Monaco"/>
+                <a:cs typeface="Monaco"/>
+              </a:rPr>
+              <a:t>atomstruct</a:t>
+            </a:r>
+          </a:p>
+          <a:p>
+            <a:pPr lvl="1"/>
+            <a:r>
+              <a:rPr lang="en-US" sz="1050" dirty="0">
+                <a:solidFill>
+                  <a:schemeClr val="tx1"/>
+                </a:solidFill>
+                <a:latin typeface="Monaco"/>
+                <a:cs typeface="Monaco"/>
+              </a:rPr>
+              <a:t>atom=minff</a:t>
+            </a:r>
+            <a:r>
+              <a:rPr lang="en-US" sz="1050" dirty="0" err="1">
+                <a:solidFill>
+                  <a:schemeClr val="tx1"/>
+                </a:solidFill>
+                <a:latin typeface="Monaco"/>
+                <a:cs typeface="Monaco"/>
+              </a:rPr>
+              <a:t>_atom</a:t>
+            </a:r>
+            <a:r>
+              <a:rPr lang="en-US" sz="1050" dirty="0">
+                <a:solidFill>
+                  <a:schemeClr val="tx1"/>
+                </a:solidFill>
+                <a:latin typeface="Monaco"/>
+                <a:cs typeface="Monaco"/>
+              </a:rPr>
               <a:t>(atom,Box_dim,</a:t>
             </a:r>
             <a:r>
@@ -18652,118 +18971,31 @@
                 <a:latin typeface="Monaco"/>
                 <a:cs typeface="Monaco"/>
               </a:rPr>
-              <a:t>'</a:t>
-            </a:r>
-            <a:r>
-              <a:rPr lang="en-US" sz="1050" dirty="0" err="1">
-                <a:solidFill>
-                  <a:srgbClr val="AF00B0"/>
-                </a:solidFill>
-                <a:latin typeface="Monaco"/>
-                <a:cs typeface="Monaco"/>
-              </a:rPr>
-              <a:t>clayff</a:t>
+              <a:t>’minff’</a:t>
             </a:r>
             <a:r>
               <a:rPr lang="en-US" sz="1050" dirty="0">
                 <a:solidFill>
-                  <a:srgbClr val="AF00B0"/>
-                </a:solidFill>
-                <a:latin typeface="Monaco"/>
-                <a:cs typeface="Monaco"/>
-              </a:rPr>
-              <a:t>'</a:t>
+                  <a:schemeClr val="tx1"/>
+                </a:solidFill>
+                <a:latin typeface="Monaco"/>
+                <a:cs typeface="Monaco"/>
+              </a:rPr>
+              <a:t>,heal) </a:t>
             </a:r>
             <a:r>
               <a:rPr lang="en-US" sz="1050" dirty="0">
                 <a:solidFill>
-                  <a:schemeClr val="tx1"/>
-                </a:solidFill>
-                <a:latin typeface="Monaco"/>
-                <a:cs typeface="Monaco"/>
-              </a:rPr>
-              <a:t>,</a:t>
-            </a:r>
-            <a:r>
-              <a:rPr lang="en-US" sz="1050" dirty="0">
-                <a:solidFill>
-                  <a:srgbClr val="AF00B0"/>
-                </a:solidFill>
-                <a:latin typeface="Monaco"/>
-                <a:cs typeface="Monaco"/>
-              </a:rPr>
-              <a:t>'</a:t>
-            </a:r>
-            <a:r>
-              <a:rPr lang="en-US" sz="1050" dirty="0" err="1">
-                <a:solidFill>
-                  <a:srgbClr val="AF00B0"/>
-                </a:solidFill>
-                <a:latin typeface="Monaco"/>
-                <a:cs typeface="Monaco"/>
-              </a:rPr>
-              <a:t>spc</a:t>
-            </a:r>
-            <a:r>
-              <a:rPr lang="en-US" sz="1050" dirty="0">
-                <a:solidFill>
-                  <a:srgbClr val="AF00B0"/>
-                </a:solidFill>
-                <a:latin typeface="Monaco"/>
-                <a:cs typeface="Monaco"/>
-              </a:rPr>
-              <a:t>'</a:t>
-            </a:r>
-            <a:r>
-              <a:rPr lang="en-US" sz="1050" dirty="0">
-                <a:solidFill>
-                  <a:schemeClr val="tx1"/>
-                </a:solidFill>
-                <a:latin typeface="Monaco"/>
-                <a:cs typeface="Monaco"/>
-              </a:rPr>
-              <a:t>) </a:t>
-            </a:r>
-            <a:r>
-              <a:rPr lang="en-US" sz="1050" dirty="0">
-                <a:solidFill>
-                  <a:srgbClr val="008000"/>
-                </a:solidFill>
-                <a:latin typeface="Monaco"/>
-                <a:cs typeface="Monaco"/>
-              </a:rPr>
-              <a:t>% Assign the </a:t>
-            </a:r>
-            <a:r>
-              <a:rPr lang="en-US" sz="1050" dirty="0" err="1">
-                <a:solidFill>
-                  <a:srgbClr val="008000"/>
-                </a:solidFill>
-                <a:latin typeface="Monaco"/>
-                <a:cs typeface="Monaco"/>
-              </a:rPr>
-              <a:t>clayff</a:t>
-            </a:r>
-            <a:r>
-              <a:rPr lang="en-US" sz="1050" dirty="0">
-                <a:solidFill>
-                  <a:srgbClr val="008000"/>
-                </a:solidFill>
-                <a:latin typeface="Monaco"/>
-                <a:cs typeface="Monaco"/>
-              </a:rPr>
-              <a:t> atom types to the </a:t>
-            </a:r>
-            <a:r>
-              <a:rPr lang="en-US" sz="1050" dirty="0" err="1">
-                <a:solidFill>
-                  <a:srgbClr val="008000"/>
-                </a:solidFill>
-                <a:latin typeface="Monaco"/>
-                <a:cs typeface="Monaco"/>
-              </a:rPr>
-              <a:t>atomstruct</a:t>
-            </a:r>
+                  <a:srgbClr val="008000"/>
+                </a:solidFill>
+                <a:latin typeface="Monaco"/>
+                <a:cs typeface="Monaco"/>
+              </a:rPr>
+              <a:t>% Try to heal the dangling bonds, see function documentation</a:t>
+            </a:r>
+          </a:p>
+          <a:p>
+            <a:pPr lvl="1"/>
             <a:endParaRPr lang="en-US" sz="1050" dirty="0">
               <a:solidFill>
                 <a:srgbClr val="008000"/>
@@ -18777,6 +19009,26 @@
             <a:r>
               <a:rPr lang="en-US" sz="1050" dirty="0">
                 <a:solidFill>
+                  <a:srgbClr val="008000"/>
+                </a:solidFill>
+                <a:latin typeface="Monaco"/>
+                <a:cs typeface="Monaco"/>
+              </a:rPr>
+              <a:t>%% Assign CLAYFF atomtype names</a:t>
+            </a:r>
+            <a:endParaRPr lang="en-US" sz="1050" dirty="0">
+              <a:solidFill>
+                <a:schemeClr val="tx1"/>
+              </a:solidFill>
+              <a:latin typeface="Monaco"/>
+              <a:cs typeface="Monaco"/>
+            </a:endParaRPr>
+          </a:p>
+          <a:p>
+            <a:pPr lvl="1"/>
+            <a:r>
+              <a:rPr lang="en-US" sz="1050" dirty="0">
+                <a:solidFill>
                   <a:schemeClr val="tx1"/>
                 </a:solidFill>
                 <a:latin typeface="Monaco"/>
@@ -18882,6 +19134,126 @@
                 <a:latin typeface="Monaco"/>
                 <a:cs typeface="Monaco"/>
               </a:rPr>
+              <a:t>) </a:t>
+            </a:r>
+            <a:r>
+              <a:rPr lang="en-US" sz="1050" dirty="0">
+                <a:solidFill>
+                  <a:srgbClr val="008000"/>
+                </a:solidFill>
+                <a:latin typeface="Monaco"/>
+                <a:cs typeface="Monaco"/>
+              </a:rPr>
+              <a:t>% Assign the </a:t>
+            </a:r>
+            <a:r>
+              <a:rPr lang="en-US" sz="1050" dirty="0" err="1">
+                <a:solidFill>
+                  <a:srgbClr val="008000"/>
+                </a:solidFill>
+                <a:latin typeface="Monaco"/>
+                <a:cs typeface="Monaco"/>
+              </a:rPr>
+              <a:t>clayff</a:t>
+            </a:r>
+            <a:r>
+              <a:rPr lang="en-US" sz="1050" dirty="0">
+                <a:solidFill>
+                  <a:srgbClr val="008000"/>
+                </a:solidFill>
+                <a:latin typeface="Monaco"/>
+                <a:cs typeface="Monaco"/>
+              </a:rPr>
+              <a:t> atom types to the </a:t>
+            </a:r>
+            <a:r>
+              <a:rPr lang="en-US" sz="1050" dirty="0" err="1">
+                <a:solidFill>
+                  <a:srgbClr val="008000"/>
+                </a:solidFill>
+                <a:latin typeface="Monaco"/>
+                <a:cs typeface="Monaco"/>
+              </a:rPr>
+              <a:t>atomstruct</a:t>
+            </a:r>
+            <a:endParaRPr lang="en-US" sz="1050" dirty="0">
+              <a:solidFill>
+                <a:srgbClr val="008000"/>
+              </a:solidFill>
+              <a:latin typeface="Monaco"/>
+              <a:cs typeface="Monaco"/>
+            </a:endParaRPr>
+          </a:p>
+          <a:p>
+            <a:pPr lvl="1"/>
+            <a:r>
+              <a:rPr lang="en-US" sz="1050" dirty="0">
+                <a:solidFill>
+                  <a:schemeClr val="tx1"/>
+                </a:solidFill>
+                <a:latin typeface="Monaco"/>
+                <a:cs typeface="Monaco"/>
+              </a:rPr>
+              <a:t>atom=</a:t>
+            </a:r>
+            <a:r>
+              <a:rPr lang="en-US" sz="1050" dirty="0" err="1">
+                <a:solidFill>
+                  <a:schemeClr val="tx1"/>
+                </a:solidFill>
+                <a:latin typeface="Monaco"/>
+                <a:cs typeface="Monaco"/>
+              </a:rPr>
+              <a:t>clayff_atom</a:t>
+            </a:r>
+            <a:r>
+              <a:rPr lang="en-US" sz="1050" dirty="0">
+                <a:solidFill>
+                  <a:schemeClr val="tx1"/>
+                </a:solidFill>
+                <a:latin typeface="Monaco"/>
+                <a:cs typeface="Monaco"/>
+              </a:rPr>
+              <a:t>(atom,Box_dim,</a:t>
+            </a:r>
+            <a:r>
+              <a:rPr lang="en-US" sz="1050" dirty="0">
+                <a:solidFill>
+                  <a:srgbClr val="AF00B0"/>
+                </a:solidFill>
+                <a:latin typeface="Monaco"/>
+                <a:cs typeface="Monaco"/>
+              </a:rPr>
+              <a:t>'</a:t>
+            </a:r>
+            <a:r>
+              <a:rPr lang="en-US" sz="1050" dirty="0" err="1">
+                <a:solidFill>
+                  <a:srgbClr val="AF00B0"/>
+                </a:solidFill>
+                <a:latin typeface="Monaco"/>
+                <a:cs typeface="Monaco"/>
+              </a:rPr>
+              <a:t>clayff</a:t>
+            </a:r>
+            <a:r>
+              <a:rPr lang="en-US" sz="1050" dirty="0">
+                <a:solidFill>
+                  <a:srgbClr val="AF00B0"/>
+                </a:solidFill>
+                <a:latin typeface="Monaco"/>
+                <a:cs typeface="Monaco"/>
+              </a:rPr>
+              <a:t>'</a:t>
+            </a:r>
+            <a:r>
+              <a:rPr lang="en-US" sz="1050" dirty="0">
+                <a:solidFill>
+                  <a:schemeClr val="tx1"/>
+                </a:solidFill>
+                <a:latin typeface="Monaco"/>
+                <a:cs typeface="Monaco"/>
+              </a:rPr>
               <a:t>,</a:t>
             </a:r>
             <a:r>
@@ -18892,6 +19264,46 @@
                 <a:latin typeface="Monaco"/>
                 <a:cs typeface="Monaco"/>
               </a:rPr>
+              <a:t>'</a:t>
+            </a:r>
+            <a:r>
+              <a:rPr lang="en-US" sz="1050" dirty="0" err="1">
+                <a:solidFill>
+                  <a:srgbClr val="AF00B0"/>
+                </a:solidFill>
+                <a:latin typeface="Monaco"/>
+                <a:cs typeface="Monaco"/>
+              </a:rPr>
+              <a:t>spc</a:t>
+            </a:r>
+            <a:r>
+              <a:rPr lang="en-US" sz="1050" dirty="0">
+                <a:solidFill>
+                  <a:srgbClr val="AF00B0"/>
+                </a:solidFill>
+                <a:latin typeface="Monaco"/>
+                <a:cs typeface="Monaco"/>
+              </a:rPr>
+              <a:t>'</a:t>
+            </a:r>
+            <a:r>
+              <a:rPr lang="en-US" sz="1050" dirty="0">
+                <a:solidFill>
+                  <a:schemeClr val="tx1"/>
+                </a:solidFill>
+                <a:latin typeface="Monaco"/>
+                <a:cs typeface="Monaco"/>
+              </a:rPr>
+              <a:t>,</a:t>
+            </a:r>
+            <a:r>
+              <a:rPr lang="en-US" sz="1050" dirty="0">
+                <a:solidFill>
+                  <a:srgbClr val="AF00B0"/>
+                </a:solidFill>
+                <a:latin typeface="Monaco"/>
+                <a:cs typeface="Monaco"/>
+              </a:rPr>
               <a:t>'heal'</a:t>
             </a:r>
             <a:r>
@@ -18914,6 +19326,16 @@
               </a:rPr>
               <a:t>% Try to use heal if you have to heal the edges</a:t>
             </a:r>
+          </a:p>
+          <a:p>
+            <a:pPr lvl="1"/>
+            <a:endParaRPr lang="en-US" sz="1050" dirty="0">
+              <a:solidFill>
+                <a:srgbClr val="008000"/>
+              </a:solidFill>
+              <a:latin typeface="Monaco"/>
+              <a:cs typeface="Monaco"/>
+            </a:endParaRPr>
           </a:p>
           <a:p>
             <a:pPr lvl="1"/>
@@ -19709,7 +20131,7 @@
                 <a:latin typeface="Monaco"/>
                 <a:cs typeface="Monaco"/>
               </a:rPr>
-              <a:t>clayff_atom</a:t>
+              <a:t>minff_atom</a:t>
             </a:r>
             <a:r>
               <a:rPr lang="en-US" sz="1050" dirty="0">
@@ -19719,117 +20141,17 @@
                 <a:latin typeface="Monaco"/>
                 <a:cs typeface="Monaco"/>
               </a:rPr>
-              <a:t>(atom,Box_dim,</a:t>
+              <a:t>(atom,Box_dim) </a:t>
             </a:r>
             <a:r>
               <a:rPr lang="en-US" sz="1050" dirty="0">
                 <a:solidFill>
-                  <a:srgbClr val="AF00B0"/>
-                </a:solidFill>
-                <a:latin typeface="Monaco"/>
-                <a:cs typeface="Monaco"/>
-              </a:rPr>
-              <a:t>'</a:t>
-            </a:r>
-            <a:r>
-              <a:rPr lang="en-US" sz="1050" dirty="0" err="1">
-                <a:solidFill>
-                  <a:srgbClr val="AF00B0"/>
-                </a:solidFill>
-                <a:latin typeface="Monaco"/>
-                <a:cs typeface="Monaco"/>
-              </a:rPr>
-              <a:t>clayff</a:t>
-            </a:r>
-            <a:r>
-              <a:rPr lang="en-US" sz="1050" dirty="0">
-                <a:solidFill>
-                  <a:srgbClr val="AF00B0"/>
-                </a:solidFill>
-                <a:latin typeface="Monaco"/>
-                <a:cs typeface="Monaco"/>
-              </a:rPr>
-              <a:t>'</a:t>
-            </a:r>
-            <a:r>
-              <a:rPr lang="en-US" sz="1050" dirty="0">
-                <a:solidFill>
-                  <a:schemeClr val="tx1"/>
-                </a:solidFill>
-                <a:latin typeface="Monaco"/>
-                <a:cs typeface="Monaco"/>
-              </a:rPr>
-              <a:t>,</a:t>
-            </a:r>
-            <a:r>
-              <a:rPr lang="en-US" sz="1050" dirty="0">
-                <a:solidFill>
-                  <a:srgbClr val="AF00B0"/>
-                </a:solidFill>
-                <a:latin typeface="Monaco"/>
-                <a:cs typeface="Monaco"/>
-              </a:rPr>
-              <a:t>'</a:t>
-            </a:r>
-            <a:r>
-              <a:rPr lang="en-US" sz="1050" dirty="0" err="1">
-                <a:solidFill>
-                  <a:srgbClr val="AF00B0"/>
-                </a:solidFill>
-                <a:latin typeface="Monaco"/>
-                <a:cs typeface="Monaco"/>
-              </a:rPr>
-              <a:t>spc</a:t>
-            </a:r>
-            <a:r>
-              <a:rPr lang="en-US" sz="1050" dirty="0">
-                <a:solidFill>
-                  <a:srgbClr val="AF00B0"/>
-                </a:solidFill>
-                <a:latin typeface="Monaco"/>
-                <a:cs typeface="Monaco"/>
-              </a:rPr>
-              <a:t>'</a:t>
-            </a:r>
-            <a:r>
-              <a:rPr lang="en-US" sz="1050" dirty="0">
-                <a:solidFill>
-                  <a:schemeClr val="tx1"/>
-                </a:solidFill>
-                <a:latin typeface="Monaco"/>
-                <a:cs typeface="Monaco"/>
-              </a:rPr>
-              <a:t>) </a:t>
-            </a:r>
-            <a:r>
-              <a:rPr lang="en-US" sz="1050" dirty="0">
-                <a:solidFill>
-                  <a:srgbClr val="008000"/>
-                </a:solidFill>
-                <a:latin typeface="Monaco"/>
-                <a:cs typeface="Monaco"/>
-              </a:rPr>
-              <a:t>% Assign the </a:t>
-            </a:r>
-            <a:r>
-              <a:rPr lang="en-US" sz="1050" dirty="0" err="1">
-                <a:solidFill>
-                  <a:srgbClr val="008000"/>
-                </a:solidFill>
-                <a:latin typeface="Monaco"/>
-                <a:cs typeface="Monaco"/>
-              </a:rPr>
-              <a:t>clayff</a:t>
-            </a:r>
-            <a:r>
-              <a:rPr lang="en-US" sz="1050" dirty="0">
-                <a:solidFill>
-                  <a:srgbClr val="008000"/>
-                </a:solidFill>
-                <a:latin typeface="Monaco"/>
-                <a:cs typeface="Monaco"/>
-              </a:rPr>
-              <a:t> atom types to the </a:t>
+                  <a:srgbClr val="008000"/>
+                </a:solidFill>
+                <a:latin typeface="Monaco"/>
+                <a:cs typeface="Monaco"/>
+              </a:rPr>
+              <a:t>% Assign the minff atom types to the </a:t>
             </a:r>
             <a:r>
               <a:rPr lang="en-US" sz="1050" dirty="0" err="1">
@@ -19859,7 +20181,7 @@
                 <a:latin typeface="Monaco"/>
                 <a:cs typeface="Monaco"/>
               </a:rPr>
-              <a:t>atom=</a:t>
+              <a:t>atom=minff</a:t>
             </a:r>
             <a:r>
               <a:rPr lang="en-US" sz="1050" dirty="0" err="1">
@@ -19869,7 +20191,7 @@
                 <a:latin typeface="Monaco"/>
                 <a:cs typeface="Monaco"/>
               </a:rPr>
-              <a:t>clayff_atom</a:t>
+              <a:t>_atom</a:t>
             </a:r>
             <a:r>
               <a:rPr lang="en-US" sz="1050" dirty="0">
@@ -19889,107 +20211,27 @@
                 <a:latin typeface="Monaco"/>
                 <a:cs typeface="Monaco"/>
               </a:rPr>
-              <a:t>'</a:t>
-            </a:r>
-            <a:r>
-              <a:rPr lang="en-US" sz="1050" dirty="0" err="1">
-                <a:solidFill>
-                  <a:srgbClr val="AF00B0"/>
-                </a:solidFill>
-                <a:latin typeface="Monaco"/>
-                <a:cs typeface="Monaco"/>
-              </a:rPr>
-              <a:t>clayff</a:t>
+              <a:t>’minff’</a:t>
             </a:r>
             <a:r>
               <a:rPr lang="en-US" sz="1050" dirty="0">
                 <a:solidFill>
-                  <a:srgbClr val="AF00B0"/>
-                </a:solidFill>
-                <a:latin typeface="Monaco"/>
-                <a:cs typeface="Monaco"/>
-              </a:rPr>
-              <a:t>'</a:t>
+                  <a:schemeClr val="tx1"/>
+                </a:solidFill>
+                <a:latin typeface="Monaco"/>
+                <a:cs typeface="Monaco"/>
+              </a:rPr>
+              <a:t>,heal) </a:t>
             </a:r>
             <a:r>
               <a:rPr lang="en-US" sz="1050" dirty="0">
                 <a:solidFill>
-                  <a:schemeClr val="tx1"/>
-                </a:solidFill>
-                <a:latin typeface="Monaco"/>
-                <a:cs typeface="Monaco"/>
-              </a:rPr>
-              <a:t>,</a:t>
-            </a:r>
-            <a:r>
-              <a:rPr lang="en-US" sz="1050" dirty="0">
-                <a:solidFill>
-                  <a:srgbClr val="AF00B0"/>
-                </a:solidFill>
-                <a:latin typeface="Monaco"/>
-                <a:cs typeface="Monaco"/>
-              </a:rPr>
-              <a:t>'</a:t>
-            </a:r>
-            <a:r>
-              <a:rPr lang="en-US" sz="1050" dirty="0" err="1">
-                <a:solidFill>
-                  <a:srgbClr val="AF00B0"/>
-                </a:solidFill>
-                <a:latin typeface="Monaco"/>
-                <a:cs typeface="Monaco"/>
-              </a:rPr>
-              <a:t>spc</a:t>
-            </a:r>
-            <a:r>
-              <a:rPr lang="en-US" sz="1050" dirty="0">
-                <a:solidFill>
-                  <a:srgbClr val="AF00B0"/>
-                </a:solidFill>
-                <a:latin typeface="Monaco"/>
-                <a:cs typeface="Monaco"/>
-              </a:rPr>
-              <a:t>'</a:t>
-            </a:r>
-            <a:r>
-              <a:rPr lang="en-US" sz="1050" dirty="0">
-                <a:solidFill>
-                  <a:schemeClr val="tx1"/>
-                </a:solidFill>
-                <a:latin typeface="Monaco"/>
-                <a:cs typeface="Monaco"/>
-              </a:rPr>
-              <a:t>,</a:t>
-            </a:r>
-            <a:r>
-              <a:rPr lang="en-US" sz="1050" dirty="0">
-                <a:solidFill>
-                  <a:srgbClr val="AF00B0"/>
-                </a:solidFill>
-                <a:latin typeface="Monaco"/>
-                <a:cs typeface="Monaco"/>
-              </a:rPr>
-              <a:t>'heal'</a:t>
-            </a:r>
-            <a:r>
-              <a:rPr lang="en-US" sz="1050" dirty="0">
-                <a:solidFill>
-                  <a:schemeClr val="tx1"/>
-                </a:solidFill>
-                <a:latin typeface="Monaco"/>
-                <a:cs typeface="Monaco"/>
-              </a:rPr>
-              <a:t>) </a:t>
-            </a:r>
-            <a:r>
-              <a:rPr lang="en-US" sz="1050" dirty="0">
-                <a:solidFill>
-                  <a:srgbClr val="008000"/>
-                </a:solidFill>
-                <a:latin typeface="Monaco"/>
-                <a:cs typeface="Monaco"/>
-              </a:rPr>
-              <a:t>% Try to use heal if you have to heal the edges</a:t>
+                  <a:srgbClr val="008000"/>
+                </a:solidFill>
+                <a:latin typeface="Monaco"/>
+                <a:cs typeface="Monaco"/>
+              </a:rPr>
+              <a:t>% Try to heal the dangling bonds, see function documentation</a:t>
             </a:r>
           </a:p>
           <a:p>
@@ -20391,7 +20633,7 @@
         <p:spPr>
           <a:xfrm>
             <a:off x="574256" y="903099"/>
-            <a:ext cx="8582444" cy="2031325"/>
+            <a:ext cx="8582444" cy="2277547"/>
           </a:xfrm>
           <a:prstGeom prst="rect">
             <a:avLst/>
@@ -20592,6 +20834,14 @@
             </a:r>
             <a:r>
               <a:rPr lang="sv-SE" sz="1600" dirty="0" err="1"/>
+              <a:t>write_minff_itp</a:t>
+            </a:r>
+            <a:r>
+              <a:rPr lang="sv-SE" sz="1600" dirty="0"/>
+              <a:t>()  or the more general </a:t>
+            </a:r>
+            <a:r>
+              <a:rPr lang="sv-SE" sz="1600" dirty="0" err="1"/>
               <a:t>write_atom_itp</a:t>
             </a:r>
             <a:r>
@@ -20605,14 +20855,6 @@
             <a:r>
               <a:rPr lang="sv-SE" sz="1600" dirty="0"/>
               <a:t> like </a:t>
-            </a:r>
-            <a:r>
-              <a:rPr lang="sv-SE" sz="1600" dirty="0" err="1"/>
-              <a:t>this</a:t>
-            </a:r>
-            <a:r>
-              <a:rPr lang="sv-SE" sz="1600" dirty="0"/>
-              <a:t> </a:t>
             </a:r>
             <a:r>
               <a:rPr lang="sv-SE" sz="1600" dirty="0" err="1"/>
@@ -20811,8 +21053,8 @@
         </p:nvSpPr>
         <p:spPr>
           <a:xfrm>
-            <a:off x="-12700" y="2922191"/>
-            <a:ext cx="9156700" cy="1546577"/>
+            <a:off x="-12700" y="3296766"/>
+            <a:ext cx="9156700" cy="2192908"/>
           </a:xfrm>
           <a:prstGeom prst="rect">
             <a:avLst/>
@@ -20851,7 +21093,7 @@
                 <a:latin typeface="Monaco"/>
                 <a:cs typeface="Monaco"/>
               </a:rPr>
-              <a:t>%% Import a structure that has the correct </a:t>
+              <a:t>%% Import a structure that has the correct forcefield minff, </a:t>
             </a:r>
             <a:r>
               <a:rPr lang="en-US" sz="1050" dirty="0" err="1">
@@ -20881,7 +21123,7 @@
                 <a:latin typeface="Monaco"/>
                 <a:cs typeface="Monaco"/>
               </a:rPr>
-              <a:t>atomnames</a:t>
+              <a:t>atomnames, </a:t>
             </a:r>
             <a:r>
               <a:rPr lang="en-US" sz="1050" dirty="0">
@@ -20891,51 +21133,127 @@
                 <a:latin typeface="Monaco"/>
                 <a:cs typeface="Monaco"/>
               </a:rPr>
-              <a:t>. If not assigned use </a:t>
-            </a:r>
-            <a:r>
-              <a:rPr lang="en-US" sz="1050" dirty="0" err="1">
-                <a:solidFill>
-                  <a:srgbClr val="008000"/>
-                </a:solidFill>
-                <a:latin typeface="Monaco"/>
-                <a:cs typeface="Monaco"/>
-              </a:rPr>
-              <a:t>clayff_atom</a:t>
-            </a:r>
-            <a:r>
-              <a:rPr lang="en-US" sz="1050" dirty="0">
-                <a:solidFill>
-                  <a:srgbClr val="008000"/>
-                </a:solidFill>
-                <a:latin typeface="Monaco"/>
-                <a:cs typeface="Monaco"/>
-              </a:rPr>
-              <a:t>() or </a:t>
-            </a:r>
-            <a:r>
-              <a:rPr lang="en-US" sz="1050" dirty="0" err="1">
-                <a:solidFill>
-                  <a:srgbClr val="008000"/>
-                </a:solidFill>
-                <a:latin typeface="Monaco"/>
-                <a:cs typeface="Monaco"/>
-              </a:rPr>
-              <a:t>interface_atom</a:t>
-            </a:r>
-            <a:r>
-              <a:rPr lang="en-US" sz="1050" dirty="0">
-                <a:solidFill>
-                  <a:srgbClr val="008000"/>
-                </a:solidFill>
-                <a:latin typeface="Monaco"/>
-                <a:cs typeface="Monaco"/>
-              </a:rPr>
-              <a:t> as demonstrated on the previous slide. Then invoke:</a:t>
+              <a:t>as demonstrated on the previous slide. Then invoke:</a:t>
             </a:r>
             <a:endParaRPr lang="en-US" sz="1050" dirty="0">
               <a:solidFill>
                 <a:srgbClr val="000000"/>
+              </a:solidFill>
+              <a:latin typeface="Monaco"/>
+              <a:cs typeface="Monaco"/>
+            </a:endParaRPr>
+          </a:p>
+          <a:p>
+            <a:pPr lvl="1"/>
+            <a:r>
+              <a:rPr lang="en-US" sz="1050" dirty="0" err="1">
+                <a:solidFill>
+                  <a:schemeClr val="tx1"/>
+                </a:solidFill>
+                <a:latin typeface="Monaco"/>
+                <a:cs typeface="Monaco"/>
+              </a:rPr>
+              <a:t>write_minff_itp</a:t>
+            </a:r>
+            <a:r>
+              <a:rPr lang="en-US" sz="1050" dirty="0">
+                <a:solidFill>
+                  <a:schemeClr val="tx1"/>
+                </a:solidFill>
+                <a:latin typeface="Monaco"/>
+                <a:cs typeface="Monaco"/>
+              </a:rPr>
+              <a:t>(atom,Box_dim,filename) </a:t>
+            </a:r>
+            <a:r>
+              <a:rPr lang="en-US" sz="1050" dirty="0">
+                <a:solidFill>
+                  <a:srgbClr val="008000"/>
+                </a:solidFill>
+                <a:latin typeface="Monaco"/>
+                <a:cs typeface="Monaco"/>
+              </a:rPr>
+              <a:t>% Write a </a:t>
+            </a:r>
+            <a:r>
+              <a:rPr lang="en-US" sz="1050" dirty="0" err="1">
+                <a:solidFill>
+                  <a:srgbClr val="008000"/>
+                </a:solidFill>
+                <a:latin typeface="Monaco"/>
+                <a:cs typeface="Monaco"/>
+              </a:rPr>
+              <a:t>gromacs</a:t>
+            </a:r>
+            <a:r>
+              <a:rPr lang="en-US" sz="1050" dirty="0">
+                <a:solidFill>
+                  <a:srgbClr val="008000"/>
+                </a:solidFill>
+                <a:latin typeface="Monaco"/>
+                <a:cs typeface="Monaco"/>
+              </a:rPr>
+              <a:t>/minff .</a:t>
+            </a:r>
+            <a:r>
+              <a:rPr lang="en-US" sz="1050" dirty="0" err="1">
+                <a:solidFill>
+                  <a:srgbClr val="008000"/>
+                </a:solidFill>
+                <a:latin typeface="Monaco"/>
+                <a:cs typeface="Monaco"/>
+              </a:rPr>
+              <a:t>itp</a:t>
+            </a:r>
+            <a:r>
+              <a:rPr lang="en-US" sz="1050" dirty="0">
+                <a:solidFill>
+                  <a:srgbClr val="008000"/>
+                </a:solidFill>
+                <a:latin typeface="Monaco"/>
+                <a:cs typeface="Monaco"/>
+              </a:rPr>
+              <a:t> file</a:t>
+            </a:r>
+          </a:p>
+          <a:p>
+            <a:pPr lvl="1"/>
+            <a:r>
+              <a:rPr lang="en-US" sz="1050" dirty="0">
+                <a:solidFill>
+                  <a:srgbClr val="008000"/>
+                </a:solidFill>
+                <a:latin typeface="Monaco"/>
+                <a:cs typeface="Monaco"/>
+              </a:rPr>
+              <a:t>% see also the write_minff_psf() and write_minff_lmp topology functions</a:t>
+            </a:r>
+          </a:p>
+          <a:p>
+            <a:pPr lvl="1"/>
+            <a:endParaRPr lang="en-US" sz="1050" dirty="0">
+              <a:solidFill>
+                <a:srgbClr val="008000"/>
+              </a:solidFill>
+              <a:latin typeface="Monaco"/>
+              <a:cs typeface="Monaco"/>
+            </a:endParaRPr>
+          </a:p>
+          <a:p>
+            <a:pPr lvl="1"/>
+            <a:r>
+              <a:rPr lang="en-US" sz="1050" dirty="0">
+                <a:solidFill>
+                  <a:srgbClr val="008000"/>
+                </a:solidFill>
+                <a:latin typeface="Monaco"/>
+                <a:cs typeface="Monaco"/>
+              </a:rPr>
+              <a:t>% else for CLAYFF or INTERFACE</a:t>
+            </a:r>
+            <a:endParaRPr lang="en-US" sz="1050" dirty="0" err="1">
+              <a:solidFill>
+                <a:schemeClr val="tx1"/>
               </a:solidFill>
               <a:latin typeface="Monaco"/>
               <a:cs typeface="Monaco"/>
@@ -31818,15 +32136,15 @@
             <a:r>
               <a:rPr lang="sv-SE" sz="1400" dirty="0">
                 <a:solidFill>
-                  <a:srgbClr val="000000"/>
-                </a:solidFill>
-              </a:rPr>
-              <a:t>System = </a:t>
+                  <a:srgbClr val="008000"/>
+                </a:solidFill>
+              </a:rPr>
+              <a:t>% System = </a:t>
             </a:r>
             <a:r>
               <a:rPr lang="sv-SE" sz="1400" dirty="0" err="1">
                 <a:solidFill>
-                  <a:srgbClr val="000000"/>
+                  <a:srgbClr val="008000"/>
                 </a:solidFill>
               </a:rPr>
               <a:t>charge_atom</a:t>
@@ -31834,7 +32152,7 @@
             <a:r>
               <a:rPr lang="sv-SE" sz="1400" dirty="0">
                 <a:solidFill>
-                  <a:srgbClr val="000000"/>
+                  <a:srgbClr val="008000"/>
                 </a:solidFill>
               </a:rPr>
               <a:t>(System,Box_</a:t>
@@ -31842,7 +32160,7 @@
             <a:r>
               <a:rPr lang="sv-SE" sz="1400" dirty="0" err="1">
                 <a:solidFill>
-                  <a:srgbClr val="000000"/>
+                  <a:srgbClr val="008000"/>
                 </a:solidFill>
               </a:rPr>
               <a:t>dim</a:t>
@@ -31850,7 +32168,7 @@
             <a:r>
               <a:rPr lang="sv-SE" sz="1400" dirty="0">
                 <a:solidFill>
-                  <a:srgbClr val="000000"/>
+                  <a:srgbClr val="008000"/>
                 </a:solidFill>
               </a:rPr>
               <a:t>,'</a:t>
@@ -31858,7 +32176,7 @@
             <a:r>
               <a:rPr lang="sv-SE" sz="1400" dirty="0" err="1">
                 <a:solidFill>
-                  <a:srgbClr val="000000"/>
+                  <a:srgbClr val="008000"/>
                 </a:solidFill>
               </a:rPr>
               <a:t>clayff</a:t>
@@ -31866,7 +32184,7 @@
             <a:r>
               <a:rPr lang="sv-SE" sz="1400" dirty="0">
                 <a:solidFill>
-                  <a:srgbClr val="000000"/>
+                  <a:srgbClr val="008000"/>
                 </a:solidFill>
               </a:rPr>
               <a:t>','</a:t>
@@ -31874,7 +32192,7 @@
             <a:r>
               <a:rPr lang="sv-SE" sz="1400" dirty="0" err="1">
                 <a:solidFill>
-                  <a:srgbClr val="000000"/>
+                  <a:srgbClr val="008000"/>
                 </a:solidFill>
               </a:rPr>
               <a:t>spc</a:t>
@@ -31882,7 +32200,7 @@
             <a:r>
               <a:rPr lang="sv-SE" sz="1400" dirty="0">
                 <a:solidFill>
-                  <a:srgbClr val="000000"/>
+                  <a:srgbClr val="008000"/>
                 </a:solidFill>
               </a:rPr>
               <a:t>/e');</a:t>
@@ -38995,7 +39313,7 @@
         <p:spPr>
           <a:xfrm>
             <a:off x="0" y="4508500"/>
-            <a:ext cx="9144000" cy="1536700"/>
+            <a:ext cx="9144000" cy="1870266"/>
           </a:xfrm>
           <a:prstGeom prst="rect">
             <a:avLst/>
@@ -39714,6 +40032,25 @@
               </a:rPr>
               <a:t>matlab</a:t>
             </a:r>
+            <a:br>
+              <a:rPr lang="sv-SE" sz="1400" b="1" dirty="0" err="1">
+                <a:solidFill>
+                  <a:srgbClr val="008000"/>
+                </a:solidFill>
+                <a:latin typeface="Monaco"/>
+                <a:cs typeface="Monaco"/>
+              </a:rPr>
+            </a:br>
+            <a:r>
+              <a:rPr lang="sv-SE" sz="1400" dirty="0">
+                <a:solidFill>
+                  <a:srgbClr val="008000"/>
+                </a:solidFill>
+                <a:latin typeface="Monaco"/>
+                <a:cs typeface="Monaco"/>
+              </a:rPr>
+              <a:t>% Make sure to use the correct apostrophs, like ' or ” instead of ’</a:t>
+            </a:r>
             <a:endParaRPr lang="sv-SE" sz="1400" b="1" dirty="0">
               <a:solidFill>
                 <a:srgbClr val="008000"/>
@@ -39822,7 +40159,7 @@
                 <a:latin typeface="Monaco"/>
                 <a:cs typeface="Monaco"/>
               </a:rPr>
-              <a:t>write_atom</a:t>
+              <a:t>write_atom_pdb</a:t>
             </a:r>
             <a:r>
               <a:rPr lang="sv-SE" sz="1400" dirty="0">
@@ -39899,57 +40236,7 @@
                 <a:latin typeface="Monaco"/>
                 <a:cs typeface="Monaco"/>
               </a:rPr>
-              <a:t> &amp;&amp; </a:t>
-            </a:r>
-            <a:r>
-              <a:rPr lang="sv-SE" sz="1400" dirty="0" err="1">
-                <a:solidFill>
-                  <a:srgbClr val="008000"/>
-                </a:solidFill>
-                <a:latin typeface="Monaco"/>
-                <a:cs typeface="Monaco"/>
-              </a:rPr>
-              <a:t>lammps</a:t>
-            </a:r>
-            <a:r>
-              <a:rPr lang="sv-SE" sz="1400" dirty="0">
-                <a:solidFill>
-                  <a:srgbClr val="008000"/>
-                </a:solidFill>
-                <a:latin typeface="Monaco"/>
-                <a:cs typeface="Monaco"/>
-              </a:rPr>
-              <a:t>/</a:t>
-            </a:r>
-            <a:r>
-              <a:rPr lang="sv-SE" sz="1400" dirty="0" err="1">
-                <a:solidFill>
-                  <a:srgbClr val="008000"/>
-                </a:solidFill>
-                <a:latin typeface="Monaco"/>
-                <a:cs typeface="Monaco"/>
-              </a:rPr>
-              <a:t>gmx</a:t>
-            </a:r>
-            <a:r>
-              <a:rPr lang="sv-SE" sz="1400" dirty="0">
-                <a:solidFill>
-                  <a:srgbClr val="008000"/>
-                </a:solidFill>
-                <a:latin typeface="Monaco"/>
-                <a:cs typeface="Monaco"/>
-              </a:rPr>
-              <a:t> </a:t>
-            </a:r>
-            <a:r>
-              <a:rPr lang="sv-SE" sz="1400" dirty="0" err="1">
-                <a:solidFill>
-                  <a:srgbClr val="008000"/>
-                </a:solidFill>
-                <a:latin typeface="Monaco"/>
-                <a:cs typeface="Monaco"/>
-              </a:rPr>
-              <a:t>topologies</a:t>
+              <a:t> or itp/psf/lmp data</a:t>
             </a:r>
             <a:endParaRPr lang="sv-SE" sz="1400" dirty="0">
               <a:latin typeface="Monaco"/>
@@ -40060,7 +40347,7 @@
                 <a:latin typeface="Monaco"/>
                 <a:cs typeface="Monaco"/>
               </a:rPr>
-              <a:t>+50 </a:t>
+              <a:t>+ many </a:t>
             </a:r>
             <a:r>
               <a:rPr lang="sv-SE" sz="1200" dirty="0" err="1">
@@ -44139,4 +44426,10 @@
   </a:objectDefaults>
   <a:extraClrSchemeLst/>
 </a:theme>
+</file>
+
+<file path=docMetadata/LabelInfo.xml><?xml version="1.0" encoding="utf-8"?>
+<clbl:labelList xmlns:clbl="http://schemas.microsoft.com/office/2020/mipLabelMetadata">
+  <clbl:label id="{f13b610e-d3b5-490f-b165-988100e8232a}" enabled="1" method="Standard" siteId="{5a4ba6f9-f531-4f32-9467-398f19e69de4}" contentBits="1" removed="0"/>
+</clbl:labelList>
 </file>